--- a/documentations/React OIDC final.pptx
+++ b/documentations/React OIDC final.pptx
@@ -703,7 +703,7 @@
           <a:lstStyle/>
           <a:p>
             <a:r>
-              <a:rPr lang="fr-FR" sz="1200" kern="1200">
+              <a:rPr lang="fr-FR" sz="1200" kern="1200" dirty="0">
                 <a:solidFill>
                   <a:schemeClr val="tx1"/>
                 </a:solidFill>
@@ -717,7 +717,7 @@
           </a:p>
           <a:p>
             <a:r>
-              <a:rPr lang="fr-FR" sz="1200" kern="1200">
+              <a:rPr lang="fr-FR" sz="1200" kern="1200" dirty="0">
                 <a:solidFill>
                   <a:schemeClr val="tx1"/>
                 </a:solidFill>
@@ -726,10 +726,10 @@
                 <a:ea typeface="+mn-ea"/>
                 <a:cs typeface="+mn-cs"/>
               </a:rPr>
-              <a:t> - Objet du workshop : création d’un </a:t>
-            </a:r>
-            <a:r>
-              <a:rPr lang="fr-FR" sz="1200" kern="1200" err="1">
+              <a:t> - Objet du workshop : création d’un app </a:t>
+            </a:r>
+            <a:r>
+              <a:rPr lang="fr-FR" sz="1200" kern="1200" dirty="0" err="1">
                 <a:solidFill>
                   <a:schemeClr val="tx1"/>
                 </a:solidFill>
@@ -738,10 +738,10 @@
                 <a:ea typeface="+mn-ea"/>
                 <a:cs typeface="+mn-cs"/>
               </a:rPr>
-              <a:t>app</a:t>
-            </a:r>
-            <a:r>
-              <a:rPr lang="fr-FR" sz="1200" kern="1200">
+              <a:t>React</a:t>
+            </a:r>
+            <a:r>
+              <a:rPr lang="fr-FR" sz="1200" kern="1200" dirty="0">
                 <a:solidFill>
                   <a:schemeClr val="tx1"/>
                 </a:solidFill>
@@ -750,10 +750,12 @@
                 <a:ea typeface="+mn-ea"/>
                 <a:cs typeface="+mn-cs"/>
               </a:rPr>
-              <a:t> </a:t>
-            </a:r>
-            <a:r>
-              <a:rPr lang="fr-FR" sz="1200" kern="1200" err="1">
+              <a:t> avec le Slash Design System</a:t>
+            </a:r>
+          </a:p>
+          <a:p>
+            <a:r>
+              <a:rPr lang="fr-FR" sz="1200" kern="1200" dirty="0">
                 <a:solidFill>
                   <a:schemeClr val="tx1"/>
                 </a:solidFill>
@@ -762,55 +764,8 @@
                 <a:ea typeface="+mn-ea"/>
                 <a:cs typeface="+mn-cs"/>
               </a:rPr>
-              <a:t>React</a:t>
-            </a:r>
-            <a:r>
-              <a:rPr lang="fr-FR" sz="1200" kern="1200">
-                <a:solidFill>
-                  <a:schemeClr val="tx1"/>
-                </a:solidFill>
-                <a:effectLst/>
-                <a:latin typeface="+mn-lt"/>
-                <a:ea typeface="+mn-ea"/>
-                <a:cs typeface="+mn-cs"/>
-              </a:rPr>
-              <a:t> avec le Slash Design System</a:t>
-            </a:r>
-          </a:p>
-          <a:p>
-            <a:r>
-              <a:rPr lang="fr-FR" sz="1200" kern="1200">
-                <a:solidFill>
-                  <a:schemeClr val="tx1"/>
-                </a:solidFill>
-                <a:effectLst/>
-                <a:latin typeface="+mn-lt"/>
-                <a:ea typeface="+mn-ea"/>
-                <a:cs typeface="+mn-cs"/>
-              </a:rPr>
-              <a:t> - Guillaume </a:t>
-            </a:r>
-            <a:r>
-              <a:rPr lang="fr-FR" sz="1200" kern="1200" err="1">
-                <a:solidFill>
-                  <a:schemeClr val="tx1"/>
-                </a:solidFill>
-                <a:effectLst/>
-                <a:latin typeface="+mn-lt"/>
-                <a:ea typeface="+mn-ea"/>
-                <a:cs typeface="+mn-cs"/>
-              </a:rPr>
-              <a:t>Chervet</a:t>
-            </a:r>
-            <a:endParaRPr lang="fr-FR" sz="1200" kern="1200">
-              <a:solidFill>
-                <a:schemeClr val="tx1"/>
-              </a:solidFill>
-              <a:effectLst/>
-              <a:latin typeface="+mn-lt"/>
-              <a:ea typeface="+mn-ea"/>
-              <a:cs typeface="+mn-cs"/>
-            </a:endParaRPr>
+              <a:t> - Guillaume Chervet</a:t>
+            </a:r>
           </a:p>
           <a:p>
             <a:r>
@@ -9336,7 +9291,7 @@
                 <a:ea typeface="Karla" pitchFamily="2" charset="0"/>
                 <a:cs typeface="Times New Roman" pitchFamily="18" charset="0"/>
               </a:rPr>
-              <a:t>Present</a:t>
+              <a:t>Presented</a:t>
             </a:r>
             <a:r>
               <a:rPr lang="fr-FR" b="1" i="1" dirty="0">

--- a/documentations/React OIDC final.pptx
+++ b/documentations/React OIDC final.pptx
@@ -5,39 +5,37 @@
     <p:sldMasterId id="2147483648" r:id="rId1"/>
   </p:sldMasterIdLst>
   <p:notesMasterIdLst>
-    <p:notesMasterId r:id="rId29"/>
+    <p:notesMasterId r:id="rId27"/>
   </p:notesMasterIdLst>
   <p:handoutMasterIdLst>
-    <p:handoutMasterId r:id="rId30"/>
+    <p:handoutMasterId r:id="rId28"/>
   </p:handoutMasterIdLst>
   <p:sldIdLst>
     <p:sldId id="293" r:id="rId2"/>
     <p:sldId id="591" r:id="rId3"/>
     <p:sldId id="382" r:id="rId4"/>
-    <p:sldId id="592" r:id="rId5"/>
+    <p:sldId id="594" r:id="rId5"/>
     <p:sldId id="436" r:id="rId6"/>
-    <p:sldId id="376" r:id="rId7"/>
-    <p:sldId id="594" r:id="rId8"/>
-    <p:sldId id="464" r:id="rId9"/>
-    <p:sldId id="450" r:id="rId10"/>
-    <p:sldId id="470" r:id="rId11"/>
-    <p:sldId id="465" r:id="rId12"/>
-    <p:sldId id="403" r:id="rId13"/>
-    <p:sldId id="596" r:id="rId14"/>
-    <p:sldId id="445" r:id="rId15"/>
-    <p:sldId id="595" r:id="rId16"/>
-    <p:sldId id="460" r:id="rId17"/>
-    <p:sldId id="606" r:id="rId18"/>
-    <p:sldId id="597" r:id="rId19"/>
-    <p:sldId id="609" r:id="rId20"/>
-    <p:sldId id="607" r:id="rId21"/>
-    <p:sldId id="608" r:id="rId22"/>
-    <p:sldId id="600" r:id="rId23"/>
-    <p:sldId id="602" r:id="rId24"/>
-    <p:sldId id="603" r:id="rId25"/>
-    <p:sldId id="610" r:id="rId26"/>
-    <p:sldId id="604" r:id="rId27"/>
-    <p:sldId id="439" r:id="rId28"/>
+    <p:sldId id="464" r:id="rId7"/>
+    <p:sldId id="450" r:id="rId8"/>
+    <p:sldId id="470" r:id="rId9"/>
+    <p:sldId id="465" r:id="rId10"/>
+    <p:sldId id="403" r:id="rId11"/>
+    <p:sldId id="596" r:id="rId12"/>
+    <p:sldId id="445" r:id="rId13"/>
+    <p:sldId id="595" r:id="rId14"/>
+    <p:sldId id="460" r:id="rId15"/>
+    <p:sldId id="606" r:id="rId16"/>
+    <p:sldId id="597" r:id="rId17"/>
+    <p:sldId id="609" r:id="rId18"/>
+    <p:sldId id="607" r:id="rId19"/>
+    <p:sldId id="608" r:id="rId20"/>
+    <p:sldId id="600" r:id="rId21"/>
+    <p:sldId id="602" r:id="rId22"/>
+    <p:sldId id="603" r:id="rId23"/>
+    <p:sldId id="610" r:id="rId24"/>
+    <p:sldId id="604" r:id="rId25"/>
+    <p:sldId id="439" r:id="rId26"/>
   </p:sldIdLst>
   <p:sldSz cx="12192000" cy="6858000"/>
   <p:notesSz cx="6888163" cy="10020300"/>
@@ -226,7 +224,7 @@
           <a:p>
             <a:fld id="{92C0ECB4-1DA6-4958-A0CF-A11808127F66}" type="datetimeFigureOut">
               <a:rPr lang="fr-FR" smtClean="0"/>
-              <a:t>16/11/2020</a:t>
+              <a:t>17/11/2020</a:t>
             </a:fld>
             <a:endParaRPr lang="fr-FR"/>
           </a:p>
@@ -391,7 +389,7 @@
           <a:p>
             <a:fld id="{79251E60-887E-4FF0-8411-14E4694F24DF}" type="datetimeFigureOut">
               <a:rPr lang="fr-FR" smtClean="0"/>
-              <a:t>16/11/2020</a:t>
+              <a:t>17/11/2020</a:t>
             </a:fld>
             <a:endParaRPr lang="fr-FR"/>
           </a:p>
@@ -1051,7 +1049,7 @@
           <a:p>
             <a:fld id="{41EB770E-9F5C-44F4-BEAD-89B26D889570}" type="slidenum">
               <a:rPr lang="fr-FR" smtClean="0"/>
-              <a:t>17</a:t>
+              <a:t>16</a:t>
             </a:fld>
             <a:endParaRPr lang="fr-FR"/>
           </a:p>
@@ -1060,7 +1058,7 @@
     </p:spTree>
     <p:extLst>
       <p:ext uri="{BB962C8B-B14F-4D97-AF65-F5344CB8AC3E}">
-        <p14:creationId xmlns:p14="http://schemas.microsoft.com/office/powerpoint/2010/main" val="4178339005"/>
+        <p14:creationId xmlns:p14="http://schemas.microsoft.com/office/powerpoint/2010/main" val="3713900162"/>
       </p:ext>
     </p:extLst>
   </p:cSld>
@@ -1135,7 +1133,7 @@
           <a:p>
             <a:fld id="{41EB770E-9F5C-44F4-BEAD-89B26D889570}" type="slidenum">
               <a:rPr lang="fr-FR" smtClean="0"/>
-              <a:t>18</a:t>
+              <a:t>17</a:t>
             </a:fld>
             <a:endParaRPr lang="fr-FR"/>
           </a:p>
@@ -1144,7 +1142,7 @@
     </p:spTree>
     <p:extLst>
       <p:ext uri="{BB962C8B-B14F-4D97-AF65-F5344CB8AC3E}">
-        <p14:creationId xmlns:p14="http://schemas.microsoft.com/office/powerpoint/2010/main" val="3713900162"/>
+        <p14:creationId xmlns:p14="http://schemas.microsoft.com/office/powerpoint/2010/main" val="88945884"/>
       </p:ext>
     </p:extLst>
   </p:cSld>
@@ -1219,7 +1217,7 @@
           <a:p>
             <a:fld id="{41EB770E-9F5C-44F4-BEAD-89B26D889570}" type="slidenum">
               <a:rPr lang="fr-FR" smtClean="0"/>
-              <a:t>19</a:t>
+              <a:t>18</a:t>
             </a:fld>
             <a:endParaRPr lang="fr-FR"/>
           </a:p>
@@ -1228,7 +1226,7 @@
     </p:spTree>
     <p:extLst>
       <p:ext uri="{BB962C8B-B14F-4D97-AF65-F5344CB8AC3E}">
-        <p14:creationId xmlns:p14="http://schemas.microsoft.com/office/powerpoint/2010/main" val="88945884"/>
+        <p14:creationId xmlns:p14="http://schemas.microsoft.com/office/powerpoint/2010/main" val="392162253"/>
       </p:ext>
     </p:extLst>
   </p:cSld>
@@ -1303,7 +1301,7 @@
           <a:p>
             <a:fld id="{41EB770E-9F5C-44F4-BEAD-89B26D889570}" type="slidenum">
               <a:rPr lang="fr-FR" smtClean="0"/>
-              <a:t>20</a:t>
+              <a:t>19</a:t>
             </a:fld>
             <a:endParaRPr lang="fr-FR"/>
           </a:p>
@@ -1312,7 +1310,7 @@
     </p:spTree>
     <p:extLst>
       <p:ext uri="{BB962C8B-B14F-4D97-AF65-F5344CB8AC3E}">
-        <p14:creationId xmlns:p14="http://schemas.microsoft.com/office/powerpoint/2010/main" val="392162253"/>
+        <p14:creationId xmlns:p14="http://schemas.microsoft.com/office/powerpoint/2010/main" val="336939297"/>
       </p:ext>
     </p:extLst>
   </p:cSld>
@@ -1387,7 +1385,7 @@
           <a:p>
             <a:fld id="{41EB770E-9F5C-44F4-BEAD-89B26D889570}" type="slidenum">
               <a:rPr lang="fr-FR" smtClean="0"/>
-              <a:t>21</a:t>
+              <a:t>20</a:t>
             </a:fld>
             <a:endParaRPr lang="fr-FR"/>
           </a:p>
@@ -1396,7 +1394,7 @@
     </p:spTree>
     <p:extLst>
       <p:ext uri="{BB962C8B-B14F-4D97-AF65-F5344CB8AC3E}">
-        <p14:creationId xmlns:p14="http://schemas.microsoft.com/office/powerpoint/2010/main" val="336939297"/>
+        <p14:creationId xmlns:p14="http://schemas.microsoft.com/office/powerpoint/2010/main" val="2224510271"/>
       </p:ext>
     </p:extLst>
   </p:cSld>
@@ -1471,7 +1469,7 @@
           <a:p>
             <a:fld id="{41EB770E-9F5C-44F4-BEAD-89B26D889570}" type="slidenum">
               <a:rPr lang="fr-FR" smtClean="0"/>
-              <a:t>22</a:t>
+              <a:t>21</a:t>
             </a:fld>
             <a:endParaRPr lang="fr-FR"/>
           </a:p>
@@ -1480,7 +1478,7 @@
     </p:spTree>
     <p:extLst>
       <p:ext uri="{BB962C8B-B14F-4D97-AF65-F5344CB8AC3E}">
-        <p14:creationId xmlns:p14="http://schemas.microsoft.com/office/powerpoint/2010/main" val="2224510271"/>
+        <p14:creationId xmlns:p14="http://schemas.microsoft.com/office/powerpoint/2010/main" val="1065661777"/>
       </p:ext>
     </p:extLst>
   </p:cSld>
@@ -1555,7 +1553,7 @@
           <a:p>
             <a:fld id="{41EB770E-9F5C-44F4-BEAD-89B26D889570}" type="slidenum">
               <a:rPr lang="fr-FR" smtClean="0"/>
-              <a:t>23</a:t>
+              <a:t>22</a:t>
             </a:fld>
             <a:endParaRPr lang="fr-FR"/>
           </a:p>
@@ -1564,7 +1562,7 @@
     </p:spTree>
     <p:extLst>
       <p:ext uri="{BB962C8B-B14F-4D97-AF65-F5344CB8AC3E}">
-        <p14:creationId xmlns:p14="http://schemas.microsoft.com/office/powerpoint/2010/main" val="1065661777"/>
+        <p14:creationId xmlns:p14="http://schemas.microsoft.com/office/powerpoint/2010/main" val="2352191649"/>
       </p:ext>
     </p:extLst>
   </p:cSld>
@@ -1639,7 +1637,7 @@
           <a:p>
             <a:fld id="{41EB770E-9F5C-44F4-BEAD-89B26D889570}" type="slidenum">
               <a:rPr lang="fr-FR" smtClean="0"/>
-              <a:t>24</a:t>
+              <a:t>23</a:t>
             </a:fld>
             <a:endParaRPr lang="fr-FR"/>
           </a:p>
@@ -1648,7 +1646,7 @@
     </p:spTree>
     <p:extLst>
       <p:ext uri="{BB962C8B-B14F-4D97-AF65-F5344CB8AC3E}">
-        <p14:creationId xmlns:p14="http://schemas.microsoft.com/office/powerpoint/2010/main" val="2352191649"/>
+        <p14:creationId xmlns:p14="http://schemas.microsoft.com/office/powerpoint/2010/main" val="1269210123"/>
       </p:ext>
     </p:extLst>
   </p:cSld>
@@ -1723,91 +1721,7 @@
           <a:p>
             <a:fld id="{41EB770E-9F5C-44F4-BEAD-89B26D889570}" type="slidenum">
               <a:rPr lang="fr-FR" smtClean="0"/>
-              <a:t>25</a:t>
-            </a:fld>
-            <a:endParaRPr lang="fr-FR"/>
-          </a:p>
-        </p:txBody>
-      </p:sp>
-    </p:spTree>
-    <p:extLst>
-      <p:ext uri="{BB962C8B-B14F-4D97-AF65-F5344CB8AC3E}">
-        <p14:creationId xmlns:p14="http://schemas.microsoft.com/office/powerpoint/2010/main" val="1269210123"/>
-      </p:ext>
-    </p:extLst>
-  </p:cSld>
-  <p:clrMapOvr>
-    <a:masterClrMapping/>
-  </p:clrMapOvr>
-</p:notes>
-</file>
-
-<file path=ppt/notesSlides/notesSlide19.xml><?xml version="1.0" encoding="utf-8"?>
-<p:notes xmlns:a="http://schemas.openxmlformats.org/drawingml/2006/main" xmlns:r="http://schemas.openxmlformats.org/officeDocument/2006/relationships" xmlns:p="http://schemas.openxmlformats.org/presentationml/2006/main">
-  <p:cSld>
-    <p:spTree>
-      <p:nvGrpSpPr>
-        <p:cNvPr id="1" name=""/>
-        <p:cNvGrpSpPr/>
-        <p:nvPr/>
-      </p:nvGrpSpPr>
-      <p:grpSpPr>
-        <a:xfrm>
-          <a:off x="0" y="0"/>
-          <a:ext cx="0" cy="0"/>
-          <a:chOff x="0" y="0"/>
-          <a:chExt cx="0" cy="0"/>
-        </a:xfrm>
-      </p:grpSpPr>
-      <p:sp>
-        <p:nvSpPr>
-          <p:cNvPr id="2" name="Espace réservé de l'image des diapositives 1"/>
-          <p:cNvSpPr>
-            <a:spLocks noGrp="1" noRot="1" noChangeAspect="1"/>
-          </p:cNvSpPr>
-          <p:nvPr>
-            <p:ph type="sldImg"/>
-          </p:nvPr>
-        </p:nvSpPr>
-        <p:spPr/>
-      </p:sp>
-      <p:sp>
-        <p:nvSpPr>
-          <p:cNvPr id="3" name="Espace réservé des notes 2"/>
-          <p:cNvSpPr>
-            <a:spLocks noGrp="1"/>
-          </p:cNvSpPr>
-          <p:nvPr>
-            <p:ph type="body" idx="1"/>
-          </p:nvPr>
-        </p:nvSpPr>
-        <p:spPr/>
-        <p:txBody>
-          <a:bodyPr/>
-          <a:lstStyle/>
-          <a:p>
-            <a:endParaRPr lang="fr-FR" dirty="0"/>
-          </a:p>
-        </p:txBody>
-      </p:sp>
-      <p:sp>
-        <p:nvSpPr>
-          <p:cNvPr id="4" name="Espace réservé du numéro de diapositive 3"/>
-          <p:cNvSpPr>
-            <a:spLocks noGrp="1"/>
-          </p:cNvSpPr>
-          <p:nvPr>
-            <p:ph type="sldNum" sz="quarter" idx="5"/>
-          </p:nvPr>
-        </p:nvSpPr>
-        <p:spPr/>
-        <p:txBody>
-          <a:bodyPr/>
-          <a:lstStyle/>
-          <a:p>
-            <a:fld id="{41EB770E-9F5C-44F4-BEAD-89B26D889570}" type="slidenum">
-              <a:rPr lang="fr-FR" smtClean="0"/>
-              <a:t>26</a:t>
+              <a:t>24</a:t>
             </a:fld>
             <a:endParaRPr lang="fr-FR"/>
           </a:p>
@@ -2787,7 +2701,7 @@
           <a:lstStyle/>
           <a:p>
             <a:r>
-              <a:rPr lang="fr-FR" sz="1200" kern="1200">
+              <a:rPr lang="fr-FR" sz="1200" kern="1200" dirty="0">
                 <a:solidFill>
                   <a:schemeClr val="tx1"/>
                 </a:solidFill>
@@ -2799,7 +2713,7 @@
               <a:t>Introduction </a:t>
             </a:r>
             <a:r>
-              <a:rPr lang="fr-FR" sz="1200" kern="1200">
+              <a:rPr lang="fr-FR" sz="1200" kern="1200" dirty="0">
                 <a:solidFill>
                   <a:srgbClr val="FF0000"/>
                 </a:solidFill>
@@ -2813,7 +2727,7 @@
           </a:p>
           <a:p>
             <a:r>
-              <a:rPr lang="fr-FR" sz="1200" kern="1200">
+              <a:rPr lang="fr-FR" sz="1200" kern="1200" dirty="0">
                 <a:solidFill>
                   <a:schemeClr val="tx1"/>
                 </a:solidFill>
@@ -2827,7 +2741,7 @@
           </a:p>
           <a:p>
             <a:r>
-              <a:rPr lang="fr-FR" sz="1200" kern="1200">
+              <a:rPr lang="fr-FR" sz="1200" kern="1200" dirty="0">
                 <a:solidFill>
                   <a:schemeClr val="tx1"/>
                 </a:solidFill>
@@ -2841,7 +2755,7 @@
           </a:p>
           <a:p>
             <a:br>
-              <a:rPr lang="fr-FR" sz="1200" kern="1200">
+              <a:rPr lang="fr-FR" sz="1200" kern="1200" dirty="0">
                 <a:solidFill>
                   <a:schemeClr val="tx1"/>
                 </a:solidFill>
@@ -2851,7 +2765,7 @@
                 <a:cs typeface="+mn-cs"/>
               </a:rPr>
             </a:br>
-            <a:endParaRPr lang="fr-FR" sz="1200" kern="1200">
+            <a:endParaRPr lang="fr-FR" sz="1200" kern="1200" dirty="0">
               <a:solidFill>
                 <a:schemeClr val="tx1"/>
               </a:solidFill>
@@ -2863,7 +2777,7 @@
           </a:p>
           <a:p>
             <a:r>
-              <a:rPr lang="fr-FR" sz="1200" kern="1200">
+              <a:rPr lang="fr-FR" sz="1200" kern="1200" dirty="0">
                 <a:solidFill>
                   <a:schemeClr val="tx1"/>
                 </a:solidFill>
@@ -2877,7 +2791,7 @@
           </a:p>
           <a:p>
             <a:r>
-              <a:rPr lang="fr-FR" sz="1200" kern="1200">
+              <a:rPr lang="fr-FR" sz="1200" kern="1200" dirty="0">
                 <a:solidFill>
                   <a:schemeClr val="tx1"/>
                 </a:solidFill>
@@ -2891,7 +2805,7 @@
           </a:p>
           <a:p>
             <a:r>
-              <a:rPr lang="fr-FR" sz="1200" kern="1200">
+              <a:rPr lang="fr-FR" sz="1200" kern="1200" dirty="0">
                 <a:solidFill>
                   <a:schemeClr val="tx1"/>
                 </a:solidFill>
@@ -2905,7 +2819,7 @@
           </a:p>
           <a:p>
             <a:r>
-              <a:rPr lang="fr-FR" sz="1200" kern="1200">
+              <a:rPr lang="fr-FR" sz="1200" kern="1200" dirty="0">
                 <a:solidFill>
                   <a:schemeClr val="tx1"/>
                 </a:solidFill>
@@ -2919,7 +2833,7 @@
           </a:p>
           <a:p>
             <a:r>
-              <a:rPr lang="fr-FR" sz="1200" kern="1200">
+              <a:rPr lang="fr-FR" sz="1200" kern="1200" dirty="0">
                 <a:solidFill>
                   <a:schemeClr val="tx1"/>
                 </a:solidFill>
@@ -2933,7 +2847,7 @@
           </a:p>
           <a:p>
             <a:r>
-              <a:rPr lang="fr-FR" sz="1200" kern="1200" err="1">
+              <a:rPr lang="fr-FR" sz="1200" kern="1200" dirty="0" err="1">
                 <a:solidFill>
                   <a:schemeClr val="tx1"/>
                 </a:solidFill>
@@ -2945,7 +2859,7 @@
               <a:t>React</a:t>
             </a:r>
             <a:r>
-              <a:rPr lang="fr-FR" sz="1200" kern="1200">
+              <a:rPr lang="fr-FR" sz="1200" kern="1200" dirty="0">
                 <a:solidFill>
                   <a:schemeClr val="tx1"/>
                 </a:solidFill>
@@ -2957,7 +2871,7 @@
               <a:t> &amp; </a:t>
             </a:r>
             <a:r>
-              <a:rPr lang="fr-FR" sz="1200" kern="1200" err="1">
+              <a:rPr lang="fr-FR" sz="1200" kern="1200" dirty="0" err="1">
                 <a:solidFill>
                   <a:schemeClr val="tx1"/>
                 </a:solidFill>
@@ -2969,7 +2883,7 @@
               <a:t>storybook</a:t>
             </a:r>
             <a:r>
-              <a:rPr lang="fr-FR" sz="1200" kern="1200">
+              <a:rPr lang="fr-FR" sz="1200" kern="1200" dirty="0">
                 <a:solidFill>
                   <a:schemeClr val="tx1"/>
                 </a:solidFill>
@@ -2983,7 +2897,7 @@
           </a:p>
           <a:p>
             <a:r>
-              <a:rPr lang="fr-FR" sz="1200" kern="1200">
+              <a:rPr lang="fr-FR" sz="1200" kern="1200" dirty="0">
                 <a:solidFill>
                   <a:schemeClr val="tx1"/>
                 </a:solidFill>
@@ -2995,7 +2909,7 @@
               <a:t> - </a:t>
             </a:r>
             <a:r>
-              <a:rPr lang="fr-FR" sz="1200" kern="1200" err="1">
+              <a:rPr lang="fr-FR" sz="1200" kern="1200" dirty="0" err="1">
                 <a:solidFill>
                   <a:schemeClr val="tx1"/>
                 </a:solidFill>
@@ -3007,7 +2921,7 @@
               <a:t>React</a:t>
             </a:r>
             <a:r>
-              <a:rPr lang="fr-FR" sz="1200" kern="1200">
+              <a:rPr lang="fr-FR" sz="1200" kern="1200" dirty="0">
                 <a:solidFill>
                   <a:schemeClr val="tx1"/>
                 </a:solidFill>
@@ -3021,7 +2935,7 @@
           </a:p>
           <a:p>
             <a:r>
-              <a:rPr lang="fr-FR" sz="1200" kern="1200">
+              <a:rPr lang="fr-FR" sz="1200" kern="1200" dirty="0">
                 <a:solidFill>
                   <a:schemeClr val="tx1"/>
                 </a:solidFill>
@@ -3033,7 +2947,7 @@
               <a:t> - </a:t>
             </a:r>
             <a:r>
-              <a:rPr lang="fr-FR" sz="1200" kern="1200" err="1">
+              <a:rPr lang="fr-FR" sz="1200" kern="1200" dirty="0" err="1">
                 <a:solidFill>
                   <a:schemeClr val="tx1"/>
                 </a:solidFill>
@@ -3045,7 +2959,7 @@
               <a:t>Storybook</a:t>
             </a:r>
             <a:r>
-              <a:rPr lang="fr-FR" sz="1200" kern="1200">
+              <a:rPr lang="fr-FR" sz="1200" kern="1200" dirty="0">
                 <a:solidFill>
                   <a:schemeClr val="tx1"/>
                 </a:solidFill>
@@ -3059,7 +2973,7 @@
           </a:p>
           <a:p>
             <a:br>
-              <a:rPr lang="fr-FR" sz="1200" kern="1200">
+              <a:rPr lang="fr-FR" sz="1200" kern="1200" dirty="0">
                 <a:solidFill>
                   <a:schemeClr val="tx1"/>
                 </a:solidFill>
@@ -3069,7 +2983,7 @@
                 <a:cs typeface="+mn-cs"/>
               </a:rPr>
             </a:br>
-            <a:endParaRPr lang="fr-FR" sz="1200" kern="1200">
+            <a:endParaRPr lang="fr-FR" sz="1200" kern="1200" dirty="0">
               <a:solidFill>
                 <a:schemeClr val="tx1"/>
               </a:solidFill>
@@ -3081,7 +2995,7 @@
           </a:p>
           <a:p>
             <a:r>
-              <a:rPr lang="fr-FR" sz="1200" kern="1200">
+              <a:rPr lang="fr-FR" sz="1200" kern="1200" dirty="0">
                 <a:solidFill>
                   <a:schemeClr val="tx1"/>
                 </a:solidFill>
@@ -3095,7 +3009,7 @@
           </a:p>
           <a:p>
             <a:r>
-              <a:rPr lang="fr-FR" sz="1200" kern="1200">
+              <a:rPr lang="fr-FR" sz="1200" kern="1200" dirty="0">
                 <a:solidFill>
                   <a:schemeClr val="tx1"/>
                 </a:solidFill>
@@ -3109,7 +3023,7 @@
           </a:p>
           <a:p>
             <a:r>
-              <a:rPr lang="fr-FR" sz="1200" kern="1200">
+              <a:rPr lang="fr-FR" sz="1200" kern="1200" dirty="0">
                 <a:solidFill>
                   <a:schemeClr val="tx1"/>
                 </a:solidFill>
@@ -3118,10 +3032,12 @@
                 <a:ea typeface="+mn-ea"/>
                 <a:cs typeface="+mn-cs"/>
               </a:rPr>
-              <a:t> - Installation du </a:t>
-            </a:r>
-            <a:r>
-              <a:rPr lang="fr-FR" sz="1200" kern="1200" err="1">
+              <a:t> - Installation du toolkit</a:t>
+            </a:r>
+          </a:p>
+          <a:p>
+            <a:br>
+              <a:rPr lang="fr-FR" sz="1200" kern="1200" dirty="0">
                 <a:solidFill>
                   <a:schemeClr val="tx1"/>
                 </a:solidFill>
@@ -3130,9 +3046,8 @@
                 <a:ea typeface="+mn-ea"/>
                 <a:cs typeface="+mn-cs"/>
               </a:rPr>
-              <a:t>toolkit</a:t>
-            </a:r>
-            <a:endParaRPr lang="fr-FR" sz="1200" kern="1200">
+            </a:br>
+            <a:endParaRPr lang="fr-FR" sz="1200" kern="1200" dirty="0">
               <a:solidFill>
                 <a:schemeClr val="tx1"/>
               </a:solidFill>
@@ -3143,8 +3058,8 @@
             </a:endParaRPr>
           </a:p>
           <a:p>
-            <a:br>
-              <a:rPr lang="fr-FR" sz="1200" kern="1200">
+            <a:r>
+              <a:rPr lang="fr-FR" sz="1200" kern="1200" dirty="0">
                 <a:solidFill>
                   <a:schemeClr val="tx1"/>
                 </a:solidFill>
@@ -3153,8 +3068,111 @@
                 <a:ea typeface="+mn-ea"/>
                 <a:cs typeface="+mn-cs"/>
               </a:rPr>
-            </a:br>
-            <a:endParaRPr lang="fr-FR" sz="1200" kern="1200">
+              <a:t>Mise en place du </a:t>
+            </a:r>
+            <a:r>
+              <a:rPr lang="fr-FR" sz="1200" kern="1200" dirty="0" err="1">
+                <a:solidFill>
+                  <a:schemeClr val="tx1"/>
+                </a:solidFill>
+                <a:effectLst/>
+                <a:latin typeface="+mn-lt"/>
+                <a:ea typeface="+mn-ea"/>
+                <a:cs typeface="+mn-cs"/>
+              </a:rPr>
+              <a:t>layout</a:t>
+            </a:r>
+            <a:r>
+              <a:rPr lang="fr-FR" sz="1200" kern="1200" dirty="0">
+                <a:solidFill>
+                  <a:schemeClr val="tx1"/>
+                </a:solidFill>
+                <a:effectLst/>
+                <a:latin typeface="+mn-lt"/>
+                <a:ea typeface="+mn-ea"/>
+                <a:cs typeface="+mn-cs"/>
+              </a:rPr>
+              <a:t> (20 – 25 mn)</a:t>
+            </a:r>
+          </a:p>
+          <a:p>
+            <a:r>
+              <a:rPr lang="fr-FR" sz="1200" kern="1200" dirty="0">
+                <a:solidFill>
+                  <a:schemeClr val="tx1"/>
+                </a:solidFill>
+                <a:effectLst/>
+                <a:latin typeface="+mn-lt"/>
+                <a:ea typeface="+mn-ea"/>
+                <a:cs typeface="+mn-cs"/>
+              </a:rPr>
+              <a:t> - Header (HTML)</a:t>
+            </a:r>
+          </a:p>
+          <a:p>
+            <a:r>
+              <a:rPr lang="fr-FR" sz="1200" kern="1200" dirty="0">
+                <a:solidFill>
+                  <a:schemeClr val="tx1"/>
+                </a:solidFill>
+                <a:effectLst/>
+                <a:latin typeface="+mn-lt"/>
+                <a:ea typeface="+mn-ea"/>
+                <a:cs typeface="+mn-cs"/>
+              </a:rPr>
+              <a:t> - </a:t>
+            </a:r>
+            <a:r>
+              <a:rPr lang="fr-FR" sz="1200" kern="1200" dirty="0" err="1">
+                <a:solidFill>
+                  <a:schemeClr val="tx1"/>
+                </a:solidFill>
+                <a:effectLst/>
+                <a:latin typeface="+mn-lt"/>
+                <a:ea typeface="+mn-ea"/>
+                <a:cs typeface="+mn-cs"/>
+              </a:rPr>
+              <a:t>Footer</a:t>
+            </a:r>
+            <a:r>
+              <a:rPr lang="fr-FR" sz="1200" kern="1200" dirty="0">
+                <a:solidFill>
+                  <a:schemeClr val="tx1"/>
+                </a:solidFill>
+                <a:effectLst/>
+                <a:latin typeface="+mn-lt"/>
+                <a:ea typeface="+mn-ea"/>
+                <a:cs typeface="+mn-cs"/>
+              </a:rPr>
+              <a:t> (HTML)</a:t>
+            </a:r>
+          </a:p>
+          <a:p>
+            <a:r>
+              <a:rPr lang="fr-FR" sz="1200" kern="1200" dirty="0">
+                <a:solidFill>
+                  <a:schemeClr val="tx1"/>
+                </a:solidFill>
+                <a:effectLst/>
+                <a:latin typeface="+mn-lt"/>
+                <a:ea typeface="+mn-ea"/>
+                <a:cs typeface="+mn-cs"/>
+              </a:rPr>
+              <a:t> - remplacement par les composants </a:t>
+            </a:r>
+            <a:r>
+              <a:rPr lang="fr-FR" sz="1200" kern="1200" dirty="0" err="1">
+                <a:solidFill>
+                  <a:schemeClr val="tx1"/>
+                </a:solidFill>
+                <a:effectLst/>
+                <a:latin typeface="+mn-lt"/>
+                <a:ea typeface="+mn-ea"/>
+                <a:cs typeface="+mn-cs"/>
+              </a:rPr>
+              <a:t>React</a:t>
+            </a:r>
+            <a:endParaRPr lang="fr-FR" sz="1200" kern="1200" dirty="0">
               <a:solidFill>
                 <a:schemeClr val="tx1"/>
               </a:solidFill>
@@ -3166,7 +3184,7 @@
           </a:p>
           <a:p>
             <a:r>
-              <a:rPr lang="fr-FR" sz="1200" kern="1200">
+              <a:rPr lang="fr-FR" sz="1200" kern="1200" dirty="0">
                 <a:solidFill>
                   <a:schemeClr val="tx1"/>
                 </a:solidFill>
@@ -3175,10 +3193,12 @@
                 <a:ea typeface="+mn-ea"/>
                 <a:cs typeface="+mn-cs"/>
               </a:rPr>
-              <a:t>Mise en place du </a:t>
-            </a:r>
-            <a:r>
-              <a:rPr lang="fr-FR" sz="1200" kern="1200" err="1">
+              <a:t> </a:t>
+            </a:r>
+          </a:p>
+          <a:p>
+            <a:r>
+              <a:rPr lang="fr-FR" sz="1200" kern="1200" dirty="0">
                 <a:solidFill>
                   <a:schemeClr val="tx1"/>
                 </a:solidFill>
@@ -3187,10 +3207,12 @@
                 <a:ea typeface="+mn-ea"/>
                 <a:cs typeface="+mn-cs"/>
               </a:rPr>
-              <a:t>layout</a:t>
-            </a:r>
-            <a:r>
-              <a:rPr lang="fr-FR" sz="1200" kern="1200">
+              <a:t>Création d'un formulaire (20 - 25 mn)</a:t>
+            </a:r>
+          </a:p>
+          <a:p>
+            <a:r>
+              <a:rPr lang="fr-FR" sz="1200" kern="1200" dirty="0">
                 <a:solidFill>
                   <a:schemeClr val="tx1"/>
                 </a:solidFill>
@@ -3199,12 +3221,12 @@
                 <a:ea typeface="+mn-ea"/>
                 <a:cs typeface="+mn-cs"/>
               </a:rPr>
-              <a:t> (20 – 25 mn)</a:t>
-            </a:r>
-          </a:p>
-          <a:p>
-            <a:r>
-              <a:rPr lang="fr-FR" sz="1200" kern="1200">
+              <a:t> - Ajout des champs de formulaire</a:t>
+            </a:r>
+          </a:p>
+          <a:p>
+            <a:r>
+              <a:rPr lang="fr-FR" sz="1200" kern="1200" dirty="0">
                 <a:solidFill>
                   <a:schemeClr val="tx1"/>
                 </a:solidFill>
@@ -3213,12 +3235,12 @@
                 <a:ea typeface="+mn-ea"/>
                 <a:cs typeface="+mn-cs"/>
               </a:rPr>
-              <a:t> - Header (HTML)</a:t>
-            </a:r>
-          </a:p>
-          <a:p>
-            <a:r>
-              <a:rPr lang="fr-FR" sz="1200" kern="1200">
+              <a:t> - Ajout du bouton de validation</a:t>
+            </a:r>
+          </a:p>
+          <a:p>
+            <a:br>
+              <a:rPr lang="fr-FR" sz="1200" kern="1200" dirty="0">
                 <a:solidFill>
                   <a:schemeClr val="tx1"/>
                 </a:solidFill>
@@ -3227,59 +3249,8 @@
                 <a:ea typeface="+mn-ea"/>
                 <a:cs typeface="+mn-cs"/>
               </a:rPr>
-              <a:t> - </a:t>
-            </a:r>
-            <a:r>
-              <a:rPr lang="fr-FR" sz="1200" kern="1200" err="1">
-                <a:solidFill>
-                  <a:schemeClr val="tx1"/>
-                </a:solidFill>
-                <a:effectLst/>
-                <a:latin typeface="+mn-lt"/>
-                <a:ea typeface="+mn-ea"/>
-                <a:cs typeface="+mn-cs"/>
-              </a:rPr>
-              <a:t>Footer</a:t>
-            </a:r>
-            <a:r>
-              <a:rPr lang="fr-FR" sz="1200" kern="1200">
-                <a:solidFill>
-                  <a:schemeClr val="tx1"/>
-                </a:solidFill>
-                <a:effectLst/>
-                <a:latin typeface="+mn-lt"/>
-                <a:ea typeface="+mn-ea"/>
-                <a:cs typeface="+mn-cs"/>
-              </a:rPr>
-              <a:t> (HTML)</a:t>
-            </a:r>
-          </a:p>
-          <a:p>
-            <a:r>
-              <a:rPr lang="fr-FR" sz="1200" kern="1200">
-                <a:solidFill>
-                  <a:schemeClr val="tx1"/>
-                </a:solidFill>
-                <a:effectLst/>
-                <a:latin typeface="+mn-lt"/>
-                <a:ea typeface="+mn-ea"/>
-                <a:cs typeface="+mn-cs"/>
-              </a:rPr>
-              <a:t> - remplacement par les composants </a:t>
-            </a:r>
-            <a:r>
-              <a:rPr lang="fr-FR" sz="1200" kern="1200" err="1">
-                <a:solidFill>
-                  <a:schemeClr val="tx1"/>
-                </a:solidFill>
-                <a:effectLst/>
-                <a:latin typeface="+mn-lt"/>
-                <a:ea typeface="+mn-ea"/>
-                <a:cs typeface="+mn-cs"/>
-              </a:rPr>
-              <a:t>React</a:t>
-            </a:r>
-            <a:endParaRPr lang="fr-FR" sz="1200" kern="1200">
+            </a:br>
+            <a:endParaRPr lang="fr-FR" sz="1200" kern="1200" dirty="0">
               <a:solidFill>
                 <a:schemeClr val="tx1"/>
               </a:solidFill>
@@ -3291,7 +3262,7 @@
           </a:p>
           <a:p>
             <a:r>
-              <a:rPr lang="fr-FR" sz="1200" kern="1200">
+              <a:rPr lang="fr-FR" sz="1200" kern="1200" dirty="0">
                 <a:solidFill>
                   <a:schemeClr val="tx1"/>
                 </a:solidFill>
@@ -3300,12 +3271,68 @@
                 <a:ea typeface="+mn-ea"/>
                 <a:cs typeface="+mn-cs"/>
               </a:rPr>
+              <a:t>Gérer l'état du formulaire (20 – 25 mn)</a:t>
+            </a:r>
+          </a:p>
+          <a:p>
+            <a:r>
+              <a:rPr lang="fr-FR" sz="1200" kern="1200" dirty="0">
+                <a:solidFill>
+                  <a:schemeClr val="tx1"/>
+                </a:solidFill>
+                <a:effectLst/>
+                <a:latin typeface="+mn-lt"/>
+                <a:ea typeface="+mn-ea"/>
+                <a:cs typeface="+mn-cs"/>
+              </a:rPr>
+              <a:t> - création de l'état du formulaire</a:t>
+            </a:r>
+          </a:p>
+          <a:p>
+            <a:r>
+              <a:rPr lang="fr-FR" sz="1200" kern="1200" dirty="0">
+                <a:solidFill>
+                  <a:schemeClr val="tx1"/>
+                </a:solidFill>
+                <a:effectLst/>
+                <a:latin typeface="+mn-lt"/>
+                <a:ea typeface="+mn-ea"/>
+                <a:cs typeface="+mn-cs"/>
+              </a:rPr>
+              <a:t> - gestion des erreurs</a:t>
+            </a:r>
+          </a:p>
+          <a:p>
+            <a:r>
+              <a:rPr lang="fr-FR" sz="1200" kern="1200" dirty="0">
+                <a:solidFill>
+                  <a:schemeClr val="tx1"/>
+                </a:solidFill>
+                <a:effectLst/>
+                <a:latin typeface="+mn-lt"/>
+                <a:ea typeface="+mn-ea"/>
+                <a:cs typeface="+mn-cs"/>
+              </a:rPr>
+              <a:t> - Valider le formulaire</a:t>
+            </a:r>
+          </a:p>
+          <a:p>
+            <a:r>
+              <a:rPr lang="fr-FR" sz="1200" kern="1200" dirty="0">
+                <a:solidFill>
+                  <a:schemeClr val="tx1"/>
+                </a:solidFill>
+                <a:effectLst/>
+                <a:latin typeface="+mn-lt"/>
+                <a:ea typeface="+mn-ea"/>
+                <a:cs typeface="+mn-cs"/>
+              </a:rPr>
               <a:t> </a:t>
             </a:r>
           </a:p>
           <a:p>
             <a:r>
-              <a:rPr lang="fr-FR" sz="1200" kern="1200">
+              <a:rPr lang="fr-FR" sz="1200" kern="1200" dirty="0">
                 <a:solidFill>
                   <a:schemeClr val="tx1"/>
                 </a:solidFill>
@@ -3314,145 +3341,11 @@
                 <a:ea typeface="+mn-ea"/>
                 <a:cs typeface="+mn-cs"/>
               </a:rPr>
-              <a:t>Création d'un formulaire (20 - 25 mn)</a:t>
-            </a:r>
-          </a:p>
-          <a:p>
-            <a:r>
-              <a:rPr lang="fr-FR" sz="1200" kern="1200">
-                <a:solidFill>
-                  <a:schemeClr val="tx1"/>
-                </a:solidFill>
-                <a:effectLst/>
-                <a:latin typeface="+mn-lt"/>
-                <a:ea typeface="+mn-ea"/>
-                <a:cs typeface="+mn-cs"/>
-              </a:rPr>
-              <a:t> - Ajout des champs de formulaire</a:t>
-            </a:r>
-          </a:p>
-          <a:p>
-            <a:r>
-              <a:rPr lang="fr-FR" sz="1200" kern="1200">
-                <a:solidFill>
-                  <a:schemeClr val="tx1"/>
-                </a:solidFill>
-                <a:effectLst/>
-                <a:latin typeface="+mn-lt"/>
-                <a:ea typeface="+mn-ea"/>
-                <a:cs typeface="+mn-cs"/>
-              </a:rPr>
-              <a:t> - Ajout du bouton de validation</a:t>
-            </a:r>
-          </a:p>
-          <a:p>
-            <a:br>
-              <a:rPr lang="fr-FR" sz="1200" kern="1200">
-                <a:solidFill>
-                  <a:schemeClr val="tx1"/>
-                </a:solidFill>
-                <a:effectLst/>
-                <a:latin typeface="+mn-lt"/>
-                <a:ea typeface="+mn-ea"/>
-                <a:cs typeface="+mn-cs"/>
-              </a:rPr>
-            </a:br>
-            <a:endParaRPr lang="fr-FR" sz="1200" kern="1200">
-              <a:solidFill>
-                <a:schemeClr val="tx1"/>
-              </a:solidFill>
-              <a:effectLst/>
-              <a:latin typeface="+mn-lt"/>
-              <a:ea typeface="+mn-ea"/>
-              <a:cs typeface="+mn-cs"/>
-            </a:endParaRPr>
-          </a:p>
-          <a:p>
-            <a:r>
-              <a:rPr lang="fr-FR" sz="1200" kern="1200">
-                <a:solidFill>
-                  <a:schemeClr val="tx1"/>
-                </a:solidFill>
-                <a:effectLst/>
-                <a:latin typeface="+mn-lt"/>
-                <a:ea typeface="+mn-ea"/>
-                <a:cs typeface="+mn-cs"/>
-              </a:rPr>
-              <a:t>Gérer l'état du formulaire (20 – 25 mn)</a:t>
-            </a:r>
-          </a:p>
-          <a:p>
-            <a:r>
-              <a:rPr lang="fr-FR" sz="1200" kern="1200">
-                <a:solidFill>
-                  <a:schemeClr val="tx1"/>
-                </a:solidFill>
-                <a:effectLst/>
-                <a:latin typeface="+mn-lt"/>
-                <a:ea typeface="+mn-ea"/>
-                <a:cs typeface="+mn-cs"/>
-              </a:rPr>
-              <a:t> - création de l'état du formulaire</a:t>
-            </a:r>
-          </a:p>
-          <a:p>
-            <a:r>
-              <a:rPr lang="fr-FR" sz="1200" kern="1200">
-                <a:solidFill>
-                  <a:schemeClr val="tx1"/>
-                </a:solidFill>
-                <a:effectLst/>
-                <a:latin typeface="+mn-lt"/>
-                <a:ea typeface="+mn-ea"/>
-                <a:cs typeface="+mn-cs"/>
-              </a:rPr>
-              <a:t> - gestion des erreurs</a:t>
-            </a:r>
-          </a:p>
-          <a:p>
-            <a:r>
-              <a:rPr lang="fr-FR" sz="1200" kern="1200">
-                <a:solidFill>
-                  <a:schemeClr val="tx1"/>
-                </a:solidFill>
-                <a:effectLst/>
-                <a:latin typeface="+mn-lt"/>
-                <a:ea typeface="+mn-ea"/>
-                <a:cs typeface="+mn-cs"/>
-              </a:rPr>
-              <a:t> - Valider le formulaire</a:t>
-            </a:r>
-          </a:p>
-          <a:p>
-            <a:r>
-              <a:rPr lang="fr-FR" sz="1200" kern="1200">
-                <a:solidFill>
-                  <a:schemeClr val="tx1"/>
-                </a:solidFill>
-                <a:effectLst/>
-                <a:latin typeface="+mn-lt"/>
-                <a:ea typeface="+mn-ea"/>
-                <a:cs typeface="+mn-cs"/>
-              </a:rPr>
-              <a:t> </a:t>
-            </a:r>
-          </a:p>
-          <a:p>
-            <a:r>
-              <a:rPr lang="fr-FR" sz="1200" kern="1200">
-                <a:solidFill>
-                  <a:schemeClr val="tx1"/>
-                </a:solidFill>
-                <a:effectLst/>
-                <a:latin typeface="+mn-lt"/>
-                <a:ea typeface="+mn-ea"/>
-                <a:cs typeface="+mn-cs"/>
-              </a:rPr>
               <a:t>Conclusion / feedbacks (10 – 15 mn)</a:t>
             </a:r>
           </a:p>
           <a:p>
-            <a:endParaRPr lang="en-US">
+            <a:endParaRPr lang="en-US" dirty="0">
               <a:latin typeface="Century Gothic" pitchFamily="34" charset="0"/>
             </a:endParaRPr>
           </a:p>
@@ -3648,7 +3541,7 @@
     </p:spTree>
     <p:extLst>
       <p:ext uri="{BB962C8B-B14F-4D97-AF65-F5344CB8AC3E}">
-        <p14:creationId xmlns:p14="http://schemas.microsoft.com/office/powerpoint/2010/main" val="459657903"/>
+        <p14:creationId xmlns:p14="http://schemas.microsoft.com/office/powerpoint/2010/main" val="148038262"/>
       </p:ext>
     </p:extLst>
   </p:cSld>
@@ -3689,7 +3582,7 @@
       </p:sp>
       <p:sp>
         <p:nvSpPr>
-          <p:cNvPr id="3" name="Espace réservé des commentaires 2"/>
+          <p:cNvPr id="3" name="Espace réservé des notes 2"/>
           <p:cNvSpPr>
             <a:spLocks noGrp="1"/>
           </p:cNvSpPr>
@@ -3702,654 +3595,146 @@
           <a:bodyPr/>
           <a:lstStyle/>
           <a:p>
-            <a:r>
-              <a:rPr lang="fr-FR" sz="1200" kern="1200" dirty="0">
-                <a:solidFill>
-                  <a:schemeClr val="tx1"/>
-                </a:solidFill>
-                <a:effectLst/>
-                <a:latin typeface="+mn-lt"/>
-                <a:ea typeface="+mn-ea"/>
-                <a:cs typeface="+mn-cs"/>
-              </a:rPr>
-              <a:t>Introduction </a:t>
-            </a:r>
-            <a:r>
-              <a:rPr lang="fr-FR" sz="1200" kern="1200" dirty="0">
-                <a:solidFill>
-                  <a:srgbClr val="FF0000"/>
-                </a:solidFill>
-                <a:effectLst/>
-                <a:latin typeface="+mn-lt"/>
-                <a:ea typeface="+mn-ea"/>
-                <a:cs typeface="+mn-cs"/>
-              </a:rPr>
-              <a:t>(10mn)</a:t>
-            </a:r>
-          </a:p>
-          <a:p>
-            <a:r>
-              <a:rPr lang="fr-FR" sz="1200" kern="1200" dirty="0">
-                <a:solidFill>
-                  <a:schemeClr val="tx1"/>
-                </a:solidFill>
-                <a:effectLst/>
-                <a:latin typeface="+mn-lt"/>
-                <a:ea typeface="+mn-ea"/>
-                <a:cs typeface="+mn-cs"/>
-              </a:rPr>
-              <a:t> - Quel était notre besoin ?</a:t>
-            </a:r>
-          </a:p>
-          <a:p>
-            <a:r>
-              <a:rPr lang="fr-FR" sz="1200" kern="1200" dirty="0">
-                <a:solidFill>
-                  <a:schemeClr val="tx1"/>
-                </a:solidFill>
-                <a:effectLst/>
-                <a:latin typeface="+mn-lt"/>
-                <a:ea typeface="+mn-ea"/>
-                <a:cs typeface="+mn-cs"/>
-              </a:rPr>
-              <a:t> - Comment avons nous répondu à ce besoin ?</a:t>
-            </a:r>
-          </a:p>
-          <a:p>
-            <a:br>
-              <a:rPr lang="fr-FR" sz="1200" kern="1200" dirty="0">
-                <a:solidFill>
-                  <a:schemeClr val="tx1"/>
-                </a:solidFill>
-                <a:effectLst/>
-                <a:latin typeface="+mn-lt"/>
-                <a:ea typeface="+mn-ea"/>
-                <a:cs typeface="+mn-cs"/>
-              </a:rPr>
-            </a:br>
-            <a:endParaRPr lang="fr-FR" sz="1200" kern="1200" dirty="0">
+            <a:pPr marL="0" indent="0">
+              <a:buNone/>
+            </a:pPr>
+            <a:r>
+              <a:rPr lang="en-US" sz="1200" b="1" dirty="0"/>
+              <a:t>OAuth </a:t>
+            </a:r>
+            <a:r>
+              <a:rPr lang="en-US" sz="1200" dirty="0"/>
+              <a:t>is a free protocol. </a:t>
+            </a:r>
+          </a:p>
+          <a:p>
+            <a:pPr marL="0" indent="0">
+              <a:buNone/>
+            </a:pPr>
+            <a:r>
+              <a:rPr lang="en-US" sz="1200" dirty="0"/>
+              <a:t>It's a "</a:t>
+            </a:r>
+            <a:r>
+              <a:rPr lang="en-US" sz="1200" dirty="0">
+                <a:solidFill>
+                  <a:schemeClr val="accent2">
+                    <a:lumMod val="75000"/>
+                  </a:schemeClr>
+                </a:solidFill>
+              </a:rPr>
+              <a:t>delegation of authorization</a:t>
+            </a:r>
+            <a:r>
+              <a:rPr lang="en-US" sz="1200" dirty="0"/>
+              <a:t>" protocol !</a:t>
+            </a:r>
+            <a:endParaRPr lang="en-US" sz="1000" dirty="0">
               <a:solidFill>
-                <a:schemeClr val="tx1"/>
+                <a:schemeClr val="accent1">
+                  <a:lumMod val="75000"/>
+                </a:schemeClr>
               </a:solidFill>
-              <a:effectLst/>
-              <a:latin typeface="+mn-lt"/>
-              <a:ea typeface="+mn-ea"/>
-              <a:cs typeface="+mn-cs"/>
             </a:endParaRPr>
           </a:p>
           <a:p>
-            <a:r>
-              <a:rPr lang="fr-FR" sz="1200" kern="1200" dirty="0">
-                <a:solidFill>
-                  <a:schemeClr val="tx1"/>
-                </a:solidFill>
-                <a:effectLst/>
-                <a:latin typeface="+mn-lt"/>
-                <a:ea typeface="+mn-ea"/>
-                <a:cs typeface="+mn-cs"/>
-              </a:rPr>
-              <a:t>Slash Design System (10mn)</a:t>
-            </a:r>
-          </a:p>
-          <a:p>
-            <a:r>
-              <a:rPr lang="fr-FR" sz="1200" kern="1200" dirty="0">
-                <a:solidFill>
-                  <a:schemeClr val="tx1"/>
-                </a:solidFill>
-                <a:effectLst/>
-                <a:latin typeface="+mn-lt"/>
-                <a:ea typeface="+mn-ea"/>
-                <a:cs typeface="+mn-cs"/>
-              </a:rPr>
-              <a:t> - Atomic Design</a:t>
-            </a:r>
-          </a:p>
-          <a:p>
-            <a:r>
-              <a:rPr lang="fr-FR" sz="1200" kern="1200" dirty="0">
-                <a:solidFill>
-                  <a:schemeClr val="tx1"/>
-                </a:solidFill>
-                <a:effectLst/>
-                <a:latin typeface="+mn-lt"/>
-                <a:ea typeface="+mn-ea"/>
-                <a:cs typeface="+mn-cs"/>
-              </a:rPr>
-              <a:t> - BEM, c'est quoi ? et pourquoi l'avoir choisi ?</a:t>
-            </a:r>
-          </a:p>
-          <a:p>
-            <a:r>
-              <a:rPr lang="fr-FR" sz="1200" kern="1200" dirty="0">
-                <a:solidFill>
-                  <a:schemeClr val="tx1"/>
-                </a:solidFill>
-                <a:effectLst/>
-                <a:latin typeface="+mn-lt"/>
-                <a:ea typeface="+mn-ea"/>
-                <a:cs typeface="+mn-cs"/>
-              </a:rPr>
-              <a:t> </a:t>
-            </a:r>
-          </a:p>
-          <a:p>
-            <a:r>
-              <a:rPr lang="fr-FR" sz="1200" kern="1200" dirty="0">
-                <a:solidFill>
-                  <a:schemeClr val="tx1"/>
-                </a:solidFill>
-                <a:effectLst/>
-                <a:latin typeface="+mn-lt"/>
-                <a:ea typeface="+mn-ea"/>
-                <a:cs typeface="+mn-cs"/>
-              </a:rPr>
-              <a:t> </a:t>
-            </a:r>
-          </a:p>
-          <a:p>
-            <a:r>
-              <a:rPr lang="fr-FR" sz="1200" kern="1200" dirty="0" err="1">
-                <a:solidFill>
-                  <a:schemeClr val="tx1"/>
-                </a:solidFill>
-                <a:effectLst/>
-                <a:latin typeface="+mn-lt"/>
-                <a:ea typeface="+mn-ea"/>
-                <a:cs typeface="+mn-cs"/>
-              </a:rPr>
-              <a:t>React</a:t>
-            </a:r>
-            <a:r>
-              <a:rPr lang="fr-FR" sz="1200" kern="1200" dirty="0">
-                <a:solidFill>
-                  <a:schemeClr val="tx1"/>
-                </a:solidFill>
-                <a:effectLst/>
-                <a:latin typeface="+mn-lt"/>
-                <a:ea typeface="+mn-ea"/>
-                <a:cs typeface="+mn-cs"/>
-              </a:rPr>
-              <a:t> &amp; </a:t>
-            </a:r>
-            <a:r>
-              <a:rPr lang="fr-FR" sz="1200" kern="1200" dirty="0" err="1">
-                <a:solidFill>
-                  <a:schemeClr val="tx1"/>
-                </a:solidFill>
-                <a:effectLst/>
-                <a:latin typeface="+mn-lt"/>
-                <a:ea typeface="+mn-ea"/>
-                <a:cs typeface="+mn-cs"/>
-              </a:rPr>
-              <a:t>storybook</a:t>
-            </a:r>
-            <a:r>
-              <a:rPr lang="fr-FR" sz="1200" kern="1200" dirty="0">
-                <a:solidFill>
-                  <a:schemeClr val="tx1"/>
-                </a:solidFill>
-                <a:effectLst/>
-                <a:latin typeface="+mn-lt"/>
-                <a:ea typeface="+mn-ea"/>
-                <a:cs typeface="+mn-cs"/>
-              </a:rPr>
-              <a:t> (10mn)</a:t>
-            </a:r>
-          </a:p>
-          <a:p>
-            <a:r>
-              <a:rPr lang="fr-FR" sz="1200" kern="1200" dirty="0">
-                <a:solidFill>
-                  <a:schemeClr val="tx1"/>
-                </a:solidFill>
-                <a:effectLst/>
-                <a:latin typeface="+mn-lt"/>
-                <a:ea typeface="+mn-ea"/>
-                <a:cs typeface="+mn-cs"/>
-              </a:rPr>
-              <a:t> - </a:t>
-            </a:r>
-            <a:r>
-              <a:rPr lang="fr-FR" sz="1200" kern="1200" dirty="0" err="1">
-                <a:solidFill>
-                  <a:schemeClr val="tx1"/>
-                </a:solidFill>
-                <a:effectLst/>
-                <a:latin typeface="+mn-lt"/>
-                <a:ea typeface="+mn-ea"/>
-                <a:cs typeface="+mn-cs"/>
-              </a:rPr>
-              <a:t>React</a:t>
-            </a:r>
-            <a:r>
-              <a:rPr lang="fr-FR" sz="1200" kern="1200" dirty="0">
-                <a:solidFill>
-                  <a:schemeClr val="tx1"/>
-                </a:solidFill>
-                <a:effectLst/>
-                <a:latin typeface="+mn-lt"/>
-                <a:ea typeface="+mn-ea"/>
-                <a:cs typeface="+mn-cs"/>
-              </a:rPr>
-              <a:t>, c'est quoi ? et pourquoi l'avoir choisi ?</a:t>
-            </a:r>
-          </a:p>
-          <a:p>
-            <a:r>
-              <a:rPr lang="fr-FR" sz="1200" kern="1200" dirty="0">
-                <a:solidFill>
-                  <a:schemeClr val="tx1"/>
-                </a:solidFill>
-                <a:effectLst/>
-                <a:latin typeface="+mn-lt"/>
-                <a:ea typeface="+mn-ea"/>
-                <a:cs typeface="+mn-cs"/>
-              </a:rPr>
-              <a:t> - </a:t>
-            </a:r>
-            <a:r>
-              <a:rPr lang="fr-FR" sz="1200" kern="1200" dirty="0" err="1">
-                <a:solidFill>
-                  <a:schemeClr val="tx1"/>
-                </a:solidFill>
-                <a:effectLst/>
-                <a:latin typeface="+mn-lt"/>
-                <a:ea typeface="+mn-ea"/>
-                <a:cs typeface="+mn-cs"/>
-              </a:rPr>
-              <a:t>Storybook</a:t>
-            </a:r>
-            <a:r>
-              <a:rPr lang="fr-FR" sz="1200" kern="1200" dirty="0">
-                <a:solidFill>
-                  <a:schemeClr val="tx1"/>
-                </a:solidFill>
-                <a:effectLst/>
-                <a:latin typeface="+mn-lt"/>
-                <a:ea typeface="+mn-ea"/>
-                <a:cs typeface="+mn-cs"/>
-              </a:rPr>
-              <a:t> pour la documentation</a:t>
-            </a:r>
-          </a:p>
-          <a:p>
-            <a:br>
-              <a:rPr lang="fr-FR" sz="1200" kern="1200" dirty="0">
-                <a:solidFill>
-                  <a:schemeClr val="tx1"/>
-                </a:solidFill>
-                <a:effectLst/>
-                <a:latin typeface="+mn-lt"/>
-                <a:ea typeface="+mn-ea"/>
-                <a:cs typeface="+mn-cs"/>
-              </a:rPr>
-            </a:br>
-            <a:endParaRPr lang="fr-FR" sz="1200" kern="1200" dirty="0">
-              <a:solidFill>
-                <a:schemeClr val="tx1"/>
-              </a:solidFill>
-              <a:effectLst/>
-              <a:latin typeface="+mn-lt"/>
-              <a:ea typeface="+mn-ea"/>
-              <a:cs typeface="+mn-cs"/>
-            </a:endParaRPr>
-          </a:p>
-          <a:p>
-            <a:r>
-              <a:rPr lang="fr-FR" sz="1200" kern="1200" dirty="0">
-                <a:solidFill>
-                  <a:schemeClr val="tx1"/>
-                </a:solidFill>
-                <a:effectLst/>
-                <a:latin typeface="+mn-lt"/>
-                <a:ea typeface="+mn-ea"/>
-                <a:cs typeface="+mn-cs"/>
-              </a:rPr>
-              <a:t>Installation (10 – 15 mn)</a:t>
-            </a:r>
-          </a:p>
-          <a:p>
-            <a:r>
-              <a:rPr lang="fr-FR" sz="1200" kern="1200" dirty="0">
-                <a:solidFill>
-                  <a:schemeClr val="tx1"/>
-                </a:solidFill>
-                <a:effectLst/>
-                <a:latin typeface="+mn-lt"/>
-                <a:ea typeface="+mn-ea"/>
-                <a:cs typeface="+mn-cs"/>
-              </a:rPr>
-              <a:t> - Installation et démarrage d'une nouvelle application avec CRA </a:t>
-            </a:r>
-          </a:p>
-          <a:p>
-            <a:r>
-              <a:rPr lang="fr-FR" sz="1200" kern="1200" dirty="0">
-                <a:solidFill>
-                  <a:schemeClr val="tx1"/>
-                </a:solidFill>
-                <a:effectLst/>
-                <a:latin typeface="+mn-lt"/>
-                <a:ea typeface="+mn-ea"/>
-                <a:cs typeface="+mn-cs"/>
-              </a:rPr>
-              <a:t> - Installation du toolkit</a:t>
-            </a:r>
-          </a:p>
-          <a:p>
-            <a:br>
-              <a:rPr lang="fr-FR" sz="1200" kern="1200" dirty="0">
-                <a:solidFill>
-                  <a:schemeClr val="tx1"/>
-                </a:solidFill>
-                <a:effectLst/>
-                <a:latin typeface="+mn-lt"/>
-                <a:ea typeface="+mn-ea"/>
-                <a:cs typeface="+mn-cs"/>
-              </a:rPr>
-            </a:br>
-            <a:endParaRPr lang="fr-FR" sz="1200" kern="1200" dirty="0">
-              <a:solidFill>
-                <a:schemeClr val="tx1"/>
-              </a:solidFill>
-              <a:effectLst/>
-              <a:latin typeface="+mn-lt"/>
-              <a:ea typeface="+mn-ea"/>
-              <a:cs typeface="+mn-cs"/>
-            </a:endParaRPr>
-          </a:p>
-          <a:p>
-            <a:r>
-              <a:rPr lang="fr-FR" sz="1200" kern="1200" dirty="0">
-                <a:solidFill>
-                  <a:schemeClr val="tx1"/>
-                </a:solidFill>
-                <a:effectLst/>
-                <a:latin typeface="+mn-lt"/>
-                <a:ea typeface="+mn-ea"/>
-                <a:cs typeface="+mn-cs"/>
-              </a:rPr>
-              <a:t>Mise en place du </a:t>
-            </a:r>
-            <a:r>
-              <a:rPr lang="fr-FR" sz="1200" kern="1200" dirty="0" err="1">
-                <a:solidFill>
-                  <a:schemeClr val="tx1"/>
-                </a:solidFill>
-                <a:effectLst/>
-                <a:latin typeface="+mn-lt"/>
-                <a:ea typeface="+mn-ea"/>
-                <a:cs typeface="+mn-cs"/>
-              </a:rPr>
-              <a:t>layout</a:t>
-            </a:r>
-            <a:r>
-              <a:rPr lang="fr-FR" sz="1200" kern="1200" dirty="0">
-                <a:solidFill>
-                  <a:schemeClr val="tx1"/>
-                </a:solidFill>
-                <a:effectLst/>
-                <a:latin typeface="+mn-lt"/>
-                <a:ea typeface="+mn-ea"/>
-                <a:cs typeface="+mn-cs"/>
-              </a:rPr>
-              <a:t> (20 – 25 mn)</a:t>
-            </a:r>
-          </a:p>
-          <a:p>
-            <a:r>
-              <a:rPr lang="fr-FR" sz="1200" kern="1200" dirty="0">
-                <a:solidFill>
-                  <a:schemeClr val="tx1"/>
-                </a:solidFill>
-                <a:effectLst/>
-                <a:latin typeface="+mn-lt"/>
-                <a:ea typeface="+mn-ea"/>
-                <a:cs typeface="+mn-cs"/>
-              </a:rPr>
-              <a:t> - Header (HTML)</a:t>
-            </a:r>
-          </a:p>
-          <a:p>
-            <a:r>
-              <a:rPr lang="fr-FR" sz="1200" kern="1200" dirty="0">
-                <a:solidFill>
-                  <a:schemeClr val="tx1"/>
-                </a:solidFill>
-                <a:effectLst/>
-                <a:latin typeface="+mn-lt"/>
-                <a:ea typeface="+mn-ea"/>
-                <a:cs typeface="+mn-cs"/>
-              </a:rPr>
-              <a:t> - </a:t>
-            </a:r>
-            <a:r>
-              <a:rPr lang="fr-FR" sz="1200" kern="1200" dirty="0" err="1">
-                <a:solidFill>
-                  <a:schemeClr val="tx1"/>
-                </a:solidFill>
-                <a:effectLst/>
-                <a:latin typeface="+mn-lt"/>
-                <a:ea typeface="+mn-ea"/>
-                <a:cs typeface="+mn-cs"/>
-              </a:rPr>
-              <a:t>Footer</a:t>
-            </a:r>
-            <a:r>
-              <a:rPr lang="fr-FR" sz="1200" kern="1200" dirty="0">
-                <a:solidFill>
-                  <a:schemeClr val="tx1"/>
-                </a:solidFill>
-                <a:effectLst/>
-                <a:latin typeface="+mn-lt"/>
-                <a:ea typeface="+mn-ea"/>
-                <a:cs typeface="+mn-cs"/>
-              </a:rPr>
-              <a:t> (HTML)</a:t>
-            </a:r>
-          </a:p>
-          <a:p>
-            <a:r>
-              <a:rPr lang="fr-FR" sz="1200" kern="1200" dirty="0">
-                <a:solidFill>
-                  <a:schemeClr val="tx1"/>
-                </a:solidFill>
-                <a:effectLst/>
-                <a:latin typeface="+mn-lt"/>
-                <a:ea typeface="+mn-ea"/>
-                <a:cs typeface="+mn-cs"/>
-              </a:rPr>
-              <a:t> - remplacement par les composants </a:t>
-            </a:r>
-            <a:r>
-              <a:rPr lang="fr-FR" sz="1200" kern="1200" dirty="0" err="1">
-                <a:solidFill>
-                  <a:schemeClr val="tx1"/>
-                </a:solidFill>
-                <a:effectLst/>
-                <a:latin typeface="+mn-lt"/>
-                <a:ea typeface="+mn-ea"/>
-                <a:cs typeface="+mn-cs"/>
-              </a:rPr>
-              <a:t>React</a:t>
-            </a:r>
-            <a:endParaRPr lang="fr-FR" sz="1200" kern="1200" dirty="0">
-              <a:solidFill>
-                <a:schemeClr val="tx1"/>
-              </a:solidFill>
-              <a:effectLst/>
-              <a:latin typeface="+mn-lt"/>
-              <a:ea typeface="+mn-ea"/>
-              <a:cs typeface="+mn-cs"/>
-            </a:endParaRPr>
-          </a:p>
-          <a:p>
-            <a:r>
-              <a:rPr lang="fr-FR" sz="1200" kern="1200" dirty="0">
-                <a:solidFill>
-                  <a:schemeClr val="tx1"/>
-                </a:solidFill>
-                <a:effectLst/>
-                <a:latin typeface="+mn-lt"/>
-                <a:ea typeface="+mn-ea"/>
-                <a:cs typeface="+mn-cs"/>
-              </a:rPr>
-              <a:t> </a:t>
-            </a:r>
-          </a:p>
-          <a:p>
-            <a:r>
-              <a:rPr lang="fr-FR" sz="1200" kern="1200" dirty="0">
-                <a:solidFill>
-                  <a:schemeClr val="tx1"/>
-                </a:solidFill>
-                <a:effectLst/>
-                <a:latin typeface="+mn-lt"/>
-                <a:ea typeface="+mn-ea"/>
-                <a:cs typeface="+mn-cs"/>
-              </a:rPr>
-              <a:t>Création d'un formulaire (20 - 25 mn)</a:t>
-            </a:r>
-          </a:p>
-          <a:p>
-            <a:r>
-              <a:rPr lang="fr-FR" sz="1200" kern="1200" dirty="0">
-                <a:solidFill>
-                  <a:schemeClr val="tx1"/>
-                </a:solidFill>
-                <a:effectLst/>
-                <a:latin typeface="+mn-lt"/>
-                <a:ea typeface="+mn-ea"/>
-                <a:cs typeface="+mn-cs"/>
-              </a:rPr>
-              <a:t> - Ajout des champs de formulaire</a:t>
-            </a:r>
-          </a:p>
-          <a:p>
-            <a:r>
-              <a:rPr lang="fr-FR" sz="1200" kern="1200" dirty="0">
-                <a:solidFill>
-                  <a:schemeClr val="tx1"/>
-                </a:solidFill>
-                <a:effectLst/>
-                <a:latin typeface="+mn-lt"/>
-                <a:ea typeface="+mn-ea"/>
-                <a:cs typeface="+mn-cs"/>
-              </a:rPr>
-              <a:t> - Ajout du bouton de validation</a:t>
-            </a:r>
-          </a:p>
-          <a:p>
-            <a:br>
-              <a:rPr lang="fr-FR" sz="1200" kern="1200" dirty="0">
-                <a:solidFill>
-                  <a:schemeClr val="tx1"/>
-                </a:solidFill>
-                <a:effectLst/>
-                <a:latin typeface="+mn-lt"/>
-                <a:ea typeface="+mn-ea"/>
-                <a:cs typeface="+mn-cs"/>
-              </a:rPr>
-            </a:br>
-            <a:endParaRPr lang="fr-FR" sz="1200" kern="1200" dirty="0">
-              <a:solidFill>
-                <a:schemeClr val="tx1"/>
-              </a:solidFill>
-              <a:effectLst/>
-              <a:latin typeface="+mn-lt"/>
-              <a:ea typeface="+mn-ea"/>
-              <a:cs typeface="+mn-cs"/>
-            </a:endParaRPr>
-          </a:p>
-          <a:p>
-            <a:r>
-              <a:rPr lang="fr-FR" sz="1200" kern="1200" dirty="0">
-                <a:solidFill>
-                  <a:schemeClr val="tx1"/>
-                </a:solidFill>
-                <a:effectLst/>
-                <a:latin typeface="+mn-lt"/>
-                <a:ea typeface="+mn-ea"/>
-                <a:cs typeface="+mn-cs"/>
-              </a:rPr>
-              <a:t>Gérer l'état du formulaire (20 – 25 mn)</a:t>
-            </a:r>
-          </a:p>
-          <a:p>
-            <a:r>
-              <a:rPr lang="fr-FR" sz="1200" kern="1200" dirty="0">
-                <a:solidFill>
-                  <a:schemeClr val="tx1"/>
-                </a:solidFill>
-                <a:effectLst/>
-                <a:latin typeface="+mn-lt"/>
-                <a:ea typeface="+mn-ea"/>
-                <a:cs typeface="+mn-cs"/>
-              </a:rPr>
-              <a:t> - création de l'état du formulaire</a:t>
-            </a:r>
-          </a:p>
-          <a:p>
-            <a:r>
-              <a:rPr lang="fr-FR" sz="1200" kern="1200" dirty="0">
-                <a:solidFill>
-                  <a:schemeClr val="tx1"/>
-                </a:solidFill>
-                <a:effectLst/>
-                <a:latin typeface="+mn-lt"/>
-                <a:ea typeface="+mn-ea"/>
-                <a:cs typeface="+mn-cs"/>
-              </a:rPr>
-              <a:t> - gestion des erreurs</a:t>
-            </a:r>
-          </a:p>
-          <a:p>
-            <a:r>
-              <a:rPr lang="fr-FR" sz="1200" kern="1200" dirty="0">
-                <a:solidFill>
-                  <a:schemeClr val="tx1"/>
-                </a:solidFill>
-                <a:effectLst/>
-                <a:latin typeface="+mn-lt"/>
-                <a:ea typeface="+mn-ea"/>
-                <a:cs typeface="+mn-cs"/>
-              </a:rPr>
-              <a:t> - Valider le formulaire</a:t>
-            </a:r>
-          </a:p>
-          <a:p>
-            <a:r>
-              <a:rPr lang="fr-FR" sz="1200" kern="1200" dirty="0">
-                <a:solidFill>
-                  <a:schemeClr val="tx1"/>
-                </a:solidFill>
-                <a:effectLst/>
-                <a:latin typeface="+mn-lt"/>
-                <a:ea typeface="+mn-ea"/>
-                <a:cs typeface="+mn-cs"/>
-              </a:rPr>
-              <a:t> </a:t>
-            </a:r>
-          </a:p>
-          <a:p>
-            <a:r>
-              <a:rPr lang="fr-FR" sz="1200" kern="1200" dirty="0">
-                <a:solidFill>
-                  <a:schemeClr val="tx1"/>
-                </a:solidFill>
-                <a:effectLst/>
-                <a:latin typeface="+mn-lt"/>
-                <a:ea typeface="+mn-ea"/>
-                <a:cs typeface="+mn-cs"/>
-              </a:rPr>
-              <a:t>Conclusion / feedbacks (10 – 15 mn)</a:t>
-            </a:r>
-          </a:p>
-          <a:p>
-            <a:endParaRPr lang="en-US" dirty="0">
-              <a:latin typeface="Century Gothic" pitchFamily="34" charset="0"/>
-            </a:endParaRPr>
+            <a:endParaRPr lang="fr-FR" dirty="0"/>
+          </a:p>
+          <a:p>
+            <a:pPr marL="0" indent="0">
+              <a:buNone/>
+            </a:pPr>
+            <a:r>
+              <a:rPr lang="en-US" sz="1200" dirty="0"/>
+              <a:t>Technical implementations on </a:t>
+            </a:r>
+            <a:r>
+              <a:rPr lang="en-US" sz="1200" dirty="0">
+                <a:solidFill>
+                  <a:srgbClr val="0070C0"/>
+                </a:solidFill>
+              </a:rPr>
+              <a:t>authentication</a:t>
+            </a:r>
+            <a:r>
+              <a:rPr lang="en-US" sz="1200" dirty="0"/>
+              <a:t> and token exchange differs between connection providers (</a:t>
+            </a:r>
+            <a:r>
+              <a:rPr lang="en-US" sz="1200" dirty="0" err="1"/>
+              <a:t>facebook</a:t>
+            </a:r>
+            <a:r>
+              <a:rPr lang="en-US" sz="1200" dirty="0"/>
+              <a:t>, twitter, etc.)</a:t>
+            </a:r>
+            <a:endParaRPr lang="fr-FR" sz="1200" dirty="0"/>
+          </a:p>
+          <a:p>
+            <a:pPr marL="0" indent="0">
+              <a:buNone/>
+            </a:pPr>
+            <a:r>
+              <a:rPr lang="fr-FR" sz="1200" dirty="0"/>
+              <a:t>The </a:t>
+            </a:r>
+            <a:r>
+              <a:rPr lang="fr-FR" sz="1200" dirty="0" err="1"/>
+              <a:t>way</a:t>
+            </a:r>
+            <a:r>
+              <a:rPr lang="fr-FR" sz="1200" dirty="0"/>
+              <a:t> to </a:t>
+            </a:r>
+            <a:r>
+              <a:rPr lang="fr-FR" sz="1200" dirty="0" err="1"/>
+              <a:t>retrieve</a:t>
+            </a:r>
+            <a:r>
+              <a:rPr lang="fr-FR" sz="1200" dirty="0"/>
+              <a:t> </a:t>
+            </a:r>
+            <a:r>
+              <a:rPr lang="fr-FR" sz="1200" dirty="0">
+                <a:solidFill>
+                  <a:srgbClr val="0070C0"/>
+                </a:solidFill>
+              </a:rPr>
+              <a:t>identification</a:t>
+            </a:r>
+            <a:r>
+              <a:rPr lang="fr-FR" sz="1200" dirty="0"/>
+              <a:t> informations are </a:t>
+            </a:r>
+            <a:r>
+              <a:rPr lang="fr-FR" sz="1200" dirty="0" err="1"/>
+              <a:t>differents</a:t>
+            </a:r>
+            <a:r>
+              <a:rPr lang="fr-FR" sz="1200" dirty="0"/>
+              <a:t> between </a:t>
+            </a:r>
+            <a:r>
+              <a:rPr lang="fr-FR" sz="1200" dirty="0" err="1"/>
+              <a:t>each</a:t>
+            </a:r>
+            <a:r>
+              <a:rPr lang="fr-FR" sz="1200" dirty="0"/>
+              <a:t> providers</a:t>
+            </a:r>
+          </a:p>
+          <a:p>
+            <a:pPr marL="0" indent="0">
+              <a:buNone/>
+            </a:pPr>
+            <a:r>
+              <a:rPr lang="en-US" sz="1200" dirty="0"/>
+              <a:t>Need for specific code for each supplier</a:t>
+            </a:r>
+            <a:endParaRPr lang="fr-FR" sz="1200" dirty="0"/>
+          </a:p>
+          <a:p>
+            <a:endParaRPr lang="fr-FR" dirty="0"/>
           </a:p>
         </p:txBody>
       </p:sp>
@@ -4360,7 +3745,7 @@
             <a:spLocks noGrp="1"/>
           </p:cNvSpPr>
           <p:nvPr>
-            <p:ph type="sldNum" sz="quarter" idx="10"/>
+            <p:ph type="sldNum" sz="quarter" idx="5"/>
           </p:nvPr>
         </p:nvSpPr>
         <p:spPr/>
@@ -4368,182 +3753,18 @@
           <a:bodyPr/>
           <a:lstStyle/>
           <a:p>
-            <a:pPr marL="0" marR="0" lvl="0" indent="0" algn="r" defTabSz="914400" rtl="0" eaLnBrk="1" fontAlgn="auto" latinLnBrk="0" hangingPunct="1">
-              <a:lnSpc>
-                <a:spcPct val="100000"/>
-              </a:lnSpc>
-              <a:spcBef>
-                <a:spcPts val="0"/>
-              </a:spcBef>
-              <a:spcAft>
-                <a:spcPts val="0"/>
-              </a:spcAft>
-              <a:buClrTx/>
-              <a:buSzTx/>
-              <a:buFontTx/>
-              <a:buNone/>
-              <a:tabLst/>
-              <a:defRPr/>
-            </a:pPr>
-            <a:fld id="{930332B2-55D9-421F-A138-9E18F33D61D4}" type="slidenum">
-              <a:rPr kumimoji="0" lang="fr-FR" sz="1200" b="0" i="0" u="none" strike="noStrike" kern="1200" cap="none" spc="0" normalizeH="0" baseline="0" noProof="0" smtClean="0">
-                <a:ln>
-                  <a:noFill/>
-                </a:ln>
-                <a:solidFill>
-                  <a:prstClr val="black"/>
-                </a:solidFill>
-                <a:effectLst/>
-                <a:uLnTx/>
-                <a:uFillTx/>
-                <a:latin typeface="Calibri" panose="020F0502020204030204"/>
-                <a:ea typeface="+mn-ea"/>
-                <a:cs typeface="+mn-cs"/>
-              </a:rPr>
-              <a:pPr marL="0" marR="0" lvl="0" indent="0" algn="r" defTabSz="914400" rtl="0" eaLnBrk="1" fontAlgn="auto" latinLnBrk="0" hangingPunct="1">
-                <a:lnSpc>
-                  <a:spcPct val="100000"/>
-                </a:lnSpc>
-                <a:spcBef>
-                  <a:spcPts val="0"/>
-                </a:spcBef>
-                <a:spcAft>
-                  <a:spcPts val="0"/>
-                </a:spcAft>
-                <a:buClrTx/>
-                <a:buSzTx/>
-                <a:buFontTx/>
-                <a:buNone/>
-                <a:tabLst/>
-                <a:defRPr/>
-              </a:pPr>
-              <a:t>7</a:t>
+            <a:fld id="{41EB770E-9F5C-44F4-BEAD-89B26D889570}" type="slidenum">
+              <a:rPr lang="fr-FR" smtClean="0"/>
+              <a:t>6</a:t>
             </a:fld>
-            <a:endParaRPr kumimoji="0" lang="fr-FR" sz="1200" b="0" i="0" u="none" strike="noStrike" kern="1200" cap="none" spc="0" normalizeH="0" baseline="0" noProof="0">
-              <a:ln>
-                <a:noFill/>
-              </a:ln>
-              <a:solidFill>
-                <a:prstClr val="black"/>
-              </a:solidFill>
-              <a:effectLst/>
-              <a:uLnTx/>
-              <a:uFillTx/>
-              <a:latin typeface="Calibri" panose="020F0502020204030204"/>
-              <a:ea typeface="+mn-ea"/>
-              <a:cs typeface="+mn-cs"/>
-            </a:endParaRPr>
-          </a:p>
-        </p:txBody>
-      </p:sp>
-      <p:sp>
-        <p:nvSpPr>
-          <p:cNvPr id="5" name="Espace réservé de la date 4"/>
-          <p:cNvSpPr>
-            <a:spLocks noGrp="1"/>
-          </p:cNvSpPr>
-          <p:nvPr>
-            <p:ph type="dt" idx="11"/>
-          </p:nvPr>
-        </p:nvSpPr>
-        <p:spPr/>
-        <p:txBody>
-          <a:bodyPr/>
-          <a:lstStyle/>
-          <a:p>
-            <a:pPr marL="0" marR="0" lvl="0" indent="0" algn="r" defTabSz="914400" rtl="0" eaLnBrk="1" fontAlgn="auto" latinLnBrk="0" hangingPunct="1">
-              <a:lnSpc>
-                <a:spcPct val="100000"/>
-              </a:lnSpc>
-              <a:spcBef>
-                <a:spcPts val="0"/>
-              </a:spcBef>
-              <a:spcAft>
-                <a:spcPts val="0"/>
-              </a:spcAft>
-              <a:buClrTx/>
-              <a:buSzTx/>
-              <a:buFontTx/>
-              <a:buNone/>
-              <a:tabLst/>
-              <a:defRPr/>
-            </a:pPr>
-            <a:r>
-              <a:rPr kumimoji="0" lang="fr-FR" sz="1200" b="0" i="0" u="none" strike="noStrike" kern="1200" cap="none" spc="0" normalizeH="0" baseline="0" noProof="0">
-                <a:ln>
-                  <a:noFill/>
-                </a:ln>
-                <a:solidFill>
-                  <a:prstClr val="black"/>
-                </a:solidFill>
-                <a:effectLst/>
-                <a:uLnTx/>
-                <a:uFillTx/>
-                <a:latin typeface="Calibri" panose="020F0502020204030204"/>
-                <a:ea typeface="+mn-ea"/>
-                <a:cs typeface="+mn-cs"/>
-              </a:rPr>
-              <a:t>CONFIDENTIALITY LEVEL</a:t>
-            </a:r>
-          </a:p>
-        </p:txBody>
-      </p:sp>
-      <p:sp>
-        <p:nvSpPr>
-          <p:cNvPr id="6" name="Espace réservé du pied de page 5"/>
-          <p:cNvSpPr>
-            <a:spLocks noGrp="1"/>
-          </p:cNvSpPr>
-          <p:nvPr>
-            <p:ph type="ftr" sz="quarter" idx="12"/>
-          </p:nvPr>
-        </p:nvSpPr>
-        <p:spPr/>
-        <p:txBody>
-          <a:bodyPr/>
-          <a:lstStyle/>
-          <a:p>
-            <a:pPr marL="0" marR="0" lvl="0" indent="0" algn="l" defTabSz="914400" rtl="0" eaLnBrk="1" fontAlgn="auto" latinLnBrk="0" hangingPunct="1">
-              <a:lnSpc>
-                <a:spcPct val="100000"/>
-              </a:lnSpc>
-              <a:spcBef>
-                <a:spcPts val="0"/>
-              </a:spcBef>
-              <a:spcAft>
-                <a:spcPts val="0"/>
-              </a:spcAft>
-              <a:buClrTx/>
-              <a:buSzTx/>
-              <a:buFontTx/>
-              <a:buNone/>
-              <a:tabLst/>
-              <a:defRPr/>
-            </a:pPr>
-            <a:r>
-              <a:rPr kumimoji="0" lang="fr-FR" sz="1200" b="0" i="0" u="none" strike="noStrike" kern="1200" cap="none" spc="0" normalizeH="0" baseline="0" noProof="0">
-                <a:ln>
-                  <a:noFill/>
-                </a:ln>
-                <a:solidFill>
-                  <a:prstClr val="black"/>
-                </a:solidFill>
-                <a:effectLst/>
-                <a:uLnTx/>
-                <a:uFillTx/>
-                <a:latin typeface="Calibri" panose="020F0502020204030204"/>
-                <a:ea typeface="+mn-ea"/>
-                <a:cs typeface="+mn-cs"/>
-              </a:rPr>
-              <a:t>Title of the presentation</a:t>
-            </a:r>
+            <a:endParaRPr lang="fr-FR"/>
           </a:p>
         </p:txBody>
       </p:sp>
     </p:spTree>
     <p:extLst>
       <p:ext uri="{BB962C8B-B14F-4D97-AF65-F5344CB8AC3E}">
-        <p14:creationId xmlns:p14="http://schemas.microsoft.com/office/powerpoint/2010/main" val="148038262"/>
+        <p14:creationId xmlns:p14="http://schemas.microsoft.com/office/powerpoint/2010/main" val="822313501"/>
       </p:ext>
     </p:extLst>
   </p:cSld>
@@ -4601,12 +3822,29 @@
               <a:buNone/>
             </a:pPr>
             <a:r>
-              <a:rPr lang="en-US" sz="1200" b="1" dirty="0"/>
-              <a:t>OAuth </a:t>
-            </a:r>
-            <a:r>
-              <a:rPr lang="en-US" sz="1200" dirty="0"/>
-              <a:t>is a free protocol. </a:t>
+              <a:rPr lang="fr-FR" b="1" dirty="0"/>
+              <a:t>Resource </a:t>
+            </a:r>
+            <a:r>
+              <a:rPr lang="fr-FR" b="1" dirty="0" err="1"/>
+              <a:t>Owner</a:t>
+            </a:r>
+            <a:r>
+              <a:rPr lang="fr-FR" dirty="0"/>
+              <a:t> </a:t>
+            </a:r>
+            <a:br>
+              <a:rPr lang="fr-FR" dirty="0"/>
+            </a:br>
+            <a:r>
+              <a:rPr lang="en-US" sz="1200" dirty="0">
+                <a:solidFill>
+                  <a:schemeClr val="accent1">
+                    <a:lumMod val="75000"/>
+                  </a:schemeClr>
+                </a:solidFill>
+              </a:rPr>
+              <a:t>A human or a machine</a:t>
             </a:r>
           </a:p>
           <a:p>
@@ -4614,126 +3852,77 @@
               <a:buNone/>
             </a:pPr>
             <a:r>
-              <a:rPr lang="en-US" sz="1200" dirty="0"/>
-              <a:t>It's a "</a:t>
-            </a:r>
+              <a:rPr lang="fr-FR" b="1" dirty="0"/>
+              <a:t>Resource Server</a:t>
+            </a:r>
+            <a:br>
+              <a:rPr lang="fr-FR" b="1" dirty="0"/>
+            </a:br>
             <a:r>
               <a:rPr lang="en-US" sz="1200" dirty="0">
                 <a:solidFill>
-                  <a:schemeClr val="accent2">
+                  <a:schemeClr val="accent1">
                     <a:lumMod val="75000"/>
                   </a:schemeClr>
                 </a:solidFill>
               </a:rPr>
-              <a:t>delegation of authorization</a:t>
-            </a:r>
-            <a:r>
-              <a:rPr lang="en-US" sz="1200" dirty="0"/>
-              <a:t>" protocol !</a:t>
-            </a:r>
-            <a:endParaRPr lang="en-US" sz="1000" dirty="0">
+              <a:t>Hosts data that is protected</a:t>
+            </a:r>
+          </a:p>
+          <a:p>
+            <a:pPr marL="0" indent="0">
+              <a:buNone/>
+            </a:pPr>
+            <a:r>
+              <a:rPr lang="fr-FR" b="1" dirty="0"/>
+              <a:t>Client Application</a:t>
+            </a:r>
+            <a:br>
+              <a:rPr lang="fr-FR" b="1" dirty="0"/>
+            </a:br>
+            <a:r>
+              <a:rPr lang="en-US" sz="1200" dirty="0">
+                <a:solidFill>
+                  <a:schemeClr val="accent1">
+                    <a:lumMod val="75000"/>
+                  </a:schemeClr>
+                </a:solidFill>
+              </a:rPr>
+              <a:t>Application requesting data from the resource server.</a:t>
+            </a:r>
+          </a:p>
+          <a:p>
+            <a:pPr marL="0" indent="0">
+              <a:buNone/>
+            </a:pPr>
+            <a:r>
+              <a:rPr lang="fr-FR" b="1" dirty="0" err="1"/>
+              <a:t>Authorization</a:t>
+            </a:r>
+            <a:r>
+              <a:rPr lang="fr-FR" b="1" dirty="0"/>
+              <a:t> Server</a:t>
+            </a:r>
+            <a:br>
+              <a:rPr lang="fr-FR" b="1" dirty="0"/>
+            </a:br>
+            <a:r>
+              <a:rPr lang="en-US" sz="1200" dirty="0">
+                <a:solidFill>
+                  <a:schemeClr val="accent1">
+                    <a:lumMod val="75000"/>
+                  </a:schemeClr>
+                </a:solidFill>
+              </a:rPr>
+              <a:t>Delivers access tokens to the customer.</a:t>
+            </a:r>
+            <a:endParaRPr lang="fr-FR" sz="1200" dirty="0">
               <a:solidFill>
                 <a:schemeClr val="accent1">
                   <a:lumMod val="75000"/>
                 </a:schemeClr>
               </a:solidFill>
             </a:endParaRPr>
-          </a:p>
-          <a:p>
-            <a:endParaRPr lang="fr-FR" dirty="0"/>
-          </a:p>
-          <a:p>
-            <a:pPr marL="0" indent="0">
-              <a:buNone/>
-            </a:pPr>
-            <a:r>
-              <a:rPr lang="en-US" sz="1200" dirty="0"/>
-              <a:t>Technical implementations on </a:t>
-            </a:r>
-            <a:r>
-              <a:rPr lang="en-US" sz="1200" dirty="0">
-                <a:solidFill>
-                  <a:srgbClr val="0070C0"/>
-                </a:solidFill>
-              </a:rPr>
-              <a:t>authentication</a:t>
-            </a:r>
-            <a:r>
-              <a:rPr lang="en-US" sz="1200" dirty="0"/>
-              <a:t> and token exchange differs between connection providers (</a:t>
-            </a:r>
-            <a:r>
-              <a:rPr lang="en-US" sz="1200" dirty="0" err="1"/>
-              <a:t>facebook</a:t>
-            </a:r>
-            <a:r>
-              <a:rPr lang="en-US" sz="1200" dirty="0"/>
-              <a:t>, twitter, etc.)</a:t>
-            </a:r>
-            <a:endParaRPr lang="fr-FR" sz="1200" dirty="0"/>
-          </a:p>
-          <a:p>
-            <a:pPr marL="0" indent="0">
-              <a:buNone/>
-            </a:pPr>
-            <a:r>
-              <a:rPr lang="fr-FR" sz="1200" dirty="0"/>
-              <a:t>The </a:t>
-            </a:r>
-            <a:r>
-              <a:rPr lang="fr-FR" sz="1200" dirty="0" err="1"/>
-              <a:t>way</a:t>
-            </a:r>
-            <a:r>
-              <a:rPr lang="fr-FR" sz="1200" dirty="0"/>
-              <a:t> to </a:t>
-            </a:r>
-            <a:r>
-              <a:rPr lang="fr-FR" sz="1200" dirty="0" err="1"/>
-              <a:t>retrieve</a:t>
-            </a:r>
-            <a:r>
-              <a:rPr lang="fr-FR" sz="1200" dirty="0"/>
-              <a:t> </a:t>
-            </a:r>
-            <a:r>
-              <a:rPr lang="fr-FR" sz="1200" dirty="0">
-                <a:solidFill>
-                  <a:srgbClr val="0070C0"/>
-                </a:solidFill>
-              </a:rPr>
-              <a:t>identification</a:t>
-            </a:r>
-            <a:r>
-              <a:rPr lang="fr-FR" sz="1200" dirty="0"/>
-              <a:t> informations are </a:t>
-            </a:r>
-            <a:r>
-              <a:rPr lang="fr-FR" sz="1200" dirty="0" err="1"/>
-              <a:t>differents</a:t>
-            </a:r>
-            <a:r>
-              <a:rPr lang="fr-FR" sz="1200" dirty="0"/>
-              <a:t> between </a:t>
-            </a:r>
-            <a:r>
-              <a:rPr lang="fr-FR" sz="1200" dirty="0" err="1"/>
-              <a:t>each</a:t>
-            </a:r>
-            <a:r>
-              <a:rPr lang="fr-FR" sz="1200" dirty="0"/>
-              <a:t> providers</a:t>
-            </a:r>
-          </a:p>
-          <a:p>
-            <a:pPr marL="0" indent="0">
-              <a:buNone/>
-            </a:pPr>
-            <a:r>
-              <a:rPr lang="en-US" sz="1200" dirty="0"/>
-              <a:t>Need for specific code for each supplier</a:t>
-            </a:r>
-            <a:endParaRPr lang="fr-FR" sz="1200" dirty="0"/>
           </a:p>
           <a:p>
             <a:endParaRPr lang="fr-FR" dirty="0"/>
@@ -4747,7 +3936,7 @@
             <a:spLocks noGrp="1"/>
           </p:cNvSpPr>
           <p:nvPr>
-            <p:ph type="sldNum" sz="quarter" idx="5"/>
+            <p:ph type="sldNum" sz="quarter" idx="10"/>
           </p:nvPr>
         </p:nvSpPr>
         <p:spPr/>
@@ -4757,7 +3946,7 @@
           <a:p>
             <a:fld id="{41EB770E-9F5C-44F4-BEAD-89B26D889570}" type="slidenum">
               <a:rPr lang="fr-FR" smtClean="0"/>
-              <a:t>8</a:t>
+              <a:t>10</a:t>
             </a:fld>
             <a:endParaRPr lang="fr-FR"/>
           </a:p>
@@ -4766,7 +3955,7 @@
     </p:spTree>
     <p:extLst>
       <p:ext uri="{BB962C8B-B14F-4D97-AF65-F5344CB8AC3E}">
-        <p14:creationId xmlns:p14="http://schemas.microsoft.com/office/powerpoint/2010/main" val="822313501"/>
+        <p14:creationId xmlns:p14="http://schemas.microsoft.com/office/powerpoint/2010/main" val="3265035711"/>
       </p:ext>
     </p:extLst>
   </p:cSld>
@@ -4820,114 +4009,738 @@
           <a:bodyPr/>
           <a:lstStyle/>
           <a:p>
-            <a:pPr marL="0" indent="0">
-              <a:buNone/>
-            </a:pPr>
-            <a:r>
-              <a:rPr lang="fr-FR" b="1" dirty="0"/>
-              <a:t>Resource </a:t>
-            </a:r>
-            <a:r>
-              <a:rPr lang="fr-FR" b="1" dirty="0" err="1"/>
-              <a:t>Owner</a:t>
-            </a:r>
-            <a:r>
-              <a:rPr lang="fr-FR" dirty="0"/>
-              <a:t> </a:t>
-            </a:r>
+            <a:endParaRPr lang="fr-FR" dirty="0"/>
+          </a:p>
+        </p:txBody>
+      </p:sp>
+      <p:sp>
+        <p:nvSpPr>
+          <p:cNvPr id="4" name="Espace réservé du numéro de diapositive 3"/>
+          <p:cNvSpPr>
+            <a:spLocks noGrp="1"/>
+          </p:cNvSpPr>
+          <p:nvPr>
+            <p:ph type="sldNum" sz="quarter" idx="5"/>
+          </p:nvPr>
+        </p:nvSpPr>
+        <p:spPr/>
+        <p:txBody>
+          <a:bodyPr/>
+          <a:lstStyle/>
+          <a:p>
+            <a:fld id="{41EB770E-9F5C-44F4-BEAD-89B26D889570}" type="slidenum">
+              <a:rPr lang="fr-FR" smtClean="0"/>
+              <a:t>12</a:t>
+            </a:fld>
+            <a:endParaRPr lang="fr-FR"/>
+          </a:p>
+        </p:txBody>
+      </p:sp>
+    </p:spTree>
+    <p:extLst>
+      <p:ext uri="{BB962C8B-B14F-4D97-AF65-F5344CB8AC3E}">
+        <p14:creationId xmlns:p14="http://schemas.microsoft.com/office/powerpoint/2010/main" val="3614629146"/>
+      </p:ext>
+    </p:extLst>
+  </p:cSld>
+  <p:clrMapOvr>
+    <a:masterClrMapping/>
+  </p:clrMapOvr>
+</p:notes>
+</file>
+
+<file path=ppt/notesSlides/notesSlide7.xml><?xml version="1.0" encoding="utf-8"?>
+<p:notes xmlns:a="http://schemas.openxmlformats.org/drawingml/2006/main" xmlns:r="http://schemas.openxmlformats.org/officeDocument/2006/relationships" xmlns:p="http://schemas.openxmlformats.org/presentationml/2006/main">
+  <p:cSld>
+    <p:spTree>
+      <p:nvGrpSpPr>
+        <p:cNvPr id="1" name=""/>
+        <p:cNvGrpSpPr/>
+        <p:nvPr/>
+      </p:nvGrpSpPr>
+      <p:grpSpPr>
+        <a:xfrm>
+          <a:off x="0" y="0"/>
+          <a:ext cx="0" cy="0"/>
+          <a:chOff x="0" y="0"/>
+          <a:chExt cx="0" cy="0"/>
+        </a:xfrm>
+      </p:grpSpPr>
+      <p:sp>
+        <p:nvSpPr>
+          <p:cNvPr id="2" name="Espace réservé de l'image des diapositives 1"/>
+          <p:cNvSpPr>
+            <a:spLocks noGrp="1" noRot="1" noChangeAspect="1"/>
+          </p:cNvSpPr>
+          <p:nvPr>
+            <p:ph type="sldImg"/>
+          </p:nvPr>
+        </p:nvSpPr>
+        <p:spPr/>
+      </p:sp>
+      <p:sp>
+        <p:nvSpPr>
+          <p:cNvPr id="3" name="Espace réservé des commentaires 2"/>
+          <p:cNvSpPr>
+            <a:spLocks noGrp="1"/>
+          </p:cNvSpPr>
+          <p:nvPr>
+            <p:ph type="body" idx="1"/>
+          </p:nvPr>
+        </p:nvSpPr>
+        <p:spPr/>
+        <p:txBody>
+          <a:bodyPr/>
+          <a:lstStyle/>
+          <a:p>
+            <a:r>
+              <a:rPr lang="fr-FR" sz="1200" kern="1200">
+                <a:solidFill>
+                  <a:schemeClr val="tx1"/>
+                </a:solidFill>
+                <a:effectLst/>
+                <a:latin typeface="+mn-lt"/>
+                <a:ea typeface="+mn-ea"/>
+                <a:cs typeface="+mn-cs"/>
+              </a:rPr>
+              <a:t>Introduction </a:t>
+            </a:r>
+            <a:r>
+              <a:rPr lang="fr-FR" sz="1200" kern="1200">
+                <a:solidFill>
+                  <a:srgbClr val="FF0000"/>
+                </a:solidFill>
+                <a:effectLst/>
+                <a:latin typeface="+mn-lt"/>
+                <a:ea typeface="+mn-ea"/>
+                <a:cs typeface="+mn-cs"/>
+              </a:rPr>
+              <a:t>(10mn)</a:t>
+            </a:r>
+          </a:p>
+          <a:p>
+            <a:r>
+              <a:rPr lang="fr-FR" sz="1200" kern="1200" dirty="0">
+                <a:solidFill>
+                  <a:schemeClr val="tx1"/>
+                </a:solidFill>
+                <a:effectLst/>
+                <a:latin typeface="+mn-lt"/>
+                <a:ea typeface="+mn-ea"/>
+                <a:cs typeface="+mn-cs"/>
+              </a:rPr>
+              <a:t> - Quel était notre besoin ?</a:t>
+            </a:r>
+          </a:p>
+          <a:p>
+            <a:r>
+              <a:rPr lang="fr-FR" sz="1200" kern="1200" dirty="0">
+                <a:solidFill>
+                  <a:schemeClr val="tx1"/>
+                </a:solidFill>
+                <a:effectLst/>
+                <a:latin typeface="+mn-lt"/>
+                <a:ea typeface="+mn-ea"/>
+                <a:cs typeface="+mn-cs"/>
+              </a:rPr>
+              <a:t> - Comment avons nous répondu à ce besoin ?</a:t>
+            </a:r>
+          </a:p>
+          <a:p>
             <a:br>
-              <a:rPr lang="fr-FR" dirty="0"/>
+              <a:rPr lang="fr-FR" sz="1200" kern="1200" dirty="0">
+                <a:solidFill>
+                  <a:schemeClr val="tx1"/>
+                </a:solidFill>
+                <a:effectLst/>
+                <a:latin typeface="+mn-lt"/>
+                <a:ea typeface="+mn-ea"/>
+                <a:cs typeface="+mn-cs"/>
+              </a:rPr>
             </a:br>
-            <a:r>
-              <a:rPr lang="en-US" sz="1200" dirty="0">
-                <a:solidFill>
-                  <a:schemeClr val="accent1">
-                    <a:lumMod val="75000"/>
-                  </a:schemeClr>
-                </a:solidFill>
-              </a:rPr>
-              <a:t>A human or a machine</a:t>
-            </a:r>
-          </a:p>
-          <a:p>
-            <a:pPr marL="0" indent="0">
-              <a:buNone/>
-            </a:pPr>
-            <a:r>
-              <a:rPr lang="fr-FR" b="1" dirty="0"/>
-              <a:t>Resource Server</a:t>
-            </a:r>
+            <a:endParaRPr lang="fr-FR" sz="1200" kern="1200" dirty="0">
+              <a:solidFill>
+                <a:schemeClr val="tx1"/>
+              </a:solidFill>
+              <a:effectLst/>
+              <a:latin typeface="+mn-lt"/>
+              <a:ea typeface="+mn-ea"/>
+              <a:cs typeface="+mn-cs"/>
+            </a:endParaRPr>
+          </a:p>
+          <a:p>
+            <a:r>
+              <a:rPr lang="fr-FR" sz="1200" kern="1200" dirty="0">
+                <a:solidFill>
+                  <a:schemeClr val="tx1"/>
+                </a:solidFill>
+                <a:effectLst/>
+                <a:latin typeface="+mn-lt"/>
+                <a:ea typeface="+mn-ea"/>
+                <a:cs typeface="+mn-cs"/>
+              </a:rPr>
+              <a:t>Slash Design System (10mn)</a:t>
+            </a:r>
+          </a:p>
+          <a:p>
+            <a:r>
+              <a:rPr lang="fr-FR" sz="1200" kern="1200" dirty="0">
+                <a:solidFill>
+                  <a:schemeClr val="tx1"/>
+                </a:solidFill>
+                <a:effectLst/>
+                <a:latin typeface="+mn-lt"/>
+                <a:ea typeface="+mn-ea"/>
+                <a:cs typeface="+mn-cs"/>
+              </a:rPr>
+              <a:t> - Atomic Design</a:t>
+            </a:r>
+          </a:p>
+          <a:p>
+            <a:r>
+              <a:rPr lang="fr-FR" sz="1200" kern="1200" dirty="0">
+                <a:solidFill>
+                  <a:schemeClr val="tx1"/>
+                </a:solidFill>
+                <a:effectLst/>
+                <a:latin typeface="+mn-lt"/>
+                <a:ea typeface="+mn-ea"/>
+                <a:cs typeface="+mn-cs"/>
+              </a:rPr>
+              <a:t> - BEM, c'est quoi ? et pourquoi l'avoir choisi ?</a:t>
+            </a:r>
+          </a:p>
+          <a:p>
+            <a:r>
+              <a:rPr lang="fr-FR" sz="1200" kern="1200" dirty="0">
+                <a:solidFill>
+                  <a:schemeClr val="tx1"/>
+                </a:solidFill>
+                <a:effectLst/>
+                <a:latin typeface="+mn-lt"/>
+                <a:ea typeface="+mn-ea"/>
+                <a:cs typeface="+mn-cs"/>
+              </a:rPr>
+              <a:t> </a:t>
+            </a:r>
+          </a:p>
+          <a:p>
+            <a:r>
+              <a:rPr lang="fr-FR" sz="1200" kern="1200" dirty="0">
+                <a:solidFill>
+                  <a:schemeClr val="tx1"/>
+                </a:solidFill>
+                <a:effectLst/>
+                <a:latin typeface="+mn-lt"/>
+                <a:ea typeface="+mn-ea"/>
+                <a:cs typeface="+mn-cs"/>
+              </a:rPr>
+              <a:t> </a:t>
+            </a:r>
+          </a:p>
+          <a:p>
+            <a:r>
+              <a:rPr lang="fr-FR" sz="1200" kern="1200" dirty="0" err="1">
+                <a:solidFill>
+                  <a:schemeClr val="tx1"/>
+                </a:solidFill>
+                <a:effectLst/>
+                <a:latin typeface="+mn-lt"/>
+                <a:ea typeface="+mn-ea"/>
+                <a:cs typeface="+mn-cs"/>
+              </a:rPr>
+              <a:t>React</a:t>
+            </a:r>
+            <a:r>
+              <a:rPr lang="fr-FR" sz="1200" kern="1200" dirty="0">
+                <a:solidFill>
+                  <a:schemeClr val="tx1"/>
+                </a:solidFill>
+                <a:effectLst/>
+                <a:latin typeface="+mn-lt"/>
+                <a:ea typeface="+mn-ea"/>
+                <a:cs typeface="+mn-cs"/>
+              </a:rPr>
+              <a:t> &amp; </a:t>
+            </a:r>
+            <a:r>
+              <a:rPr lang="fr-FR" sz="1200" kern="1200" dirty="0" err="1">
+                <a:solidFill>
+                  <a:schemeClr val="tx1"/>
+                </a:solidFill>
+                <a:effectLst/>
+                <a:latin typeface="+mn-lt"/>
+                <a:ea typeface="+mn-ea"/>
+                <a:cs typeface="+mn-cs"/>
+              </a:rPr>
+              <a:t>storybook</a:t>
+            </a:r>
+            <a:r>
+              <a:rPr lang="fr-FR" sz="1200" kern="1200" dirty="0">
+                <a:solidFill>
+                  <a:schemeClr val="tx1"/>
+                </a:solidFill>
+                <a:effectLst/>
+                <a:latin typeface="+mn-lt"/>
+                <a:ea typeface="+mn-ea"/>
+                <a:cs typeface="+mn-cs"/>
+              </a:rPr>
+              <a:t> (10mn)</a:t>
+            </a:r>
+          </a:p>
+          <a:p>
+            <a:r>
+              <a:rPr lang="fr-FR" sz="1200" kern="1200" dirty="0">
+                <a:solidFill>
+                  <a:schemeClr val="tx1"/>
+                </a:solidFill>
+                <a:effectLst/>
+                <a:latin typeface="+mn-lt"/>
+                <a:ea typeface="+mn-ea"/>
+                <a:cs typeface="+mn-cs"/>
+              </a:rPr>
+              <a:t> - </a:t>
+            </a:r>
+            <a:r>
+              <a:rPr lang="fr-FR" sz="1200" kern="1200" dirty="0" err="1">
+                <a:solidFill>
+                  <a:schemeClr val="tx1"/>
+                </a:solidFill>
+                <a:effectLst/>
+                <a:latin typeface="+mn-lt"/>
+                <a:ea typeface="+mn-ea"/>
+                <a:cs typeface="+mn-cs"/>
+              </a:rPr>
+              <a:t>React</a:t>
+            </a:r>
+            <a:r>
+              <a:rPr lang="fr-FR" sz="1200" kern="1200" dirty="0">
+                <a:solidFill>
+                  <a:schemeClr val="tx1"/>
+                </a:solidFill>
+                <a:effectLst/>
+                <a:latin typeface="+mn-lt"/>
+                <a:ea typeface="+mn-ea"/>
+                <a:cs typeface="+mn-cs"/>
+              </a:rPr>
+              <a:t>, c'est quoi ? et pourquoi l'avoir choisi ?</a:t>
+            </a:r>
+          </a:p>
+          <a:p>
+            <a:r>
+              <a:rPr lang="fr-FR" sz="1200" kern="1200" dirty="0">
+                <a:solidFill>
+                  <a:schemeClr val="tx1"/>
+                </a:solidFill>
+                <a:effectLst/>
+                <a:latin typeface="+mn-lt"/>
+                <a:ea typeface="+mn-ea"/>
+                <a:cs typeface="+mn-cs"/>
+              </a:rPr>
+              <a:t> - </a:t>
+            </a:r>
+            <a:r>
+              <a:rPr lang="fr-FR" sz="1200" kern="1200" dirty="0" err="1">
+                <a:solidFill>
+                  <a:schemeClr val="tx1"/>
+                </a:solidFill>
+                <a:effectLst/>
+                <a:latin typeface="+mn-lt"/>
+                <a:ea typeface="+mn-ea"/>
+                <a:cs typeface="+mn-cs"/>
+              </a:rPr>
+              <a:t>Storybook</a:t>
+            </a:r>
+            <a:r>
+              <a:rPr lang="fr-FR" sz="1200" kern="1200" dirty="0">
+                <a:solidFill>
+                  <a:schemeClr val="tx1"/>
+                </a:solidFill>
+                <a:effectLst/>
+                <a:latin typeface="+mn-lt"/>
+                <a:ea typeface="+mn-ea"/>
+                <a:cs typeface="+mn-cs"/>
+              </a:rPr>
+              <a:t> pour la documentation</a:t>
+            </a:r>
+          </a:p>
+          <a:p>
             <a:br>
-              <a:rPr lang="fr-FR" b="1" dirty="0"/>
+              <a:rPr lang="fr-FR" sz="1200" kern="1200" dirty="0">
+                <a:solidFill>
+                  <a:schemeClr val="tx1"/>
+                </a:solidFill>
+                <a:effectLst/>
+                <a:latin typeface="+mn-lt"/>
+                <a:ea typeface="+mn-ea"/>
+                <a:cs typeface="+mn-cs"/>
+              </a:rPr>
             </a:br>
-            <a:r>
-              <a:rPr lang="en-US" sz="1200" dirty="0">
-                <a:solidFill>
-                  <a:schemeClr val="accent1">
-                    <a:lumMod val="75000"/>
-                  </a:schemeClr>
-                </a:solidFill>
-              </a:rPr>
-              <a:t>Hosts data that is protected</a:t>
-            </a:r>
-          </a:p>
-          <a:p>
-            <a:pPr marL="0" indent="0">
-              <a:buNone/>
-            </a:pPr>
-            <a:r>
-              <a:rPr lang="fr-FR" b="1" dirty="0"/>
-              <a:t>Client Application</a:t>
-            </a:r>
+            <a:endParaRPr lang="fr-FR" sz="1200" kern="1200" dirty="0">
+              <a:solidFill>
+                <a:schemeClr val="tx1"/>
+              </a:solidFill>
+              <a:effectLst/>
+              <a:latin typeface="+mn-lt"/>
+              <a:ea typeface="+mn-ea"/>
+              <a:cs typeface="+mn-cs"/>
+            </a:endParaRPr>
+          </a:p>
+          <a:p>
+            <a:r>
+              <a:rPr lang="fr-FR" sz="1200" kern="1200" dirty="0">
+                <a:solidFill>
+                  <a:schemeClr val="tx1"/>
+                </a:solidFill>
+                <a:effectLst/>
+                <a:latin typeface="+mn-lt"/>
+                <a:ea typeface="+mn-ea"/>
+                <a:cs typeface="+mn-cs"/>
+              </a:rPr>
+              <a:t>Installation (10 – 15 mn)</a:t>
+            </a:r>
+          </a:p>
+          <a:p>
+            <a:r>
+              <a:rPr lang="fr-FR" sz="1200" kern="1200" dirty="0">
+                <a:solidFill>
+                  <a:schemeClr val="tx1"/>
+                </a:solidFill>
+                <a:effectLst/>
+                <a:latin typeface="+mn-lt"/>
+                <a:ea typeface="+mn-ea"/>
+                <a:cs typeface="+mn-cs"/>
+              </a:rPr>
+              <a:t> - Installation et démarrage d'une nouvelle application avec CRA </a:t>
+            </a:r>
+          </a:p>
+          <a:p>
+            <a:r>
+              <a:rPr lang="fr-FR" sz="1200" kern="1200" dirty="0">
+                <a:solidFill>
+                  <a:schemeClr val="tx1"/>
+                </a:solidFill>
+                <a:effectLst/>
+                <a:latin typeface="+mn-lt"/>
+                <a:ea typeface="+mn-ea"/>
+                <a:cs typeface="+mn-cs"/>
+              </a:rPr>
+              <a:t> - Installation du toolkit</a:t>
+            </a:r>
+          </a:p>
+          <a:p>
             <a:br>
-              <a:rPr lang="fr-FR" b="1" dirty="0"/>
+              <a:rPr lang="fr-FR" sz="1200" kern="1200" dirty="0">
+                <a:solidFill>
+                  <a:schemeClr val="tx1"/>
+                </a:solidFill>
+                <a:effectLst/>
+                <a:latin typeface="+mn-lt"/>
+                <a:ea typeface="+mn-ea"/>
+                <a:cs typeface="+mn-cs"/>
+              </a:rPr>
             </a:br>
-            <a:r>
-              <a:rPr lang="en-US" sz="1200" dirty="0">
-                <a:solidFill>
-                  <a:schemeClr val="accent1">
-                    <a:lumMod val="75000"/>
-                  </a:schemeClr>
-                </a:solidFill>
-              </a:rPr>
-              <a:t>Application requesting data from the resource server.</a:t>
-            </a:r>
-          </a:p>
-          <a:p>
-            <a:pPr marL="0" indent="0">
-              <a:buNone/>
-            </a:pPr>
-            <a:r>
-              <a:rPr lang="fr-FR" b="1" dirty="0" err="1"/>
-              <a:t>Authorization</a:t>
-            </a:r>
-            <a:r>
-              <a:rPr lang="fr-FR" b="1" dirty="0"/>
-              <a:t> Server</a:t>
-            </a:r>
+            <a:endParaRPr lang="fr-FR" sz="1200" kern="1200" dirty="0">
+              <a:solidFill>
+                <a:schemeClr val="tx1"/>
+              </a:solidFill>
+              <a:effectLst/>
+              <a:latin typeface="+mn-lt"/>
+              <a:ea typeface="+mn-ea"/>
+              <a:cs typeface="+mn-cs"/>
+            </a:endParaRPr>
+          </a:p>
+          <a:p>
+            <a:r>
+              <a:rPr lang="fr-FR" sz="1200" kern="1200" dirty="0">
+                <a:solidFill>
+                  <a:schemeClr val="tx1"/>
+                </a:solidFill>
+                <a:effectLst/>
+                <a:latin typeface="+mn-lt"/>
+                <a:ea typeface="+mn-ea"/>
+                <a:cs typeface="+mn-cs"/>
+              </a:rPr>
+              <a:t>Mise en place du </a:t>
+            </a:r>
+            <a:r>
+              <a:rPr lang="fr-FR" sz="1200" kern="1200" dirty="0" err="1">
+                <a:solidFill>
+                  <a:schemeClr val="tx1"/>
+                </a:solidFill>
+                <a:effectLst/>
+                <a:latin typeface="+mn-lt"/>
+                <a:ea typeface="+mn-ea"/>
+                <a:cs typeface="+mn-cs"/>
+              </a:rPr>
+              <a:t>layout</a:t>
+            </a:r>
+            <a:r>
+              <a:rPr lang="fr-FR" sz="1200" kern="1200" dirty="0">
+                <a:solidFill>
+                  <a:schemeClr val="tx1"/>
+                </a:solidFill>
+                <a:effectLst/>
+                <a:latin typeface="+mn-lt"/>
+                <a:ea typeface="+mn-ea"/>
+                <a:cs typeface="+mn-cs"/>
+              </a:rPr>
+              <a:t> (20 – 25 mn)</a:t>
+            </a:r>
+          </a:p>
+          <a:p>
+            <a:r>
+              <a:rPr lang="fr-FR" sz="1200" kern="1200" dirty="0">
+                <a:solidFill>
+                  <a:schemeClr val="tx1"/>
+                </a:solidFill>
+                <a:effectLst/>
+                <a:latin typeface="+mn-lt"/>
+                <a:ea typeface="+mn-ea"/>
+                <a:cs typeface="+mn-cs"/>
+              </a:rPr>
+              <a:t> - Header (HTML)</a:t>
+            </a:r>
+          </a:p>
+          <a:p>
+            <a:r>
+              <a:rPr lang="fr-FR" sz="1200" kern="1200" dirty="0">
+                <a:solidFill>
+                  <a:schemeClr val="tx1"/>
+                </a:solidFill>
+                <a:effectLst/>
+                <a:latin typeface="+mn-lt"/>
+                <a:ea typeface="+mn-ea"/>
+                <a:cs typeface="+mn-cs"/>
+              </a:rPr>
+              <a:t> - </a:t>
+            </a:r>
+            <a:r>
+              <a:rPr lang="fr-FR" sz="1200" kern="1200" dirty="0" err="1">
+                <a:solidFill>
+                  <a:schemeClr val="tx1"/>
+                </a:solidFill>
+                <a:effectLst/>
+                <a:latin typeface="+mn-lt"/>
+                <a:ea typeface="+mn-ea"/>
+                <a:cs typeface="+mn-cs"/>
+              </a:rPr>
+              <a:t>Footer</a:t>
+            </a:r>
+            <a:r>
+              <a:rPr lang="fr-FR" sz="1200" kern="1200" dirty="0">
+                <a:solidFill>
+                  <a:schemeClr val="tx1"/>
+                </a:solidFill>
+                <a:effectLst/>
+                <a:latin typeface="+mn-lt"/>
+                <a:ea typeface="+mn-ea"/>
+                <a:cs typeface="+mn-cs"/>
+              </a:rPr>
+              <a:t> (HTML)</a:t>
+            </a:r>
+          </a:p>
+          <a:p>
+            <a:r>
+              <a:rPr lang="fr-FR" sz="1200" kern="1200" dirty="0">
+                <a:solidFill>
+                  <a:schemeClr val="tx1"/>
+                </a:solidFill>
+                <a:effectLst/>
+                <a:latin typeface="+mn-lt"/>
+                <a:ea typeface="+mn-ea"/>
+                <a:cs typeface="+mn-cs"/>
+              </a:rPr>
+              <a:t> - remplacement par les composants </a:t>
+            </a:r>
+            <a:r>
+              <a:rPr lang="fr-FR" sz="1200" kern="1200" dirty="0" err="1">
+                <a:solidFill>
+                  <a:schemeClr val="tx1"/>
+                </a:solidFill>
+                <a:effectLst/>
+                <a:latin typeface="+mn-lt"/>
+                <a:ea typeface="+mn-ea"/>
+                <a:cs typeface="+mn-cs"/>
+              </a:rPr>
+              <a:t>React</a:t>
+            </a:r>
+            <a:endParaRPr lang="fr-FR" sz="1200" kern="1200" dirty="0">
+              <a:solidFill>
+                <a:schemeClr val="tx1"/>
+              </a:solidFill>
+              <a:effectLst/>
+              <a:latin typeface="+mn-lt"/>
+              <a:ea typeface="+mn-ea"/>
+              <a:cs typeface="+mn-cs"/>
+            </a:endParaRPr>
+          </a:p>
+          <a:p>
+            <a:r>
+              <a:rPr lang="fr-FR" sz="1200" kern="1200" dirty="0">
+                <a:solidFill>
+                  <a:schemeClr val="tx1"/>
+                </a:solidFill>
+                <a:effectLst/>
+                <a:latin typeface="+mn-lt"/>
+                <a:ea typeface="+mn-ea"/>
+                <a:cs typeface="+mn-cs"/>
+              </a:rPr>
+              <a:t> </a:t>
+            </a:r>
+          </a:p>
+          <a:p>
+            <a:r>
+              <a:rPr lang="fr-FR" sz="1200" kern="1200" dirty="0">
+                <a:solidFill>
+                  <a:schemeClr val="tx1"/>
+                </a:solidFill>
+                <a:effectLst/>
+                <a:latin typeface="+mn-lt"/>
+                <a:ea typeface="+mn-ea"/>
+                <a:cs typeface="+mn-cs"/>
+              </a:rPr>
+              <a:t>Création d'un formulaire (20 - 25 mn)</a:t>
+            </a:r>
+          </a:p>
+          <a:p>
+            <a:r>
+              <a:rPr lang="fr-FR" sz="1200" kern="1200" dirty="0">
+                <a:solidFill>
+                  <a:schemeClr val="tx1"/>
+                </a:solidFill>
+                <a:effectLst/>
+                <a:latin typeface="+mn-lt"/>
+                <a:ea typeface="+mn-ea"/>
+                <a:cs typeface="+mn-cs"/>
+              </a:rPr>
+              <a:t> - Ajout des champs de formulaire</a:t>
+            </a:r>
+          </a:p>
+          <a:p>
+            <a:r>
+              <a:rPr lang="fr-FR" sz="1200" kern="1200" dirty="0">
+                <a:solidFill>
+                  <a:schemeClr val="tx1"/>
+                </a:solidFill>
+                <a:effectLst/>
+                <a:latin typeface="+mn-lt"/>
+                <a:ea typeface="+mn-ea"/>
+                <a:cs typeface="+mn-cs"/>
+              </a:rPr>
+              <a:t> - Ajout du bouton de validation</a:t>
+            </a:r>
+          </a:p>
+          <a:p>
             <a:br>
-              <a:rPr lang="fr-FR" b="1" dirty="0"/>
+              <a:rPr lang="fr-FR" sz="1200" kern="1200" dirty="0">
+                <a:solidFill>
+                  <a:schemeClr val="tx1"/>
+                </a:solidFill>
+                <a:effectLst/>
+                <a:latin typeface="+mn-lt"/>
+                <a:ea typeface="+mn-ea"/>
+                <a:cs typeface="+mn-cs"/>
+              </a:rPr>
             </a:br>
-            <a:r>
-              <a:rPr lang="en-US" sz="1200" dirty="0">
-                <a:solidFill>
-                  <a:schemeClr val="accent1">
-                    <a:lumMod val="75000"/>
-                  </a:schemeClr>
-                </a:solidFill>
-              </a:rPr>
-              <a:t>Delivers access tokens to the customer.</a:t>
-            </a:r>
-            <a:endParaRPr lang="fr-FR" sz="1200" dirty="0">
+            <a:endParaRPr lang="fr-FR" sz="1200" kern="1200" dirty="0">
               <a:solidFill>
-                <a:schemeClr val="accent1">
-                  <a:lumMod val="75000"/>
-                </a:schemeClr>
+                <a:schemeClr val="tx1"/>
               </a:solidFill>
+              <a:effectLst/>
+              <a:latin typeface="+mn-lt"/>
+              <a:ea typeface="+mn-ea"/>
+              <a:cs typeface="+mn-cs"/>
             </a:endParaRPr>
           </a:p>
           <a:p>
-            <a:endParaRPr lang="fr-FR" dirty="0"/>
+            <a:r>
+              <a:rPr lang="fr-FR" sz="1200" kern="1200" dirty="0">
+                <a:solidFill>
+                  <a:schemeClr val="tx1"/>
+                </a:solidFill>
+                <a:effectLst/>
+                <a:latin typeface="+mn-lt"/>
+                <a:ea typeface="+mn-ea"/>
+                <a:cs typeface="+mn-cs"/>
+              </a:rPr>
+              <a:t>Gérer l'état du formulaire (20 – 25 mn)</a:t>
+            </a:r>
+          </a:p>
+          <a:p>
+            <a:r>
+              <a:rPr lang="fr-FR" sz="1200" kern="1200" dirty="0">
+                <a:solidFill>
+                  <a:schemeClr val="tx1"/>
+                </a:solidFill>
+                <a:effectLst/>
+                <a:latin typeface="+mn-lt"/>
+                <a:ea typeface="+mn-ea"/>
+                <a:cs typeface="+mn-cs"/>
+              </a:rPr>
+              <a:t> - création de l'état du formulaire</a:t>
+            </a:r>
+          </a:p>
+          <a:p>
+            <a:r>
+              <a:rPr lang="fr-FR" sz="1200" kern="1200" dirty="0">
+                <a:solidFill>
+                  <a:schemeClr val="tx1"/>
+                </a:solidFill>
+                <a:effectLst/>
+                <a:latin typeface="+mn-lt"/>
+                <a:ea typeface="+mn-ea"/>
+                <a:cs typeface="+mn-cs"/>
+              </a:rPr>
+              <a:t> - gestion des erreurs</a:t>
+            </a:r>
+          </a:p>
+          <a:p>
+            <a:r>
+              <a:rPr lang="fr-FR" sz="1200" kern="1200" dirty="0">
+                <a:solidFill>
+                  <a:schemeClr val="tx1"/>
+                </a:solidFill>
+                <a:effectLst/>
+                <a:latin typeface="+mn-lt"/>
+                <a:ea typeface="+mn-ea"/>
+                <a:cs typeface="+mn-cs"/>
+              </a:rPr>
+              <a:t> - Valider le formulaire</a:t>
+            </a:r>
+          </a:p>
+          <a:p>
+            <a:r>
+              <a:rPr lang="fr-FR" sz="1200" kern="1200" dirty="0">
+                <a:solidFill>
+                  <a:schemeClr val="tx1"/>
+                </a:solidFill>
+                <a:effectLst/>
+                <a:latin typeface="+mn-lt"/>
+                <a:ea typeface="+mn-ea"/>
+                <a:cs typeface="+mn-cs"/>
+              </a:rPr>
+              <a:t> </a:t>
+            </a:r>
+          </a:p>
+          <a:p>
+            <a:r>
+              <a:rPr lang="fr-FR" sz="1200" kern="1200" dirty="0">
+                <a:solidFill>
+                  <a:schemeClr val="tx1"/>
+                </a:solidFill>
+                <a:effectLst/>
+                <a:latin typeface="+mn-lt"/>
+                <a:ea typeface="+mn-ea"/>
+                <a:cs typeface="+mn-cs"/>
+              </a:rPr>
+              <a:t>Conclusion / feedbacks (10 – 15 mn)</a:t>
+            </a:r>
+          </a:p>
+          <a:p>
+            <a:endParaRPr lang="en-US" dirty="0">
+              <a:latin typeface="Century Gothic" pitchFamily="34" charset="0"/>
+            </a:endParaRPr>
           </a:p>
         </p:txBody>
       </p:sp>
@@ -4946,18 +4759,182 @@
           <a:bodyPr/>
           <a:lstStyle/>
           <a:p>
-            <a:fld id="{41EB770E-9F5C-44F4-BEAD-89B26D889570}" type="slidenum">
-              <a:rPr lang="fr-FR" smtClean="0"/>
-              <a:t>12</a:t>
+            <a:pPr marL="0" marR="0" lvl="0" indent="0" algn="r" defTabSz="914400" rtl="0" eaLnBrk="1" fontAlgn="auto" latinLnBrk="0" hangingPunct="1">
+              <a:lnSpc>
+                <a:spcPct val="100000"/>
+              </a:lnSpc>
+              <a:spcBef>
+                <a:spcPts val="0"/>
+              </a:spcBef>
+              <a:spcAft>
+                <a:spcPts val="0"/>
+              </a:spcAft>
+              <a:buClrTx/>
+              <a:buSzTx/>
+              <a:buFontTx/>
+              <a:buNone/>
+              <a:tabLst/>
+              <a:defRPr/>
+            </a:pPr>
+            <a:fld id="{930332B2-55D9-421F-A138-9E18F33D61D4}" type="slidenum">
+              <a:rPr kumimoji="0" lang="fr-FR" sz="1200" b="0" i="0" u="none" strike="noStrike" kern="1200" cap="none" spc="0" normalizeH="0" baseline="0" noProof="0" smtClean="0">
+                <a:ln>
+                  <a:noFill/>
+                </a:ln>
+                <a:solidFill>
+                  <a:prstClr val="black"/>
+                </a:solidFill>
+                <a:effectLst/>
+                <a:uLnTx/>
+                <a:uFillTx/>
+                <a:latin typeface="Calibri" panose="020F0502020204030204"/>
+                <a:ea typeface="+mn-ea"/>
+                <a:cs typeface="+mn-cs"/>
+              </a:rPr>
+              <a:pPr marL="0" marR="0" lvl="0" indent="0" algn="r" defTabSz="914400" rtl="0" eaLnBrk="1" fontAlgn="auto" latinLnBrk="0" hangingPunct="1">
+                <a:lnSpc>
+                  <a:spcPct val="100000"/>
+                </a:lnSpc>
+                <a:spcBef>
+                  <a:spcPts val="0"/>
+                </a:spcBef>
+                <a:spcAft>
+                  <a:spcPts val="0"/>
+                </a:spcAft>
+                <a:buClrTx/>
+                <a:buSzTx/>
+                <a:buFontTx/>
+                <a:buNone/>
+                <a:tabLst/>
+                <a:defRPr/>
+              </a:pPr>
+              <a:t>13</a:t>
             </a:fld>
-            <a:endParaRPr lang="fr-FR"/>
+            <a:endParaRPr kumimoji="0" lang="fr-FR" sz="1200" b="0" i="0" u="none" strike="noStrike" kern="1200" cap="none" spc="0" normalizeH="0" baseline="0" noProof="0">
+              <a:ln>
+                <a:noFill/>
+              </a:ln>
+              <a:solidFill>
+                <a:prstClr val="black"/>
+              </a:solidFill>
+              <a:effectLst/>
+              <a:uLnTx/>
+              <a:uFillTx/>
+              <a:latin typeface="Calibri" panose="020F0502020204030204"/>
+              <a:ea typeface="+mn-ea"/>
+              <a:cs typeface="+mn-cs"/>
+            </a:endParaRPr>
+          </a:p>
+        </p:txBody>
+      </p:sp>
+      <p:sp>
+        <p:nvSpPr>
+          <p:cNvPr id="5" name="Espace réservé de la date 4"/>
+          <p:cNvSpPr>
+            <a:spLocks noGrp="1"/>
+          </p:cNvSpPr>
+          <p:nvPr>
+            <p:ph type="dt" idx="11"/>
+          </p:nvPr>
+        </p:nvSpPr>
+        <p:spPr/>
+        <p:txBody>
+          <a:bodyPr/>
+          <a:lstStyle/>
+          <a:p>
+            <a:pPr marL="0" marR="0" lvl="0" indent="0" algn="r" defTabSz="914400" rtl="0" eaLnBrk="1" fontAlgn="auto" latinLnBrk="0" hangingPunct="1">
+              <a:lnSpc>
+                <a:spcPct val="100000"/>
+              </a:lnSpc>
+              <a:spcBef>
+                <a:spcPts val="0"/>
+              </a:spcBef>
+              <a:spcAft>
+                <a:spcPts val="0"/>
+              </a:spcAft>
+              <a:buClrTx/>
+              <a:buSzTx/>
+              <a:buFontTx/>
+              <a:buNone/>
+              <a:tabLst/>
+              <a:defRPr/>
+            </a:pPr>
+            <a:r>
+              <a:rPr kumimoji="0" lang="fr-FR" sz="1200" b="0" i="0" u="none" strike="noStrike" kern="1200" cap="none" spc="0" normalizeH="0" baseline="0" noProof="0">
+                <a:ln>
+                  <a:noFill/>
+                </a:ln>
+                <a:solidFill>
+                  <a:prstClr val="black"/>
+                </a:solidFill>
+                <a:effectLst/>
+                <a:uLnTx/>
+                <a:uFillTx/>
+                <a:latin typeface="Calibri" panose="020F0502020204030204"/>
+                <a:ea typeface="+mn-ea"/>
+                <a:cs typeface="+mn-cs"/>
+              </a:rPr>
+              <a:t>CONFIDENTIALITY LEVEL</a:t>
+            </a:r>
+          </a:p>
+        </p:txBody>
+      </p:sp>
+      <p:sp>
+        <p:nvSpPr>
+          <p:cNvPr id="6" name="Espace réservé du pied de page 5"/>
+          <p:cNvSpPr>
+            <a:spLocks noGrp="1"/>
+          </p:cNvSpPr>
+          <p:nvPr>
+            <p:ph type="ftr" sz="quarter" idx="12"/>
+          </p:nvPr>
+        </p:nvSpPr>
+        <p:spPr/>
+        <p:txBody>
+          <a:bodyPr/>
+          <a:lstStyle/>
+          <a:p>
+            <a:pPr marL="0" marR="0" lvl="0" indent="0" algn="l" defTabSz="914400" rtl="0" eaLnBrk="1" fontAlgn="auto" latinLnBrk="0" hangingPunct="1">
+              <a:lnSpc>
+                <a:spcPct val="100000"/>
+              </a:lnSpc>
+              <a:spcBef>
+                <a:spcPts val="0"/>
+              </a:spcBef>
+              <a:spcAft>
+                <a:spcPts val="0"/>
+              </a:spcAft>
+              <a:buClrTx/>
+              <a:buSzTx/>
+              <a:buFontTx/>
+              <a:buNone/>
+              <a:tabLst/>
+              <a:defRPr/>
+            </a:pPr>
+            <a:r>
+              <a:rPr kumimoji="0" lang="fr-FR" sz="1200" b="0" i="0" u="none" strike="noStrike" kern="1200" cap="none" spc="0" normalizeH="0" baseline="0" noProof="0">
+                <a:ln>
+                  <a:noFill/>
+                </a:ln>
+                <a:solidFill>
+                  <a:prstClr val="black"/>
+                </a:solidFill>
+                <a:effectLst/>
+                <a:uLnTx/>
+                <a:uFillTx/>
+                <a:latin typeface="Calibri" panose="020F0502020204030204"/>
+                <a:ea typeface="+mn-ea"/>
+                <a:cs typeface="+mn-cs"/>
+              </a:rPr>
+              <a:t>Title of the presentation</a:t>
+            </a:r>
           </a:p>
         </p:txBody>
       </p:sp>
     </p:spTree>
     <p:extLst>
       <p:ext uri="{BB962C8B-B14F-4D97-AF65-F5344CB8AC3E}">
-        <p14:creationId xmlns:p14="http://schemas.microsoft.com/office/powerpoint/2010/main" val="3265035711"/>
+        <p14:creationId xmlns:p14="http://schemas.microsoft.com/office/powerpoint/2010/main" val="2932849640"/>
       </p:ext>
     </p:extLst>
   </p:cSld>
@@ -4967,7 +4944,7 @@
 </p:notes>
 </file>
 
-<file path=ppt/notesSlides/notesSlide7.xml><?xml version="1.0" encoding="utf-8"?>
+<file path=ppt/notesSlides/notesSlide8.xml><?xml version="1.0" encoding="utf-8"?>
 <p:notes xmlns:a="http://schemas.openxmlformats.org/drawingml/2006/main" xmlns:r="http://schemas.openxmlformats.org/officeDocument/2006/relationships" xmlns:p="http://schemas.openxmlformats.org/presentationml/2006/main">
   <p:cSld>
     <p:spTree>
@@ -5041,902 +5018,7 @@
     </p:spTree>
     <p:extLst>
       <p:ext uri="{BB962C8B-B14F-4D97-AF65-F5344CB8AC3E}">
-        <p14:creationId xmlns:p14="http://schemas.microsoft.com/office/powerpoint/2010/main" val="3614629146"/>
-      </p:ext>
-    </p:extLst>
-  </p:cSld>
-  <p:clrMapOvr>
-    <a:masterClrMapping/>
-  </p:clrMapOvr>
-</p:notes>
-</file>
-
-<file path=ppt/notesSlides/notesSlide8.xml><?xml version="1.0" encoding="utf-8"?>
-<p:notes xmlns:a="http://schemas.openxmlformats.org/drawingml/2006/main" xmlns:r="http://schemas.openxmlformats.org/officeDocument/2006/relationships" xmlns:p="http://schemas.openxmlformats.org/presentationml/2006/main">
-  <p:cSld>
-    <p:spTree>
-      <p:nvGrpSpPr>
-        <p:cNvPr id="1" name=""/>
-        <p:cNvGrpSpPr/>
-        <p:nvPr/>
-      </p:nvGrpSpPr>
-      <p:grpSpPr>
-        <a:xfrm>
-          <a:off x="0" y="0"/>
-          <a:ext cx="0" cy="0"/>
-          <a:chOff x="0" y="0"/>
-          <a:chExt cx="0" cy="0"/>
-        </a:xfrm>
-      </p:grpSpPr>
-      <p:sp>
-        <p:nvSpPr>
-          <p:cNvPr id="2" name="Espace réservé de l'image des diapositives 1"/>
-          <p:cNvSpPr>
-            <a:spLocks noGrp="1" noRot="1" noChangeAspect="1"/>
-          </p:cNvSpPr>
-          <p:nvPr>
-            <p:ph type="sldImg"/>
-          </p:nvPr>
-        </p:nvSpPr>
-        <p:spPr/>
-      </p:sp>
-      <p:sp>
-        <p:nvSpPr>
-          <p:cNvPr id="3" name="Espace réservé des commentaires 2"/>
-          <p:cNvSpPr>
-            <a:spLocks noGrp="1"/>
-          </p:cNvSpPr>
-          <p:nvPr>
-            <p:ph type="body" idx="1"/>
-          </p:nvPr>
-        </p:nvSpPr>
-        <p:spPr/>
-        <p:txBody>
-          <a:bodyPr/>
-          <a:lstStyle/>
-          <a:p>
-            <a:r>
-              <a:rPr lang="fr-FR" sz="1200" kern="1200">
-                <a:solidFill>
-                  <a:schemeClr val="tx1"/>
-                </a:solidFill>
-                <a:effectLst/>
-                <a:latin typeface="+mn-lt"/>
-                <a:ea typeface="+mn-ea"/>
-                <a:cs typeface="+mn-cs"/>
-              </a:rPr>
-              <a:t>Introduction </a:t>
-            </a:r>
-            <a:r>
-              <a:rPr lang="fr-FR" sz="1200" kern="1200">
-                <a:solidFill>
-                  <a:srgbClr val="FF0000"/>
-                </a:solidFill>
-                <a:effectLst/>
-                <a:latin typeface="+mn-lt"/>
-                <a:ea typeface="+mn-ea"/>
-                <a:cs typeface="+mn-cs"/>
-              </a:rPr>
-              <a:t>(10mn)</a:t>
-            </a:r>
-          </a:p>
-          <a:p>
-            <a:r>
-              <a:rPr lang="fr-FR" sz="1200" kern="1200" dirty="0">
-                <a:solidFill>
-                  <a:schemeClr val="tx1"/>
-                </a:solidFill>
-                <a:effectLst/>
-                <a:latin typeface="+mn-lt"/>
-                <a:ea typeface="+mn-ea"/>
-                <a:cs typeface="+mn-cs"/>
-              </a:rPr>
-              <a:t> - Quel était notre besoin ?</a:t>
-            </a:r>
-          </a:p>
-          <a:p>
-            <a:r>
-              <a:rPr lang="fr-FR" sz="1200" kern="1200" dirty="0">
-                <a:solidFill>
-                  <a:schemeClr val="tx1"/>
-                </a:solidFill>
-                <a:effectLst/>
-                <a:latin typeface="+mn-lt"/>
-                <a:ea typeface="+mn-ea"/>
-                <a:cs typeface="+mn-cs"/>
-              </a:rPr>
-              <a:t> - Comment avons nous répondu à ce besoin ?</a:t>
-            </a:r>
-          </a:p>
-          <a:p>
-            <a:br>
-              <a:rPr lang="fr-FR" sz="1200" kern="1200" dirty="0">
-                <a:solidFill>
-                  <a:schemeClr val="tx1"/>
-                </a:solidFill>
-                <a:effectLst/>
-                <a:latin typeface="+mn-lt"/>
-                <a:ea typeface="+mn-ea"/>
-                <a:cs typeface="+mn-cs"/>
-              </a:rPr>
-            </a:br>
-            <a:endParaRPr lang="fr-FR" sz="1200" kern="1200" dirty="0">
-              <a:solidFill>
-                <a:schemeClr val="tx1"/>
-              </a:solidFill>
-              <a:effectLst/>
-              <a:latin typeface="+mn-lt"/>
-              <a:ea typeface="+mn-ea"/>
-              <a:cs typeface="+mn-cs"/>
-            </a:endParaRPr>
-          </a:p>
-          <a:p>
-            <a:r>
-              <a:rPr lang="fr-FR" sz="1200" kern="1200" dirty="0">
-                <a:solidFill>
-                  <a:schemeClr val="tx1"/>
-                </a:solidFill>
-                <a:effectLst/>
-                <a:latin typeface="+mn-lt"/>
-                <a:ea typeface="+mn-ea"/>
-                <a:cs typeface="+mn-cs"/>
-              </a:rPr>
-              <a:t>Slash Design System (10mn)</a:t>
-            </a:r>
-          </a:p>
-          <a:p>
-            <a:r>
-              <a:rPr lang="fr-FR" sz="1200" kern="1200" dirty="0">
-                <a:solidFill>
-                  <a:schemeClr val="tx1"/>
-                </a:solidFill>
-                <a:effectLst/>
-                <a:latin typeface="+mn-lt"/>
-                <a:ea typeface="+mn-ea"/>
-                <a:cs typeface="+mn-cs"/>
-              </a:rPr>
-              <a:t> - Atomic Design</a:t>
-            </a:r>
-          </a:p>
-          <a:p>
-            <a:r>
-              <a:rPr lang="fr-FR" sz="1200" kern="1200" dirty="0">
-                <a:solidFill>
-                  <a:schemeClr val="tx1"/>
-                </a:solidFill>
-                <a:effectLst/>
-                <a:latin typeface="+mn-lt"/>
-                <a:ea typeface="+mn-ea"/>
-                <a:cs typeface="+mn-cs"/>
-              </a:rPr>
-              <a:t> - BEM, c'est quoi ? et pourquoi l'avoir choisi ?</a:t>
-            </a:r>
-          </a:p>
-          <a:p>
-            <a:r>
-              <a:rPr lang="fr-FR" sz="1200" kern="1200" dirty="0">
-                <a:solidFill>
-                  <a:schemeClr val="tx1"/>
-                </a:solidFill>
-                <a:effectLst/>
-                <a:latin typeface="+mn-lt"/>
-                <a:ea typeface="+mn-ea"/>
-                <a:cs typeface="+mn-cs"/>
-              </a:rPr>
-              <a:t> </a:t>
-            </a:r>
-          </a:p>
-          <a:p>
-            <a:r>
-              <a:rPr lang="fr-FR" sz="1200" kern="1200" dirty="0">
-                <a:solidFill>
-                  <a:schemeClr val="tx1"/>
-                </a:solidFill>
-                <a:effectLst/>
-                <a:latin typeface="+mn-lt"/>
-                <a:ea typeface="+mn-ea"/>
-                <a:cs typeface="+mn-cs"/>
-              </a:rPr>
-              <a:t> </a:t>
-            </a:r>
-          </a:p>
-          <a:p>
-            <a:r>
-              <a:rPr lang="fr-FR" sz="1200" kern="1200" dirty="0" err="1">
-                <a:solidFill>
-                  <a:schemeClr val="tx1"/>
-                </a:solidFill>
-                <a:effectLst/>
-                <a:latin typeface="+mn-lt"/>
-                <a:ea typeface="+mn-ea"/>
-                <a:cs typeface="+mn-cs"/>
-              </a:rPr>
-              <a:t>React</a:t>
-            </a:r>
-            <a:r>
-              <a:rPr lang="fr-FR" sz="1200" kern="1200" dirty="0">
-                <a:solidFill>
-                  <a:schemeClr val="tx1"/>
-                </a:solidFill>
-                <a:effectLst/>
-                <a:latin typeface="+mn-lt"/>
-                <a:ea typeface="+mn-ea"/>
-                <a:cs typeface="+mn-cs"/>
-              </a:rPr>
-              <a:t> &amp; </a:t>
-            </a:r>
-            <a:r>
-              <a:rPr lang="fr-FR" sz="1200" kern="1200" dirty="0" err="1">
-                <a:solidFill>
-                  <a:schemeClr val="tx1"/>
-                </a:solidFill>
-                <a:effectLst/>
-                <a:latin typeface="+mn-lt"/>
-                <a:ea typeface="+mn-ea"/>
-                <a:cs typeface="+mn-cs"/>
-              </a:rPr>
-              <a:t>storybook</a:t>
-            </a:r>
-            <a:r>
-              <a:rPr lang="fr-FR" sz="1200" kern="1200" dirty="0">
-                <a:solidFill>
-                  <a:schemeClr val="tx1"/>
-                </a:solidFill>
-                <a:effectLst/>
-                <a:latin typeface="+mn-lt"/>
-                <a:ea typeface="+mn-ea"/>
-                <a:cs typeface="+mn-cs"/>
-              </a:rPr>
-              <a:t> (10mn)</a:t>
-            </a:r>
-          </a:p>
-          <a:p>
-            <a:r>
-              <a:rPr lang="fr-FR" sz="1200" kern="1200" dirty="0">
-                <a:solidFill>
-                  <a:schemeClr val="tx1"/>
-                </a:solidFill>
-                <a:effectLst/>
-                <a:latin typeface="+mn-lt"/>
-                <a:ea typeface="+mn-ea"/>
-                <a:cs typeface="+mn-cs"/>
-              </a:rPr>
-              <a:t> - </a:t>
-            </a:r>
-            <a:r>
-              <a:rPr lang="fr-FR" sz="1200" kern="1200" dirty="0" err="1">
-                <a:solidFill>
-                  <a:schemeClr val="tx1"/>
-                </a:solidFill>
-                <a:effectLst/>
-                <a:latin typeface="+mn-lt"/>
-                <a:ea typeface="+mn-ea"/>
-                <a:cs typeface="+mn-cs"/>
-              </a:rPr>
-              <a:t>React</a:t>
-            </a:r>
-            <a:r>
-              <a:rPr lang="fr-FR" sz="1200" kern="1200" dirty="0">
-                <a:solidFill>
-                  <a:schemeClr val="tx1"/>
-                </a:solidFill>
-                <a:effectLst/>
-                <a:latin typeface="+mn-lt"/>
-                <a:ea typeface="+mn-ea"/>
-                <a:cs typeface="+mn-cs"/>
-              </a:rPr>
-              <a:t>, c'est quoi ? et pourquoi l'avoir choisi ?</a:t>
-            </a:r>
-          </a:p>
-          <a:p>
-            <a:r>
-              <a:rPr lang="fr-FR" sz="1200" kern="1200" dirty="0">
-                <a:solidFill>
-                  <a:schemeClr val="tx1"/>
-                </a:solidFill>
-                <a:effectLst/>
-                <a:latin typeface="+mn-lt"/>
-                <a:ea typeface="+mn-ea"/>
-                <a:cs typeface="+mn-cs"/>
-              </a:rPr>
-              <a:t> - </a:t>
-            </a:r>
-            <a:r>
-              <a:rPr lang="fr-FR" sz="1200" kern="1200" dirty="0" err="1">
-                <a:solidFill>
-                  <a:schemeClr val="tx1"/>
-                </a:solidFill>
-                <a:effectLst/>
-                <a:latin typeface="+mn-lt"/>
-                <a:ea typeface="+mn-ea"/>
-                <a:cs typeface="+mn-cs"/>
-              </a:rPr>
-              <a:t>Storybook</a:t>
-            </a:r>
-            <a:r>
-              <a:rPr lang="fr-FR" sz="1200" kern="1200" dirty="0">
-                <a:solidFill>
-                  <a:schemeClr val="tx1"/>
-                </a:solidFill>
-                <a:effectLst/>
-                <a:latin typeface="+mn-lt"/>
-                <a:ea typeface="+mn-ea"/>
-                <a:cs typeface="+mn-cs"/>
-              </a:rPr>
-              <a:t> pour la documentation</a:t>
-            </a:r>
-          </a:p>
-          <a:p>
-            <a:br>
-              <a:rPr lang="fr-FR" sz="1200" kern="1200" dirty="0">
-                <a:solidFill>
-                  <a:schemeClr val="tx1"/>
-                </a:solidFill>
-                <a:effectLst/>
-                <a:latin typeface="+mn-lt"/>
-                <a:ea typeface="+mn-ea"/>
-                <a:cs typeface="+mn-cs"/>
-              </a:rPr>
-            </a:br>
-            <a:endParaRPr lang="fr-FR" sz="1200" kern="1200" dirty="0">
-              <a:solidFill>
-                <a:schemeClr val="tx1"/>
-              </a:solidFill>
-              <a:effectLst/>
-              <a:latin typeface="+mn-lt"/>
-              <a:ea typeface="+mn-ea"/>
-              <a:cs typeface="+mn-cs"/>
-            </a:endParaRPr>
-          </a:p>
-          <a:p>
-            <a:r>
-              <a:rPr lang="fr-FR" sz="1200" kern="1200" dirty="0">
-                <a:solidFill>
-                  <a:schemeClr val="tx1"/>
-                </a:solidFill>
-                <a:effectLst/>
-                <a:latin typeface="+mn-lt"/>
-                <a:ea typeface="+mn-ea"/>
-                <a:cs typeface="+mn-cs"/>
-              </a:rPr>
-              <a:t>Installation (10 – 15 mn)</a:t>
-            </a:r>
-          </a:p>
-          <a:p>
-            <a:r>
-              <a:rPr lang="fr-FR" sz="1200" kern="1200" dirty="0">
-                <a:solidFill>
-                  <a:schemeClr val="tx1"/>
-                </a:solidFill>
-                <a:effectLst/>
-                <a:latin typeface="+mn-lt"/>
-                <a:ea typeface="+mn-ea"/>
-                <a:cs typeface="+mn-cs"/>
-              </a:rPr>
-              <a:t> - Installation et démarrage d'une nouvelle application avec CRA </a:t>
-            </a:r>
-          </a:p>
-          <a:p>
-            <a:r>
-              <a:rPr lang="fr-FR" sz="1200" kern="1200" dirty="0">
-                <a:solidFill>
-                  <a:schemeClr val="tx1"/>
-                </a:solidFill>
-                <a:effectLst/>
-                <a:latin typeface="+mn-lt"/>
-                <a:ea typeface="+mn-ea"/>
-                <a:cs typeface="+mn-cs"/>
-              </a:rPr>
-              <a:t> - Installation du toolkit</a:t>
-            </a:r>
-          </a:p>
-          <a:p>
-            <a:br>
-              <a:rPr lang="fr-FR" sz="1200" kern="1200" dirty="0">
-                <a:solidFill>
-                  <a:schemeClr val="tx1"/>
-                </a:solidFill>
-                <a:effectLst/>
-                <a:latin typeface="+mn-lt"/>
-                <a:ea typeface="+mn-ea"/>
-                <a:cs typeface="+mn-cs"/>
-              </a:rPr>
-            </a:br>
-            <a:endParaRPr lang="fr-FR" sz="1200" kern="1200" dirty="0">
-              <a:solidFill>
-                <a:schemeClr val="tx1"/>
-              </a:solidFill>
-              <a:effectLst/>
-              <a:latin typeface="+mn-lt"/>
-              <a:ea typeface="+mn-ea"/>
-              <a:cs typeface="+mn-cs"/>
-            </a:endParaRPr>
-          </a:p>
-          <a:p>
-            <a:r>
-              <a:rPr lang="fr-FR" sz="1200" kern="1200" dirty="0">
-                <a:solidFill>
-                  <a:schemeClr val="tx1"/>
-                </a:solidFill>
-                <a:effectLst/>
-                <a:latin typeface="+mn-lt"/>
-                <a:ea typeface="+mn-ea"/>
-                <a:cs typeface="+mn-cs"/>
-              </a:rPr>
-              <a:t>Mise en place du </a:t>
-            </a:r>
-            <a:r>
-              <a:rPr lang="fr-FR" sz="1200" kern="1200" dirty="0" err="1">
-                <a:solidFill>
-                  <a:schemeClr val="tx1"/>
-                </a:solidFill>
-                <a:effectLst/>
-                <a:latin typeface="+mn-lt"/>
-                <a:ea typeface="+mn-ea"/>
-                <a:cs typeface="+mn-cs"/>
-              </a:rPr>
-              <a:t>layout</a:t>
-            </a:r>
-            <a:r>
-              <a:rPr lang="fr-FR" sz="1200" kern="1200" dirty="0">
-                <a:solidFill>
-                  <a:schemeClr val="tx1"/>
-                </a:solidFill>
-                <a:effectLst/>
-                <a:latin typeface="+mn-lt"/>
-                <a:ea typeface="+mn-ea"/>
-                <a:cs typeface="+mn-cs"/>
-              </a:rPr>
-              <a:t> (20 – 25 mn)</a:t>
-            </a:r>
-          </a:p>
-          <a:p>
-            <a:r>
-              <a:rPr lang="fr-FR" sz="1200" kern="1200" dirty="0">
-                <a:solidFill>
-                  <a:schemeClr val="tx1"/>
-                </a:solidFill>
-                <a:effectLst/>
-                <a:latin typeface="+mn-lt"/>
-                <a:ea typeface="+mn-ea"/>
-                <a:cs typeface="+mn-cs"/>
-              </a:rPr>
-              <a:t> - Header (HTML)</a:t>
-            </a:r>
-          </a:p>
-          <a:p>
-            <a:r>
-              <a:rPr lang="fr-FR" sz="1200" kern="1200" dirty="0">
-                <a:solidFill>
-                  <a:schemeClr val="tx1"/>
-                </a:solidFill>
-                <a:effectLst/>
-                <a:latin typeface="+mn-lt"/>
-                <a:ea typeface="+mn-ea"/>
-                <a:cs typeface="+mn-cs"/>
-              </a:rPr>
-              <a:t> - </a:t>
-            </a:r>
-            <a:r>
-              <a:rPr lang="fr-FR" sz="1200" kern="1200" dirty="0" err="1">
-                <a:solidFill>
-                  <a:schemeClr val="tx1"/>
-                </a:solidFill>
-                <a:effectLst/>
-                <a:latin typeface="+mn-lt"/>
-                <a:ea typeface="+mn-ea"/>
-                <a:cs typeface="+mn-cs"/>
-              </a:rPr>
-              <a:t>Footer</a:t>
-            </a:r>
-            <a:r>
-              <a:rPr lang="fr-FR" sz="1200" kern="1200" dirty="0">
-                <a:solidFill>
-                  <a:schemeClr val="tx1"/>
-                </a:solidFill>
-                <a:effectLst/>
-                <a:latin typeface="+mn-lt"/>
-                <a:ea typeface="+mn-ea"/>
-                <a:cs typeface="+mn-cs"/>
-              </a:rPr>
-              <a:t> (HTML)</a:t>
-            </a:r>
-          </a:p>
-          <a:p>
-            <a:r>
-              <a:rPr lang="fr-FR" sz="1200" kern="1200" dirty="0">
-                <a:solidFill>
-                  <a:schemeClr val="tx1"/>
-                </a:solidFill>
-                <a:effectLst/>
-                <a:latin typeface="+mn-lt"/>
-                <a:ea typeface="+mn-ea"/>
-                <a:cs typeface="+mn-cs"/>
-              </a:rPr>
-              <a:t> - remplacement par les composants </a:t>
-            </a:r>
-            <a:r>
-              <a:rPr lang="fr-FR" sz="1200" kern="1200" dirty="0" err="1">
-                <a:solidFill>
-                  <a:schemeClr val="tx1"/>
-                </a:solidFill>
-                <a:effectLst/>
-                <a:latin typeface="+mn-lt"/>
-                <a:ea typeface="+mn-ea"/>
-                <a:cs typeface="+mn-cs"/>
-              </a:rPr>
-              <a:t>React</a:t>
-            </a:r>
-            <a:endParaRPr lang="fr-FR" sz="1200" kern="1200" dirty="0">
-              <a:solidFill>
-                <a:schemeClr val="tx1"/>
-              </a:solidFill>
-              <a:effectLst/>
-              <a:latin typeface="+mn-lt"/>
-              <a:ea typeface="+mn-ea"/>
-              <a:cs typeface="+mn-cs"/>
-            </a:endParaRPr>
-          </a:p>
-          <a:p>
-            <a:r>
-              <a:rPr lang="fr-FR" sz="1200" kern="1200" dirty="0">
-                <a:solidFill>
-                  <a:schemeClr val="tx1"/>
-                </a:solidFill>
-                <a:effectLst/>
-                <a:latin typeface="+mn-lt"/>
-                <a:ea typeface="+mn-ea"/>
-                <a:cs typeface="+mn-cs"/>
-              </a:rPr>
-              <a:t> </a:t>
-            </a:r>
-          </a:p>
-          <a:p>
-            <a:r>
-              <a:rPr lang="fr-FR" sz="1200" kern="1200" dirty="0">
-                <a:solidFill>
-                  <a:schemeClr val="tx1"/>
-                </a:solidFill>
-                <a:effectLst/>
-                <a:latin typeface="+mn-lt"/>
-                <a:ea typeface="+mn-ea"/>
-                <a:cs typeface="+mn-cs"/>
-              </a:rPr>
-              <a:t>Création d'un formulaire (20 - 25 mn)</a:t>
-            </a:r>
-          </a:p>
-          <a:p>
-            <a:r>
-              <a:rPr lang="fr-FR" sz="1200" kern="1200" dirty="0">
-                <a:solidFill>
-                  <a:schemeClr val="tx1"/>
-                </a:solidFill>
-                <a:effectLst/>
-                <a:latin typeface="+mn-lt"/>
-                <a:ea typeface="+mn-ea"/>
-                <a:cs typeface="+mn-cs"/>
-              </a:rPr>
-              <a:t> - Ajout des champs de formulaire</a:t>
-            </a:r>
-          </a:p>
-          <a:p>
-            <a:r>
-              <a:rPr lang="fr-FR" sz="1200" kern="1200" dirty="0">
-                <a:solidFill>
-                  <a:schemeClr val="tx1"/>
-                </a:solidFill>
-                <a:effectLst/>
-                <a:latin typeface="+mn-lt"/>
-                <a:ea typeface="+mn-ea"/>
-                <a:cs typeface="+mn-cs"/>
-              </a:rPr>
-              <a:t> - Ajout du bouton de validation</a:t>
-            </a:r>
-          </a:p>
-          <a:p>
-            <a:br>
-              <a:rPr lang="fr-FR" sz="1200" kern="1200" dirty="0">
-                <a:solidFill>
-                  <a:schemeClr val="tx1"/>
-                </a:solidFill>
-                <a:effectLst/>
-                <a:latin typeface="+mn-lt"/>
-                <a:ea typeface="+mn-ea"/>
-                <a:cs typeface="+mn-cs"/>
-              </a:rPr>
-            </a:br>
-            <a:endParaRPr lang="fr-FR" sz="1200" kern="1200" dirty="0">
-              <a:solidFill>
-                <a:schemeClr val="tx1"/>
-              </a:solidFill>
-              <a:effectLst/>
-              <a:latin typeface="+mn-lt"/>
-              <a:ea typeface="+mn-ea"/>
-              <a:cs typeface="+mn-cs"/>
-            </a:endParaRPr>
-          </a:p>
-          <a:p>
-            <a:r>
-              <a:rPr lang="fr-FR" sz="1200" kern="1200" dirty="0">
-                <a:solidFill>
-                  <a:schemeClr val="tx1"/>
-                </a:solidFill>
-                <a:effectLst/>
-                <a:latin typeface="+mn-lt"/>
-                <a:ea typeface="+mn-ea"/>
-                <a:cs typeface="+mn-cs"/>
-              </a:rPr>
-              <a:t>Gérer l'état du formulaire (20 – 25 mn)</a:t>
-            </a:r>
-          </a:p>
-          <a:p>
-            <a:r>
-              <a:rPr lang="fr-FR" sz="1200" kern="1200" dirty="0">
-                <a:solidFill>
-                  <a:schemeClr val="tx1"/>
-                </a:solidFill>
-                <a:effectLst/>
-                <a:latin typeface="+mn-lt"/>
-                <a:ea typeface="+mn-ea"/>
-                <a:cs typeface="+mn-cs"/>
-              </a:rPr>
-              <a:t> - création de l'état du formulaire</a:t>
-            </a:r>
-          </a:p>
-          <a:p>
-            <a:r>
-              <a:rPr lang="fr-FR" sz="1200" kern="1200" dirty="0">
-                <a:solidFill>
-                  <a:schemeClr val="tx1"/>
-                </a:solidFill>
-                <a:effectLst/>
-                <a:latin typeface="+mn-lt"/>
-                <a:ea typeface="+mn-ea"/>
-                <a:cs typeface="+mn-cs"/>
-              </a:rPr>
-              <a:t> - gestion des erreurs</a:t>
-            </a:r>
-          </a:p>
-          <a:p>
-            <a:r>
-              <a:rPr lang="fr-FR" sz="1200" kern="1200" dirty="0">
-                <a:solidFill>
-                  <a:schemeClr val="tx1"/>
-                </a:solidFill>
-                <a:effectLst/>
-                <a:latin typeface="+mn-lt"/>
-                <a:ea typeface="+mn-ea"/>
-                <a:cs typeface="+mn-cs"/>
-              </a:rPr>
-              <a:t> - Valider le formulaire</a:t>
-            </a:r>
-          </a:p>
-          <a:p>
-            <a:r>
-              <a:rPr lang="fr-FR" sz="1200" kern="1200" dirty="0">
-                <a:solidFill>
-                  <a:schemeClr val="tx1"/>
-                </a:solidFill>
-                <a:effectLst/>
-                <a:latin typeface="+mn-lt"/>
-                <a:ea typeface="+mn-ea"/>
-                <a:cs typeface="+mn-cs"/>
-              </a:rPr>
-              <a:t> </a:t>
-            </a:r>
-          </a:p>
-          <a:p>
-            <a:r>
-              <a:rPr lang="fr-FR" sz="1200" kern="1200" dirty="0">
-                <a:solidFill>
-                  <a:schemeClr val="tx1"/>
-                </a:solidFill>
-                <a:effectLst/>
-                <a:latin typeface="+mn-lt"/>
-                <a:ea typeface="+mn-ea"/>
-                <a:cs typeface="+mn-cs"/>
-              </a:rPr>
-              <a:t>Conclusion / feedbacks (10 – 15 mn)</a:t>
-            </a:r>
-          </a:p>
-          <a:p>
-            <a:endParaRPr lang="en-US" dirty="0">
-              <a:latin typeface="Century Gothic" pitchFamily="34" charset="0"/>
-            </a:endParaRPr>
-          </a:p>
-        </p:txBody>
-      </p:sp>
-      <p:sp>
-        <p:nvSpPr>
-          <p:cNvPr id="4" name="Espace réservé du numéro de diapositive 3"/>
-          <p:cNvSpPr>
-            <a:spLocks noGrp="1"/>
-          </p:cNvSpPr>
-          <p:nvPr>
-            <p:ph type="sldNum" sz="quarter" idx="10"/>
-          </p:nvPr>
-        </p:nvSpPr>
-        <p:spPr/>
-        <p:txBody>
-          <a:bodyPr/>
-          <a:lstStyle/>
-          <a:p>
-            <a:pPr marL="0" marR="0" lvl="0" indent="0" algn="r" defTabSz="914400" rtl="0" eaLnBrk="1" fontAlgn="auto" latinLnBrk="0" hangingPunct="1">
-              <a:lnSpc>
-                <a:spcPct val="100000"/>
-              </a:lnSpc>
-              <a:spcBef>
-                <a:spcPts val="0"/>
-              </a:spcBef>
-              <a:spcAft>
-                <a:spcPts val="0"/>
-              </a:spcAft>
-              <a:buClrTx/>
-              <a:buSzTx/>
-              <a:buFontTx/>
-              <a:buNone/>
-              <a:tabLst/>
-              <a:defRPr/>
-            </a:pPr>
-            <a:fld id="{930332B2-55D9-421F-A138-9E18F33D61D4}" type="slidenum">
-              <a:rPr kumimoji="0" lang="fr-FR" sz="1200" b="0" i="0" u="none" strike="noStrike" kern="1200" cap="none" spc="0" normalizeH="0" baseline="0" noProof="0" smtClean="0">
-                <a:ln>
-                  <a:noFill/>
-                </a:ln>
-                <a:solidFill>
-                  <a:prstClr val="black"/>
-                </a:solidFill>
-                <a:effectLst/>
-                <a:uLnTx/>
-                <a:uFillTx/>
-                <a:latin typeface="Calibri" panose="020F0502020204030204"/>
-                <a:ea typeface="+mn-ea"/>
-                <a:cs typeface="+mn-cs"/>
-              </a:rPr>
-              <a:pPr marL="0" marR="0" lvl="0" indent="0" algn="r" defTabSz="914400" rtl="0" eaLnBrk="1" fontAlgn="auto" latinLnBrk="0" hangingPunct="1">
-                <a:lnSpc>
-                  <a:spcPct val="100000"/>
-                </a:lnSpc>
-                <a:spcBef>
-                  <a:spcPts val="0"/>
-                </a:spcBef>
-                <a:spcAft>
-                  <a:spcPts val="0"/>
-                </a:spcAft>
-                <a:buClrTx/>
-                <a:buSzTx/>
-                <a:buFontTx/>
-                <a:buNone/>
-                <a:tabLst/>
-                <a:defRPr/>
-              </a:pPr>
-              <a:t>15</a:t>
-            </a:fld>
-            <a:endParaRPr kumimoji="0" lang="fr-FR" sz="1200" b="0" i="0" u="none" strike="noStrike" kern="1200" cap="none" spc="0" normalizeH="0" baseline="0" noProof="0">
-              <a:ln>
-                <a:noFill/>
-              </a:ln>
-              <a:solidFill>
-                <a:prstClr val="black"/>
-              </a:solidFill>
-              <a:effectLst/>
-              <a:uLnTx/>
-              <a:uFillTx/>
-              <a:latin typeface="Calibri" panose="020F0502020204030204"/>
-              <a:ea typeface="+mn-ea"/>
-              <a:cs typeface="+mn-cs"/>
-            </a:endParaRPr>
-          </a:p>
-        </p:txBody>
-      </p:sp>
-      <p:sp>
-        <p:nvSpPr>
-          <p:cNvPr id="5" name="Espace réservé de la date 4"/>
-          <p:cNvSpPr>
-            <a:spLocks noGrp="1"/>
-          </p:cNvSpPr>
-          <p:nvPr>
-            <p:ph type="dt" idx="11"/>
-          </p:nvPr>
-        </p:nvSpPr>
-        <p:spPr/>
-        <p:txBody>
-          <a:bodyPr/>
-          <a:lstStyle/>
-          <a:p>
-            <a:pPr marL="0" marR="0" lvl="0" indent="0" algn="r" defTabSz="914400" rtl="0" eaLnBrk="1" fontAlgn="auto" latinLnBrk="0" hangingPunct="1">
-              <a:lnSpc>
-                <a:spcPct val="100000"/>
-              </a:lnSpc>
-              <a:spcBef>
-                <a:spcPts val="0"/>
-              </a:spcBef>
-              <a:spcAft>
-                <a:spcPts val="0"/>
-              </a:spcAft>
-              <a:buClrTx/>
-              <a:buSzTx/>
-              <a:buFontTx/>
-              <a:buNone/>
-              <a:tabLst/>
-              <a:defRPr/>
-            </a:pPr>
-            <a:r>
-              <a:rPr kumimoji="0" lang="fr-FR" sz="1200" b="0" i="0" u="none" strike="noStrike" kern="1200" cap="none" spc="0" normalizeH="0" baseline="0" noProof="0">
-                <a:ln>
-                  <a:noFill/>
-                </a:ln>
-                <a:solidFill>
-                  <a:prstClr val="black"/>
-                </a:solidFill>
-                <a:effectLst/>
-                <a:uLnTx/>
-                <a:uFillTx/>
-                <a:latin typeface="Calibri" panose="020F0502020204030204"/>
-                <a:ea typeface="+mn-ea"/>
-                <a:cs typeface="+mn-cs"/>
-              </a:rPr>
-              <a:t>CONFIDENTIALITY LEVEL</a:t>
-            </a:r>
-          </a:p>
-        </p:txBody>
-      </p:sp>
-      <p:sp>
-        <p:nvSpPr>
-          <p:cNvPr id="6" name="Espace réservé du pied de page 5"/>
-          <p:cNvSpPr>
-            <a:spLocks noGrp="1"/>
-          </p:cNvSpPr>
-          <p:nvPr>
-            <p:ph type="ftr" sz="quarter" idx="12"/>
-          </p:nvPr>
-        </p:nvSpPr>
-        <p:spPr/>
-        <p:txBody>
-          <a:bodyPr/>
-          <a:lstStyle/>
-          <a:p>
-            <a:pPr marL="0" marR="0" lvl="0" indent="0" algn="l" defTabSz="914400" rtl="0" eaLnBrk="1" fontAlgn="auto" latinLnBrk="0" hangingPunct="1">
-              <a:lnSpc>
-                <a:spcPct val="100000"/>
-              </a:lnSpc>
-              <a:spcBef>
-                <a:spcPts val="0"/>
-              </a:spcBef>
-              <a:spcAft>
-                <a:spcPts val="0"/>
-              </a:spcAft>
-              <a:buClrTx/>
-              <a:buSzTx/>
-              <a:buFontTx/>
-              <a:buNone/>
-              <a:tabLst/>
-              <a:defRPr/>
-            </a:pPr>
-            <a:r>
-              <a:rPr kumimoji="0" lang="fr-FR" sz="1200" b="0" i="0" u="none" strike="noStrike" kern="1200" cap="none" spc="0" normalizeH="0" baseline="0" noProof="0">
-                <a:ln>
-                  <a:noFill/>
-                </a:ln>
-                <a:solidFill>
-                  <a:prstClr val="black"/>
-                </a:solidFill>
-                <a:effectLst/>
-                <a:uLnTx/>
-                <a:uFillTx/>
-                <a:latin typeface="Calibri" panose="020F0502020204030204"/>
-                <a:ea typeface="+mn-ea"/>
-                <a:cs typeface="+mn-cs"/>
-              </a:rPr>
-              <a:t>Title of the presentation</a:t>
-            </a:r>
-          </a:p>
-        </p:txBody>
-      </p:sp>
-    </p:spTree>
-    <p:extLst>
-      <p:ext uri="{BB962C8B-B14F-4D97-AF65-F5344CB8AC3E}">
-        <p14:creationId xmlns:p14="http://schemas.microsoft.com/office/powerpoint/2010/main" val="2932849640"/>
+        <p14:creationId xmlns:p14="http://schemas.microsoft.com/office/powerpoint/2010/main" val="1390967358"/>
       </p:ext>
     </p:extLst>
   </p:cSld>
@@ -6011,7 +5093,7 @@
           <a:p>
             <a:fld id="{41EB770E-9F5C-44F4-BEAD-89B26D889570}" type="slidenum">
               <a:rPr lang="fr-FR" smtClean="0"/>
-              <a:t>16</a:t>
+              <a:t>15</a:t>
             </a:fld>
             <a:endParaRPr lang="fr-FR"/>
           </a:p>
@@ -6020,7 +5102,7 @@
     </p:spTree>
     <p:extLst>
       <p:ext uri="{BB962C8B-B14F-4D97-AF65-F5344CB8AC3E}">
-        <p14:creationId xmlns:p14="http://schemas.microsoft.com/office/powerpoint/2010/main" val="1390967358"/>
+        <p14:creationId xmlns:p14="http://schemas.microsoft.com/office/powerpoint/2010/main" val="4178339005"/>
       </p:ext>
     </p:extLst>
   </p:cSld>
@@ -6159,7 +5241,7 @@
           <a:p>
             <a:fld id="{3CD8DA6A-E332-4F44-A7D2-8F4CF34CC12E}" type="datetime1">
               <a:rPr lang="fr-FR" smtClean="0"/>
-              <a:t>16/11/2020</a:t>
+              <a:t>17/11/2020</a:t>
             </a:fld>
             <a:endParaRPr lang="fr-FR"/>
           </a:p>
@@ -6327,7 +5409,7 @@
           <a:p>
             <a:fld id="{65496462-926F-4E67-AAAE-B88F0984169C}" type="datetime1">
               <a:rPr lang="fr-FR" smtClean="0"/>
-              <a:t>16/11/2020</a:t>
+              <a:t>17/11/2020</a:t>
             </a:fld>
             <a:endParaRPr lang="fr-FR"/>
           </a:p>
@@ -6482,7 +5564,7 @@
           <a:p>
             <a:fld id="{4506E9E2-0E89-4306-8ECC-CBA3342BD3BE}" type="datetime1">
               <a:rPr lang="fr-FR" smtClean="0"/>
-              <a:t>16/11/2020</a:t>
+              <a:t>17/11/2020</a:t>
             </a:fld>
             <a:endParaRPr lang="fr-FR"/>
           </a:p>
@@ -6851,7 +5933,7 @@
           <a:p>
             <a:fld id="{4525823E-EEC5-4AE7-8806-5ED413759703}" type="datetime1">
               <a:rPr lang="fr-FR" noProof="0" smtClean="0"/>
-              <a:t>16/11/2020</a:t>
+              <a:t>17/11/2020</a:t>
             </a:fld>
             <a:endParaRPr lang="fr-FR" noProof="0"/>
           </a:p>
@@ -7202,7 +6284,7 @@
           <a:p>
             <a:fld id="{5D3C99ED-186C-460B-B8FA-3099305AE68E}" type="datetime1">
               <a:rPr lang="fr-FR" smtClean="0"/>
-              <a:t>16/11/2020</a:t>
+              <a:t>17/11/2020</a:t>
             </a:fld>
             <a:endParaRPr lang="fr-FR"/>
           </a:p>
@@ -7408,7 +6490,7 @@
           <a:p>
             <a:fld id="{516E6981-5710-4BB6-84F1-DBCF841A5299}" type="datetime1">
               <a:rPr lang="fr-FR" smtClean="0"/>
-              <a:t>16/11/2020</a:t>
+              <a:t>17/11/2020</a:t>
             </a:fld>
             <a:endParaRPr lang="fr-FR"/>
           </a:p>
@@ -7749,7 +6831,7 @@
           <a:p>
             <a:fld id="{F16842B7-5BE0-42D3-A68E-4B9C958A16BA}" type="datetime1">
               <a:rPr lang="fr-FR" smtClean="0"/>
-              <a:t>16/11/2020</a:t>
+              <a:t>17/11/2020</a:t>
             </a:fld>
             <a:endParaRPr lang="fr-FR"/>
           </a:p>
@@ -7843,7 +6925,7 @@
           <a:p>
             <a:fld id="{4F651A2D-4434-45A5-975D-22BC481F14E4}" type="datetime1">
               <a:rPr lang="fr-FR" smtClean="0"/>
-              <a:t>16/11/2020</a:t>
+              <a:t>17/11/2020</a:t>
             </a:fld>
             <a:endParaRPr lang="fr-FR"/>
           </a:p>
@@ -7915,7 +6997,7 @@
           <a:p>
             <a:fld id="{388C0F5D-A627-4FC2-B3B9-0D7E690BC359}" type="datetime1">
               <a:rPr lang="fr-FR" smtClean="0"/>
-              <a:t>16/11/2020</a:t>
+              <a:t>17/11/2020</a:t>
             </a:fld>
             <a:endParaRPr lang="fr-FR"/>
           </a:p>
@@ -8167,7 +7249,7 @@
           <a:p>
             <a:fld id="{CCC28D6C-0D7C-4702-B4D9-18463E1D1007}" type="datetime1">
               <a:rPr lang="fr-FR" smtClean="0"/>
-              <a:t>16/11/2020</a:t>
+              <a:t>17/11/2020</a:t>
             </a:fld>
             <a:endParaRPr lang="fr-FR"/>
           </a:p>
@@ -8419,7 +7501,7 @@
           <a:p>
             <a:fld id="{E8BBF2F9-5F60-437C-BC45-B249DFB82E00}" type="datetime1">
               <a:rPr lang="fr-FR" smtClean="0"/>
-              <a:t>16/11/2020</a:t>
+              <a:t>17/11/2020</a:t>
             </a:fld>
             <a:endParaRPr lang="fr-FR"/>
           </a:p>
@@ -8607,7 +7689,7 @@
           <a:p>
             <a:fld id="{CCAF7043-D15A-4604-BA10-86076BDB4698}" type="datetime1">
               <a:rPr lang="fr-FR" smtClean="0"/>
-              <a:t>16/11/2020</a:t>
+              <a:t>17/11/2020</a:t>
             </a:fld>
             <a:endParaRPr lang="fr-FR"/>
           </a:p>
@@ -9469,344 +8551,6 @@
       </p:grpSpPr>
       <p:sp>
         <p:nvSpPr>
-          <p:cNvPr id="2" name="Titre 1">
-            <a:extLst>
-              <a:ext uri="{FF2B5EF4-FFF2-40B4-BE49-F238E27FC236}">
-                <a16:creationId xmlns:a16="http://schemas.microsoft.com/office/drawing/2014/main" id="{E5A990E1-F441-44D2-803F-70E644C69C2A}"/>
-              </a:ext>
-            </a:extLst>
-          </p:cNvPr>
-          <p:cNvSpPr>
-            <a:spLocks noGrp="1"/>
-          </p:cNvSpPr>
-          <p:nvPr>
-            <p:ph type="title"/>
-          </p:nvPr>
-        </p:nvSpPr>
-        <p:spPr>
-          <a:xfrm>
-            <a:off x="838200" y="143056"/>
-            <a:ext cx="10515600" cy="867597"/>
-          </a:xfrm>
-        </p:spPr>
-        <p:txBody>
-          <a:bodyPr/>
-          <a:lstStyle/>
-          <a:p>
-            <a:r>
-              <a:rPr lang="fr-FR" dirty="0" err="1"/>
-              <a:t>OpenID</a:t>
-            </a:r>
-            <a:r>
-              <a:rPr lang="fr-FR" dirty="0"/>
-              <a:t> </a:t>
-            </a:r>
-            <a:r>
-              <a:rPr lang="fr-FR" dirty="0" err="1"/>
-              <a:t>Connect</a:t>
-            </a:r>
-            <a:r>
-              <a:rPr lang="fr-FR" dirty="0"/>
-              <a:t> : </a:t>
-            </a:r>
-            <a:r>
-              <a:rPr lang="fr-FR" dirty="0" err="1"/>
-              <a:t>endpoints</a:t>
-            </a:r>
-            <a:endParaRPr lang="fr-FR" dirty="0"/>
-          </a:p>
-        </p:txBody>
-      </p:sp>
-      <p:sp>
-        <p:nvSpPr>
-          <p:cNvPr id="3" name="Espace réservé du contenu 2">
-            <a:extLst>
-              <a:ext uri="{FF2B5EF4-FFF2-40B4-BE49-F238E27FC236}">
-                <a16:creationId xmlns:a16="http://schemas.microsoft.com/office/drawing/2014/main" id="{A7B7D880-679F-4A31-9BFD-E323292F46C6}"/>
-              </a:ext>
-            </a:extLst>
-          </p:cNvPr>
-          <p:cNvSpPr>
-            <a:spLocks noGrp="1"/>
-          </p:cNvSpPr>
-          <p:nvPr>
-            <p:ph idx="1"/>
-          </p:nvPr>
-        </p:nvSpPr>
-        <p:spPr>
-          <a:xfrm>
-            <a:off x="838200" y="1549667"/>
-            <a:ext cx="10515600" cy="5165276"/>
-          </a:xfrm>
-        </p:spPr>
-        <p:txBody>
-          <a:bodyPr>
-            <a:normAutofit/>
-          </a:bodyPr>
-          <a:lstStyle/>
-          <a:p>
-            <a:pPr marL="0" indent="0">
-              <a:buNone/>
-            </a:pPr>
-            <a:r>
-              <a:rPr lang="fr-FR" b="1" dirty="0" err="1"/>
-              <a:t>authorization</a:t>
-            </a:r>
-            <a:r>
-              <a:rPr lang="fr-FR" b="1" dirty="0"/>
-              <a:t> : </a:t>
-            </a:r>
-            <a:r>
-              <a:rPr lang="fr-FR" dirty="0"/>
-              <a:t>to </a:t>
-            </a:r>
-            <a:r>
-              <a:rPr lang="fr-FR" dirty="0" err="1"/>
-              <a:t>authenticate</a:t>
-            </a:r>
-            <a:r>
-              <a:rPr lang="fr-FR" dirty="0"/>
-              <a:t> a user</a:t>
-            </a:r>
-          </a:p>
-          <a:p>
-            <a:pPr marL="0" indent="0">
-              <a:buNone/>
-            </a:pPr>
-            <a:r>
-              <a:rPr lang="fr-FR" b="1" dirty="0" err="1"/>
-              <a:t>token</a:t>
-            </a:r>
-            <a:r>
-              <a:rPr lang="fr-FR" b="1" dirty="0"/>
-              <a:t> : </a:t>
-            </a:r>
-            <a:r>
-              <a:rPr lang="en-US" dirty="0"/>
-              <a:t>to request a token (access / refresh / ID)</a:t>
-            </a:r>
-          </a:p>
-          <a:p>
-            <a:pPr marL="0" indent="0">
-              <a:buNone/>
-            </a:pPr>
-            <a:r>
-              <a:rPr lang="fr-FR" b="1" dirty="0"/>
-              <a:t>user info : </a:t>
-            </a:r>
-            <a:r>
-              <a:rPr lang="en-US" dirty="0"/>
-              <a:t>to retrieve information about the user (his identity, his rights)</a:t>
-            </a:r>
-          </a:p>
-          <a:p>
-            <a:pPr marL="0" indent="0">
-              <a:buNone/>
-            </a:pPr>
-            <a:r>
-              <a:rPr lang="fr-FR" b="1" dirty="0" err="1"/>
-              <a:t>revocation</a:t>
-            </a:r>
-            <a:r>
-              <a:rPr lang="fr-FR" b="1" dirty="0"/>
-              <a:t> : </a:t>
-            </a:r>
-            <a:r>
-              <a:rPr lang="en-US" dirty="0"/>
-              <a:t>to remove a token (access / refresh)</a:t>
-            </a:r>
-          </a:p>
-          <a:p>
-            <a:pPr marL="0" indent="0">
-              <a:buNone/>
-            </a:pPr>
-            <a:r>
-              <a:rPr lang="fr-FR" b="1" dirty="0"/>
-              <a:t>introspection:</a:t>
-            </a:r>
-            <a:r>
-              <a:rPr lang="fr-FR" dirty="0"/>
-              <a:t> </a:t>
-            </a:r>
-            <a:r>
-              <a:rPr lang="en-US" dirty="0"/>
-              <a:t>to validate a token (access / refresh)</a:t>
-            </a:r>
-            <a:endParaRPr lang="fr-FR" dirty="0"/>
-          </a:p>
-        </p:txBody>
-      </p:sp>
-      <p:sp>
-        <p:nvSpPr>
-          <p:cNvPr id="4" name="Rectangle 3">
-            <a:extLst>
-              <a:ext uri="{FF2B5EF4-FFF2-40B4-BE49-F238E27FC236}">
-                <a16:creationId xmlns:a16="http://schemas.microsoft.com/office/drawing/2014/main" id="{AB679360-5EA1-4434-AC79-76C312844FD1}"/>
-              </a:ext>
-            </a:extLst>
-          </p:cNvPr>
-          <p:cNvSpPr/>
-          <p:nvPr/>
-        </p:nvSpPr>
-        <p:spPr>
-          <a:xfrm>
-            <a:off x="120534" y="6488668"/>
-            <a:ext cx="4690323" cy="369332"/>
-          </a:xfrm>
-          <a:prstGeom prst="rect">
-            <a:avLst/>
-          </a:prstGeom>
-        </p:spPr>
-        <p:txBody>
-          <a:bodyPr wrap="none">
-            <a:spAutoFit/>
-          </a:bodyPr>
-          <a:lstStyle/>
-          <a:p>
-            <a:r>
-              <a:rPr lang="fr-FR" dirty="0">
-                <a:hlinkClick r:id="rId2"/>
-              </a:rPr>
-              <a:t>https://meritis.fr/techno-archi/openid-connect/</a:t>
-            </a:r>
-            <a:endParaRPr lang="fr-FR" dirty="0"/>
-          </a:p>
-        </p:txBody>
-      </p:sp>
-    </p:spTree>
-    <p:extLst>
-      <p:ext uri="{BB962C8B-B14F-4D97-AF65-F5344CB8AC3E}">
-        <p14:creationId xmlns:p14="http://schemas.microsoft.com/office/powerpoint/2010/main" val="2143416267"/>
-      </p:ext>
-    </p:extLst>
-  </p:cSld>
-  <p:clrMapOvr>
-    <a:masterClrMapping/>
-  </p:clrMapOvr>
-</p:sld>
-</file>
-
-<file path=ppt/slides/slide11.xml><?xml version="1.0" encoding="utf-8"?>
-<p:sld xmlns:a="http://schemas.openxmlformats.org/drawingml/2006/main" xmlns:r="http://schemas.openxmlformats.org/officeDocument/2006/relationships" xmlns:p="http://schemas.openxmlformats.org/presentationml/2006/main">
-  <p:cSld>
-    <p:spTree>
-      <p:nvGrpSpPr>
-        <p:cNvPr id="1" name=""/>
-        <p:cNvGrpSpPr/>
-        <p:nvPr/>
-      </p:nvGrpSpPr>
-      <p:grpSpPr>
-        <a:xfrm>
-          <a:off x="0" y="0"/>
-          <a:ext cx="0" cy="0"/>
-          <a:chOff x="0" y="0"/>
-          <a:chExt cx="0" cy="0"/>
-        </a:xfrm>
-      </p:grpSpPr>
-      <p:sp>
-        <p:nvSpPr>
-          <p:cNvPr id="2" name="Titre 1">
-            <a:extLst>
-              <a:ext uri="{FF2B5EF4-FFF2-40B4-BE49-F238E27FC236}">
-                <a16:creationId xmlns:a16="http://schemas.microsoft.com/office/drawing/2014/main" id="{88D470CC-B0FC-45AE-B796-58C7683F5030}"/>
-              </a:ext>
-            </a:extLst>
-          </p:cNvPr>
-          <p:cNvSpPr>
-            <a:spLocks noGrp="1"/>
-          </p:cNvSpPr>
-          <p:nvPr>
-            <p:ph type="title"/>
-          </p:nvPr>
-        </p:nvSpPr>
-        <p:spPr/>
-        <p:txBody>
-          <a:bodyPr/>
-          <a:lstStyle/>
-          <a:p>
-            <a:r>
-              <a:rPr lang="fr-FR" dirty="0"/>
-              <a:t>Open ID </a:t>
-            </a:r>
-            <a:r>
-              <a:rPr lang="fr-FR" dirty="0" err="1"/>
-              <a:t>Connect</a:t>
-            </a:r>
-            <a:endParaRPr lang="fr-FR" dirty="0"/>
-          </a:p>
-        </p:txBody>
-      </p:sp>
-      <p:sp>
-        <p:nvSpPr>
-          <p:cNvPr id="3" name="Espace réservé du contenu 2">
-            <a:extLst>
-              <a:ext uri="{FF2B5EF4-FFF2-40B4-BE49-F238E27FC236}">
-                <a16:creationId xmlns:a16="http://schemas.microsoft.com/office/drawing/2014/main" id="{18148B1F-4453-4C2E-9AB7-C4DE9A436B8F}"/>
-              </a:ext>
-            </a:extLst>
-          </p:cNvPr>
-          <p:cNvSpPr>
-            <a:spLocks noGrp="1"/>
-          </p:cNvSpPr>
-          <p:nvPr>
-            <p:ph idx="1"/>
-          </p:nvPr>
-        </p:nvSpPr>
-        <p:spPr>
-          <a:xfrm>
-            <a:off x="838200" y="2657475"/>
-            <a:ext cx="10515600" cy="3519487"/>
-          </a:xfrm>
-        </p:spPr>
-        <p:txBody>
-          <a:bodyPr>
-            <a:normAutofit/>
-          </a:bodyPr>
-          <a:lstStyle/>
-          <a:p>
-            <a:pPr marL="0" indent="0" algn="ctr">
-              <a:buNone/>
-            </a:pPr>
-            <a:r>
-              <a:rPr lang="en-US" sz="4400" dirty="0"/>
-              <a:t>This allows you to change provider without changing your code</a:t>
-            </a:r>
-            <a:endParaRPr lang="fr-FR" sz="4400" dirty="0"/>
-          </a:p>
-        </p:txBody>
-      </p:sp>
-    </p:spTree>
-    <p:extLst>
-      <p:ext uri="{BB962C8B-B14F-4D97-AF65-F5344CB8AC3E}">
-        <p14:creationId xmlns:p14="http://schemas.microsoft.com/office/powerpoint/2010/main" val="2540032808"/>
-      </p:ext>
-    </p:extLst>
-  </p:cSld>
-  <p:clrMapOvr>
-    <a:masterClrMapping/>
-  </p:clrMapOvr>
-</p:sld>
-</file>
-
-<file path=ppt/slides/slide12.xml><?xml version="1.0" encoding="utf-8"?>
-<p:sld xmlns:a="http://schemas.openxmlformats.org/drawingml/2006/main" xmlns:r="http://schemas.openxmlformats.org/officeDocument/2006/relationships" xmlns:p="http://schemas.openxmlformats.org/presentationml/2006/main">
-  <p:cSld>
-    <p:spTree>
-      <p:nvGrpSpPr>
-        <p:cNvPr id="1" name=""/>
-        <p:cNvGrpSpPr/>
-        <p:nvPr/>
-      </p:nvGrpSpPr>
-      <p:grpSpPr>
-        <a:xfrm>
-          <a:off x="0" y="0"/>
-          <a:ext cx="0" cy="0"/>
-          <a:chOff x="0" y="0"/>
-          <a:chExt cx="0" cy="0"/>
-        </a:xfrm>
-      </p:grpSpPr>
-      <p:sp>
-        <p:nvSpPr>
           <p:cNvPr id="34" name="Espace réservé du contenu 2">
             <a:extLst>
               <a:ext uri="{FF2B5EF4-FFF2-40B4-BE49-F238E27FC236}">
@@ -12534,7 +11278,7 @@
 </p:sld>
 </file>
 
-<file path=ppt/slides/slide13.xml><?xml version="1.0" encoding="utf-8"?>
+<file path=ppt/slides/slide11.xml><?xml version="1.0" encoding="utf-8"?>
 <p:sld xmlns:a="http://schemas.openxmlformats.org/drawingml/2006/main" xmlns:r="http://schemas.openxmlformats.org/officeDocument/2006/relationships" xmlns:p="http://schemas.openxmlformats.org/presentationml/2006/main">
   <p:cSld>
     <p:spTree>
@@ -12830,7 +11574,7 @@
 </p:sld>
 </file>
 
-<file path=ppt/slides/slide14.xml><?xml version="1.0" encoding="utf-8"?>
+<file path=ppt/slides/slide12.xml><?xml version="1.0" encoding="utf-8"?>
 <p:sld xmlns:a="http://schemas.openxmlformats.org/drawingml/2006/main" xmlns:r="http://schemas.openxmlformats.org/officeDocument/2006/relationships" xmlns:p="http://schemas.openxmlformats.org/presentationml/2006/main">
   <p:cSld>
     <p:spTree>
@@ -14940,7 +13684,7 @@
 </p:sld>
 </file>
 
-<file path=ppt/slides/slide15.xml><?xml version="1.0" encoding="utf-8"?>
+<file path=ppt/slides/slide13.xml><?xml version="1.0" encoding="utf-8"?>
 <p:sld xmlns:a="http://schemas.openxmlformats.org/drawingml/2006/main" xmlns:r="http://schemas.openxmlformats.org/officeDocument/2006/relationships" xmlns:p="http://schemas.openxmlformats.org/presentationml/2006/main">
   <p:cSld>
     <p:spTree>
@@ -15124,7 +13868,7 @@
         </p:nvSpPr>
         <p:spPr>
           <a:xfrm>
-            <a:off x="1808646" y="4808299"/>
+            <a:off x="1822122" y="2988299"/>
             <a:ext cx="364337" cy="364337"/>
           </a:xfrm>
           <a:prstGeom prst="ellipse">
@@ -15183,8 +13927,8 @@
         </p:nvSpPr>
         <p:spPr bwMode="auto">
           <a:xfrm>
-            <a:off x="2368628" y="1143277"/>
-            <a:ext cx="10015910" cy="4225131"/>
+            <a:off x="2528285" y="1217034"/>
+            <a:ext cx="10015910" cy="2286139"/>
           </a:xfrm>
           <a:prstGeom prst="rect">
             <a:avLst/>
@@ -15264,55 +14008,6 @@
                 </a:solidFill>
               </a:rPr>
               <a:t> OIDC</a:t>
-            </a:r>
-          </a:p>
-          <a:p>
-            <a:pPr marL="514350" indent="-514350" eaLnBrk="1" hangingPunct="1">
-              <a:lnSpc>
-                <a:spcPct val="150000"/>
-              </a:lnSpc>
-              <a:buAutoNum type="arabicPeriod"/>
-            </a:pPr>
-            <a:r>
-              <a:rPr lang="en-US" sz="2800" dirty="0">
-                <a:solidFill>
-                  <a:schemeClr val="bg1"/>
-                </a:solidFill>
-              </a:rPr>
-              <a:t>Understanding the concepts of identification, authorization and authentication</a:t>
-            </a:r>
-          </a:p>
-          <a:p>
-            <a:pPr marL="514350" indent="-514350">
-              <a:lnSpc>
-                <a:spcPct val="150000"/>
-              </a:lnSpc>
-              <a:buFontTx/>
-              <a:buAutoNum type="arabicPeriod"/>
-            </a:pPr>
-            <a:r>
-              <a:rPr lang="fr-FR" sz="2800" dirty="0">
-                <a:solidFill>
-                  <a:schemeClr val="bg1"/>
-                </a:solidFill>
-              </a:rPr>
-              <a:t>Focus on </a:t>
-            </a:r>
-            <a:r>
-              <a:rPr lang="fr-FR" sz="2800" dirty="0" err="1">
-                <a:solidFill>
-                  <a:schemeClr val="bg1"/>
-                </a:solidFill>
-              </a:rPr>
-              <a:t>Oauth</a:t>
-            </a:r>
-            <a:r>
-              <a:rPr lang="fr-FR" sz="2800" dirty="0">
-                <a:solidFill>
-                  <a:schemeClr val="bg1"/>
-                </a:solidFill>
-              </a:rPr>
-              <a:t> 2.0</a:t>
             </a:r>
           </a:p>
           <a:p>
@@ -15371,66 +14066,7 @@
         </p:nvSpPr>
         <p:spPr>
           <a:xfrm>
-            <a:off x="1909194" y="2095973"/>
-            <a:ext cx="192540" cy="192540"/>
-          </a:xfrm>
-          <a:prstGeom prst="ellipse">
-            <a:avLst/>
-          </a:prstGeom>
-          <a:solidFill>
-            <a:schemeClr val="tx2">
-              <a:lumMod val="75000"/>
-            </a:schemeClr>
-          </a:solidFill>
-          <a:ln w="28575">
-            <a:solidFill>
-              <a:schemeClr val="bg1"/>
-            </a:solidFill>
-          </a:ln>
-        </p:spPr>
-        <p:style>
-          <a:lnRef idx="2">
-            <a:schemeClr val="accent1">
-              <a:shade val="50000"/>
-            </a:schemeClr>
-          </a:lnRef>
-          <a:fillRef idx="1">
-            <a:schemeClr val="accent1"/>
-          </a:fillRef>
-          <a:effectRef idx="0">
-            <a:schemeClr val="accent1"/>
-          </a:effectRef>
-          <a:fontRef idx="minor">
-            <a:schemeClr val="lt1"/>
-          </a:fontRef>
-        </p:style>
-        <p:txBody>
-          <a:bodyPr rtlCol="0" anchor="ctr"/>
-          <a:lstStyle/>
-          <a:p>
-            <a:pPr algn="ctr"/>
-            <a:endParaRPr lang="fr-FR">
-              <a:latin typeface="+mj-lt"/>
-              <a:ea typeface="Karla" pitchFamily="2" charset="0"/>
-            </a:endParaRPr>
-          </a:p>
-        </p:txBody>
-      </p:sp>
-      <p:sp>
-        <p:nvSpPr>
-          <p:cNvPr id="10" name="Ellipse 12">
-            <a:extLst>
-              <a:ext uri="{FF2B5EF4-FFF2-40B4-BE49-F238E27FC236}">
-                <a16:creationId xmlns:a16="http://schemas.microsoft.com/office/drawing/2014/main" id="{23B6ED91-1029-4EC3-B092-884DB94D5D4E}"/>
-              </a:ext>
-            </a:extLst>
-          </p:cNvPr>
-          <p:cNvSpPr/>
-          <p:nvPr/>
-        </p:nvSpPr>
-        <p:spPr>
-          <a:xfrm>
-            <a:off x="1908021" y="3348847"/>
+            <a:off x="1909194" y="2154029"/>
             <a:ext cx="192540" cy="192540"/>
           </a:xfrm>
           <a:prstGeom prst="ellipse">
@@ -15534,65 +14170,6 @@
           </a:p>
         </p:txBody>
       </p:sp>
-      <p:sp>
-        <p:nvSpPr>
-          <p:cNvPr id="16" name="Ellipse 7">
-            <a:extLst>
-              <a:ext uri="{FF2B5EF4-FFF2-40B4-BE49-F238E27FC236}">
-                <a16:creationId xmlns:a16="http://schemas.microsoft.com/office/drawing/2014/main" id="{5FAE9A66-D671-4BF4-9DDF-541CBDA7ED35}"/>
-              </a:ext>
-            </a:extLst>
-          </p:cNvPr>
-          <p:cNvSpPr/>
-          <p:nvPr/>
-        </p:nvSpPr>
-        <p:spPr>
-          <a:xfrm>
-            <a:off x="1906230" y="4033226"/>
-            <a:ext cx="192540" cy="192540"/>
-          </a:xfrm>
-          <a:prstGeom prst="ellipse">
-            <a:avLst/>
-          </a:prstGeom>
-          <a:solidFill>
-            <a:schemeClr val="tx2">
-              <a:lumMod val="75000"/>
-            </a:schemeClr>
-          </a:solidFill>
-          <a:ln w="28575">
-            <a:solidFill>
-              <a:schemeClr val="bg1"/>
-            </a:solidFill>
-          </a:ln>
-        </p:spPr>
-        <p:style>
-          <a:lnRef idx="2">
-            <a:schemeClr val="accent1">
-              <a:shade val="50000"/>
-            </a:schemeClr>
-          </a:lnRef>
-          <a:fillRef idx="1">
-            <a:schemeClr val="accent1"/>
-          </a:fillRef>
-          <a:effectRef idx="0">
-            <a:schemeClr val="accent1"/>
-          </a:effectRef>
-          <a:fontRef idx="minor">
-            <a:schemeClr val="lt1"/>
-          </a:fontRef>
-        </p:style>
-        <p:txBody>
-          <a:bodyPr rtlCol="0" anchor="ctr"/>
-          <a:lstStyle/>
-          <a:p>
-            <a:pPr algn="ctr"/>
-            <a:endParaRPr lang="fr-FR">
-              <a:latin typeface="+mj-lt"/>
-              <a:ea typeface="Karla" pitchFamily="2" charset="0"/>
-            </a:endParaRPr>
-          </a:p>
-        </p:txBody>
-      </p:sp>
     </p:spTree>
     <p:extLst>
       <p:ext uri="{BB962C8B-B14F-4D97-AF65-F5344CB8AC3E}">
@@ -15618,7 +14195,7 @@
 </p:sld>
 </file>
 
-<file path=ppt/slides/slide16.xml><?xml version="1.0" encoding="utf-8"?>
+<file path=ppt/slides/slide14.xml><?xml version="1.0" encoding="utf-8"?>
 <p:sld xmlns:a="http://schemas.openxmlformats.org/drawingml/2006/main" xmlns:r="http://schemas.openxmlformats.org/officeDocument/2006/relationships" xmlns:p="http://schemas.openxmlformats.org/presentationml/2006/main">
   <p:cSld>
     <p:spTree>
@@ -16953,7 +15530,7 @@
 </p:sld>
 </file>
 
-<file path=ppt/slides/slide17.xml><?xml version="1.0" encoding="utf-8"?>
+<file path=ppt/slides/slide15.xml><?xml version="1.0" encoding="utf-8"?>
 <p:sld xmlns:a="http://schemas.openxmlformats.org/drawingml/2006/main" xmlns:r="http://schemas.openxmlformats.org/officeDocument/2006/relationships" xmlns:p="http://schemas.openxmlformats.org/presentationml/2006/main">
   <p:cSld>
     <p:spTree>
@@ -18555,7 +17132,7 @@
 </p:sld>
 </file>
 
-<file path=ppt/slides/slide18.xml><?xml version="1.0" encoding="utf-8"?>
+<file path=ppt/slides/slide16.xml><?xml version="1.0" encoding="utf-8"?>
 <p:sld xmlns:a="http://schemas.openxmlformats.org/drawingml/2006/main" xmlns:r="http://schemas.openxmlformats.org/officeDocument/2006/relationships" xmlns:p="http://schemas.openxmlformats.org/presentationml/2006/main">
   <p:cSld>
     <p:spTree>
@@ -20481,7 +19058,7 @@
 </p:sld>
 </file>
 
-<file path=ppt/slides/slide19.xml><?xml version="1.0" encoding="utf-8"?>
+<file path=ppt/slides/slide17.xml><?xml version="1.0" encoding="utf-8"?>
 <p:sld xmlns:a="http://schemas.openxmlformats.org/drawingml/2006/main" xmlns:r="http://schemas.openxmlformats.org/officeDocument/2006/relationships" xmlns:p="http://schemas.openxmlformats.org/presentationml/2006/main">
   <p:cSld>
     <p:spTree>
@@ -22173,607 +20750,7 @@
 </p:sld>
 </file>
 
-<file path=ppt/slides/slide2.xml><?xml version="1.0" encoding="utf-8"?>
-<p:sld xmlns:a="http://schemas.openxmlformats.org/drawingml/2006/main" xmlns:r="http://schemas.openxmlformats.org/officeDocument/2006/relationships" xmlns:p="http://schemas.openxmlformats.org/presentationml/2006/main">
-  <p:cSld>
-    <p:spTree>
-      <p:nvGrpSpPr>
-        <p:cNvPr id="1" name=""/>
-        <p:cNvGrpSpPr/>
-        <p:nvPr/>
-      </p:nvGrpSpPr>
-      <p:grpSpPr>
-        <a:xfrm>
-          <a:off x="0" y="0"/>
-          <a:ext cx="0" cy="0"/>
-          <a:chOff x="0" y="0"/>
-          <a:chExt cx="0" cy="0"/>
-        </a:xfrm>
-      </p:grpSpPr>
-      <p:sp>
-        <p:nvSpPr>
-          <p:cNvPr id="27" name="Rectangle 26">
-            <a:extLst>
-              <a:ext uri="{FF2B5EF4-FFF2-40B4-BE49-F238E27FC236}">
-                <a16:creationId xmlns:a16="http://schemas.microsoft.com/office/drawing/2014/main" id="{617A7ADA-07CF-451A-BAC6-277594AE91B7}"/>
-              </a:ext>
-            </a:extLst>
-          </p:cNvPr>
-          <p:cNvSpPr/>
-          <p:nvPr/>
-        </p:nvSpPr>
-        <p:spPr>
-          <a:xfrm>
-            <a:off x="0" y="0"/>
-            <a:ext cx="12191998" cy="6857999"/>
-          </a:xfrm>
-          <a:prstGeom prst="rect">
-            <a:avLst/>
-          </a:prstGeom>
-          <a:solidFill>
-            <a:schemeClr val="tx2">
-              <a:lumMod val="75000"/>
-            </a:schemeClr>
-          </a:solidFill>
-          <a:ln>
-            <a:noFill/>
-          </a:ln>
-        </p:spPr>
-        <p:style>
-          <a:lnRef idx="2">
-            <a:schemeClr val="accent1">
-              <a:shade val="50000"/>
-            </a:schemeClr>
-          </a:lnRef>
-          <a:fillRef idx="1">
-            <a:schemeClr val="accent1"/>
-          </a:fillRef>
-          <a:effectRef idx="0">
-            <a:schemeClr val="accent1"/>
-          </a:effectRef>
-          <a:fontRef idx="minor">
-            <a:schemeClr val="lt1"/>
-          </a:fontRef>
-        </p:style>
-        <p:txBody>
-          <a:bodyPr rtlCol="0" anchor="ctr"/>
-          <a:lstStyle/>
-          <a:p>
-            <a:pPr marL="914400" marR="0" lvl="2" indent="0" algn="ctr" defTabSz="914400" rtl="0" eaLnBrk="1" fontAlgn="auto" latinLnBrk="0" hangingPunct="1">
-              <a:lnSpc>
-                <a:spcPct val="100000"/>
-              </a:lnSpc>
-              <a:spcBef>
-                <a:spcPts val="0"/>
-              </a:spcBef>
-              <a:spcAft>
-                <a:spcPts val="0"/>
-              </a:spcAft>
-              <a:buClrTx/>
-              <a:buSzTx/>
-              <a:buFontTx/>
-              <a:buNone/>
-              <a:tabLst/>
-              <a:defRPr/>
-            </a:pPr>
-            <a:endParaRPr kumimoji="0" lang="fr-FR" sz="1400" b="1" i="0" u="none" strike="noStrike" kern="1200" cap="none" spc="0" normalizeH="0" baseline="0" noProof="0">
-              <a:ln>
-                <a:noFill/>
-              </a:ln>
-              <a:solidFill>
-                <a:srgbClr val="525252"/>
-              </a:solidFill>
-              <a:effectLst/>
-              <a:uLnTx/>
-              <a:uFillTx/>
-              <a:latin typeface="+mj-lt"/>
-              <a:ea typeface="Karla" pitchFamily="2" charset="0"/>
-            </a:endParaRPr>
-          </a:p>
-        </p:txBody>
-      </p:sp>
-      <p:sp>
-        <p:nvSpPr>
-          <p:cNvPr id="3" name="Espace réservé de la date 2">
-            <a:extLst>
-              <a:ext uri="{FF2B5EF4-FFF2-40B4-BE49-F238E27FC236}">
-                <a16:creationId xmlns:a16="http://schemas.microsoft.com/office/drawing/2014/main" id="{DE9241D6-AE8E-43B4-BB97-0B368873E0F7}"/>
-              </a:ext>
-            </a:extLst>
-          </p:cNvPr>
-          <p:cNvSpPr>
-            <a:spLocks noGrp="1"/>
-          </p:cNvSpPr>
-          <p:nvPr>
-            <p:ph type="dt" sz="half" idx="10"/>
-          </p:nvPr>
-        </p:nvSpPr>
-        <p:spPr/>
-        <p:txBody>
-          <a:bodyPr/>
-          <a:lstStyle/>
-          <a:p>
-            <a:r>
-              <a:rPr lang="fr-FR">
-                <a:ea typeface="Karla" pitchFamily="2" charset="0"/>
-              </a:rPr>
-              <a:t> </a:t>
-            </a:r>
-          </a:p>
-        </p:txBody>
-      </p:sp>
-      <p:cxnSp>
-        <p:nvCxnSpPr>
-          <p:cNvPr id="11" name="Connecteur droit 10">
-            <a:extLst>
-              <a:ext uri="{FF2B5EF4-FFF2-40B4-BE49-F238E27FC236}">
-                <a16:creationId xmlns:a16="http://schemas.microsoft.com/office/drawing/2014/main" id="{987BF4BF-9CBA-4F21-8F56-5E002575FFB1}"/>
-              </a:ext>
-            </a:extLst>
-          </p:cNvPr>
-          <p:cNvCxnSpPr/>
-          <p:nvPr/>
-        </p:nvCxnSpPr>
-        <p:spPr>
-          <a:xfrm>
-            <a:off x="2004291" y="0"/>
-            <a:ext cx="0" cy="6858000"/>
-          </a:xfrm>
-          <a:prstGeom prst="line">
-            <a:avLst/>
-          </a:prstGeom>
-          <a:ln w="28575">
-            <a:solidFill>
-              <a:schemeClr val="bg1"/>
-            </a:solidFill>
-          </a:ln>
-        </p:spPr>
-        <p:style>
-          <a:lnRef idx="1">
-            <a:schemeClr val="accent1"/>
-          </a:lnRef>
-          <a:fillRef idx="0">
-            <a:schemeClr val="accent1"/>
-          </a:fillRef>
-          <a:effectRef idx="0">
-            <a:schemeClr val="accent1"/>
-          </a:effectRef>
-          <a:fontRef idx="minor">
-            <a:schemeClr val="tx1"/>
-          </a:fontRef>
-        </p:style>
-      </p:cxnSp>
-      <p:sp>
-        <p:nvSpPr>
-          <p:cNvPr id="15" name="Ellipse 14">
-            <a:extLst>
-              <a:ext uri="{FF2B5EF4-FFF2-40B4-BE49-F238E27FC236}">
-                <a16:creationId xmlns:a16="http://schemas.microsoft.com/office/drawing/2014/main" id="{94ECA506-A143-492E-A322-B6CF7D28D0F6}"/>
-              </a:ext>
-            </a:extLst>
-          </p:cNvPr>
-          <p:cNvSpPr/>
-          <p:nvPr/>
-        </p:nvSpPr>
-        <p:spPr>
-          <a:xfrm>
-            <a:off x="1811751" y="1581347"/>
-            <a:ext cx="364337" cy="364337"/>
-          </a:xfrm>
-          <a:prstGeom prst="ellipse">
-            <a:avLst/>
-          </a:prstGeom>
-          <a:solidFill>
-            <a:schemeClr val="tx2">
-              <a:lumMod val="75000"/>
-            </a:schemeClr>
-          </a:solidFill>
-          <a:ln w="28575">
-            <a:solidFill>
-              <a:schemeClr val="bg1"/>
-            </a:solidFill>
-          </a:ln>
-        </p:spPr>
-        <p:style>
-          <a:lnRef idx="2">
-            <a:schemeClr val="accent1">
-              <a:shade val="50000"/>
-            </a:schemeClr>
-          </a:lnRef>
-          <a:fillRef idx="1">
-            <a:schemeClr val="accent1"/>
-          </a:fillRef>
-          <a:effectRef idx="0">
-            <a:schemeClr val="accent1"/>
-          </a:effectRef>
-          <a:fontRef idx="minor">
-            <a:schemeClr val="lt1"/>
-          </a:fontRef>
-        </p:style>
-        <p:txBody>
-          <a:bodyPr rtlCol="0" anchor="ctr"/>
-          <a:lstStyle/>
-          <a:p>
-            <a:pPr algn="ctr"/>
-            <a:endParaRPr lang="fr-FR">
-              <a:latin typeface="+mj-lt"/>
-              <a:ea typeface="Karla" pitchFamily="2" charset="0"/>
-            </a:endParaRPr>
-          </a:p>
-        </p:txBody>
-      </p:sp>
-      <p:sp>
-        <p:nvSpPr>
-          <p:cNvPr id="22" name="ZoneTexte 21">
-            <a:extLst>
-              <a:ext uri="{FF2B5EF4-FFF2-40B4-BE49-F238E27FC236}">
-                <a16:creationId xmlns:a16="http://schemas.microsoft.com/office/drawing/2014/main" id="{3D173455-883E-41D3-8952-08965149EE84}"/>
-              </a:ext>
-            </a:extLst>
-          </p:cNvPr>
-          <p:cNvSpPr txBox="1"/>
-          <p:nvPr/>
-        </p:nvSpPr>
-        <p:spPr bwMode="auto">
-          <a:xfrm>
-            <a:off x="2368628" y="1123337"/>
-            <a:ext cx="10015910" cy="3626506"/>
-          </a:xfrm>
-          <a:prstGeom prst="rect">
-            <a:avLst/>
-          </a:prstGeom>
-          <a:noFill/>
-          <a:ln>
-            <a:noFill/>
-          </a:ln>
-          <a:extLst>
-            <a:ext uri="{909E8E84-426E-40DD-AFC4-6F175D3DCCD1}">
-              <a14:hiddenFill xmlns:a14="http://schemas.microsoft.com/office/drawing/2010/main">
-                <a:solidFill>
-                  <a:srgbClr val="FFFFFF"/>
-                </a:solidFill>
-              </a14:hiddenFill>
-            </a:ext>
-            <a:ext uri="{91240B29-F687-4F45-9708-019B960494DF}">
-              <a14:hiddenLine xmlns:a14="http://schemas.microsoft.com/office/drawing/2010/main" w="9525">
-                <a:solidFill>
-                  <a:srgbClr val="000000"/>
-                </a:solidFill>
-                <a:miter lim="800000"/>
-                <a:headEnd/>
-                <a:tailEnd/>
-              </a14:hiddenLine>
-            </a:ext>
-          </a:extLst>
-        </p:spPr>
-        <p:txBody>
-          <a:bodyPr wrap="square" lIns="0" tIns="0" rIns="0" bIns="0" rtlCol="0" anchor="b">
-            <a:spAutoFit/>
-          </a:bodyPr>
-          <a:lstStyle/>
-          <a:p>
-            <a:pPr marL="514350" indent="-514350" eaLnBrk="1" hangingPunct="1">
-              <a:lnSpc>
-                <a:spcPct val="150000"/>
-              </a:lnSpc>
-              <a:buAutoNum type="arabicPeriod"/>
-            </a:pPr>
-            <a:r>
-              <a:rPr lang="fr-FR" sz="4800" b="1" dirty="0">
-                <a:solidFill>
-                  <a:schemeClr val="bg1"/>
-                </a:solidFill>
-                <a:latin typeface="+mj-lt"/>
-                <a:ea typeface="Karla" pitchFamily="2" charset="0"/>
-              </a:rPr>
-              <a:t>How to set </a:t>
-            </a:r>
-            <a:r>
-              <a:rPr lang="fr-FR" sz="4800" b="1" dirty="0" err="1">
-                <a:solidFill>
-                  <a:schemeClr val="bg1"/>
-                </a:solidFill>
-                <a:latin typeface="+mj-lt"/>
-                <a:ea typeface="Karla" pitchFamily="2" charset="0"/>
-              </a:rPr>
-              <a:t>it</a:t>
-            </a:r>
-            <a:r>
-              <a:rPr lang="fr-FR" sz="4800" b="1" dirty="0">
-                <a:solidFill>
-                  <a:schemeClr val="bg1"/>
-                </a:solidFill>
-                <a:latin typeface="+mj-lt"/>
-                <a:ea typeface="Karla" pitchFamily="2" charset="0"/>
-              </a:rPr>
-              <a:t> up </a:t>
-            </a:r>
-            <a:r>
-              <a:rPr lang="fr-FR" sz="4800" b="1" dirty="0" err="1">
-                <a:solidFill>
-                  <a:schemeClr val="bg1"/>
-                </a:solidFill>
-                <a:latin typeface="+mj-lt"/>
-                <a:ea typeface="Karla" pitchFamily="2" charset="0"/>
-              </a:rPr>
-              <a:t>React</a:t>
-            </a:r>
-            <a:r>
-              <a:rPr lang="fr-FR" sz="4800" b="1" dirty="0">
-                <a:solidFill>
-                  <a:schemeClr val="bg1"/>
-                </a:solidFill>
-                <a:latin typeface="+mj-lt"/>
-                <a:ea typeface="Karla" pitchFamily="2" charset="0"/>
-              </a:rPr>
-              <a:t> OIDC</a:t>
-            </a:r>
-          </a:p>
-          <a:p>
-            <a:pPr marL="514350" indent="-514350" eaLnBrk="1" hangingPunct="1">
-              <a:lnSpc>
-                <a:spcPct val="150000"/>
-              </a:lnSpc>
-              <a:buAutoNum type="arabicPeriod"/>
-            </a:pPr>
-            <a:r>
-              <a:rPr lang="en-US" sz="2800" dirty="0">
-                <a:solidFill>
-                  <a:schemeClr val="bg1"/>
-                </a:solidFill>
-                <a:latin typeface="+mj-lt"/>
-                <a:ea typeface="Karla" pitchFamily="2" charset="0"/>
-              </a:rPr>
-              <a:t>Understanding the concepts of identification, authorization and authentication</a:t>
-            </a:r>
-          </a:p>
-          <a:p>
-            <a:pPr marL="514350" indent="-514350">
-              <a:lnSpc>
-                <a:spcPct val="150000"/>
-              </a:lnSpc>
-              <a:buFontTx/>
-              <a:buAutoNum type="arabicPeriod"/>
-            </a:pPr>
-            <a:r>
-              <a:rPr lang="en-US" sz="2800" dirty="0">
-                <a:solidFill>
-                  <a:schemeClr val="bg1"/>
-                </a:solidFill>
-                <a:ea typeface="Karla" pitchFamily="2" charset="0"/>
-              </a:rPr>
-              <a:t>"Level up" with OpenID Connect</a:t>
-            </a:r>
-            <a:endParaRPr lang="fr-FR" sz="2800" dirty="0">
-              <a:solidFill>
-                <a:schemeClr val="bg1"/>
-              </a:solidFill>
-              <a:ea typeface="Karla" pitchFamily="2" charset="0"/>
-            </a:endParaRPr>
-          </a:p>
-          <a:p>
-            <a:pPr marL="514350" indent="-514350">
-              <a:lnSpc>
-                <a:spcPct val="150000"/>
-              </a:lnSpc>
-              <a:buFontTx/>
-              <a:buAutoNum type="arabicPeriod"/>
-            </a:pPr>
-            <a:r>
-              <a:rPr lang="fr-FR" sz="2800" dirty="0">
-                <a:solidFill>
-                  <a:schemeClr val="bg1"/>
-                </a:solidFill>
-                <a:ea typeface="Karla" pitchFamily="2" charset="0"/>
-              </a:rPr>
-              <a:t>Conclusion</a:t>
-            </a:r>
-          </a:p>
-        </p:txBody>
-      </p:sp>
-      <p:sp>
-        <p:nvSpPr>
-          <p:cNvPr id="13" name="Ellipse 12">
-            <a:extLst>
-              <a:ext uri="{FF2B5EF4-FFF2-40B4-BE49-F238E27FC236}">
-                <a16:creationId xmlns:a16="http://schemas.microsoft.com/office/drawing/2014/main" id="{55FC0511-2E83-42F9-AF8A-52A4E21F6BF3}"/>
-              </a:ext>
-            </a:extLst>
-          </p:cNvPr>
-          <p:cNvSpPr/>
-          <p:nvPr/>
-        </p:nvSpPr>
-        <p:spPr>
-          <a:xfrm>
-            <a:off x="1905601" y="2510317"/>
-            <a:ext cx="192540" cy="192540"/>
-          </a:xfrm>
-          <a:prstGeom prst="ellipse">
-            <a:avLst/>
-          </a:prstGeom>
-          <a:solidFill>
-            <a:schemeClr val="tx2">
-              <a:lumMod val="75000"/>
-            </a:schemeClr>
-          </a:solidFill>
-          <a:ln w="28575">
-            <a:solidFill>
-              <a:schemeClr val="bg1"/>
-            </a:solidFill>
-          </a:ln>
-        </p:spPr>
-        <p:style>
-          <a:lnRef idx="2">
-            <a:schemeClr val="accent1">
-              <a:shade val="50000"/>
-            </a:schemeClr>
-          </a:lnRef>
-          <a:fillRef idx="1">
-            <a:schemeClr val="accent1"/>
-          </a:fillRef>
-          <a:effectRef idx="0">
-            <a:schemeClr val="accent1"/>
-          </a:effectRef>
-          <a:fontRef idx="minor">
-            <a:schemeClr val="lt1"/>
-          </a:fontRef>
-        </p:style>
-        <p:txBody>
-          <a:bodyPr rtlCol="0" anchor="ctr"/>
-          <a:lstStyle/>
-          <a:p>
-            <a:pPr algn="ctr"/>
-            <a:endParaRPr lang="fr-FR">
-              <a:latin typeface="+mj-lt"/>
-              <a:ea typeface="Karla" pitchFamily="2" charset="0"/>
-            </a:endParaRPr>
-          </a:p>
-        </p:txBody>
-      </p:sp>
-      <p:sp>
-        <p:nvSpPr>
-          <p:cNvPr id="10" name="Ellipse 12">
-            <a:extLst>
-              <a:ext uri="{FF2B5EF4-FFF2-40B4-BE49-F238E27FC236}">
-                <a16:creationId xmlns:a16="http://schemas.microsoft.com/office/drawing/2014/main" id="{23B6ED91-1029-4EC3-B092-884DB94D5D4E}"/>
-              </a:ext>
-            </a:extLst>
-          </p:cNvPr>
-          <p:cNvSpPr/>
-          <p:nvPr/>
-        </p:nvSpPr>
-        <p:spPr>
-          <a:xfrm>
-            <a:off x="1908021" y="3794369"/>
-            <a:ext cx="192540" cy="192540"/>
-          </a:xfrm>
-          <a:prstGeom prst="ellipse">
-            <a:avLst/>
-          </a:prstGeom>
-          <a:solidFill>
-            <a:schemeClr val="tx2">
-              <a:lumMod val="75000"/>
-            </a:schemeClr>
-          </a:solidFill>
-          <a:ln w="28575">
-            <a:solidFill>
-              <a:schemeClr val="bg1"/>
-            </a:solidFill>
-          </a:ln>
-        </p:spPr>
-        <p:style>
-          <a:lnRef idx="2">
-            <a:schemeClr val="accent1">
-              <a:shade val="50000"/>
-            </a:schemeClr>
-          </a:lnRef>
-          <a:fillRef idx="1">
-            <a:schemeClr val="accent1"/>
-          </a:fillRef>
-          <a:effectRef idx="0">
-            <a:schemeClr val="accent1"/>
-          </a:effectRef>
-          <a:fontRef idx="minor">
-            <a:schemeClr val="lt1"/>
-          </a:fontRef>
-        </p:style>
-        <p:txBody>
-          <a:bodyPr rtlCol="0" anchor="ctr"/>
-          <a:lstStyle/>
-          <a:p>
-            <a:pPr algn="ctr"/>
-            <a:endParaRPr lang="fr-FR">
-              <a:latin typeface="+mj-lt"/>
-              <a:ea typeface="Karla" pitchFamily="2" charset="0"/>
-            </a:endParaRPr>
-          </a:p>
-        </p:txBody>
-      </p:sp>
-      <p:sp>
-        <p:nvSpPr>
-          <p:cNvPr id="14" name="Ellipse 7">
-            <a:extLst>
-              <a:ext uri="{FF2B5EF4-FFF2-40B4-BE49-F238E27FC236}">
-                <a16:creationId xmlns:a16="http://schemas.microsoft.com/office/drawing/2014/main" id="{10241E5C-56AA-4019-82EF-BEEAD76E8004}"/>
-              </a:ext>
-            </a:extLst>
-          </p:cNvPr>
-          <p:cNvSpPr/>
-          <p:nvPr/>
-        </p:nvSpPr>
-        <p:spPr>
-          <a:xfrm>
-            <a:off x="1900069" y="4463018"/>
-            <a:ext cx="192540" cy="192540"/>
-          </a:xfrm>
-          <a:prstGeom prst="ellipse">
-            <a:avLst/>
-          </a:prstGeom>
-          <a:solidFill>
-            <a:schemeClr val="tx2">
-              <a:lumMod val="75000"/>
-            </a:schemeClr>
-          </a:solidFill>
-          <a:ln w="28575">
-            <a:solidFill>
-              <a:schemeClr val="bg1"/>
-            </a:solidFill>
-          </a:ln>
-        </p:spPr>
-        <p:style>
-          <a:lnRef idx="2">
-            <a:schemeClr val="accent1">
-              <a:shade val="50000"/>
-            </a:schemeClr>
-          </a:lnRef>
-          <a:fillRef idx="1">
-            <a:schemeClr val="accent1"/>
-          </a:fillRef>
-          <a:effectRef idx="0">
-            <a:schemeClr val="accent1"/>
-          </a:effectRef>
-          <a:fontRef idx="minor">
-            <a:schemeClr val="lt1"/>
-          </a:fontRef>
-        </p:style>
-        <p:txBody>
-          <a:bodyPr rtlCol="0" anchor="ctr"/>
-          <a:lstStyle/>
-          <a:p>
-            <a:pPr algn="ctr"/>
-            <a:endParaRPr lang="fr-FR">
-              <a:latin typeface="+mj-lt"/>
-              <a:ea typeface="Karla" pitchFamily="2" charset="0"/>
-            </a:endParaRPr>
-          </a:p>
-        </p:txBody>
-      </p:sp>
-    </p:spTree>
-    <p:extLst>
-      <p:ext uri="{BB962C8B-B14F-4D97-AF65-F5344CB8AC3E}">
-        <p14:creationId xmlns:p14="http://schemas.microsoft.com/office/powerpoint/2010/main" val="4253760451"/>
-      </p:ext>
-    </p:extLst>
-  </p:cSld>
-  <p:clrMapOvr>
-    <a:masterClrMapping/>
-  </p:clrMapOvr>
-  <mc:AlternateContent xmlns:mc="http://schemas.openxmlformats.org/markup-compatibility/2006" xmlns:p159="http://schemas.microsoft.com/office/powerpoint/2015/09/main">
-    <mc:Choice Requires="p159">
-      <p:transition xmlns:p14="http://schemas.microsoft.com/office/powerpoint/2010/main" spd="slow" p14:dur="2000">
-        <p159:morph option="byObject"/>
-      </p:transition>
-    </mc:Choice>
-    <mc:Fallback xmlns="">
-      <p:transition spd="slow">
-        <p:fade/>
-      </p:transition>
-    </mc:Fallback>
-  </mc:AlternateContent>
-</p:sld>
-</file>
-
-<file path=ppt/slides/slide20.xml><?xml version="1.0" encoding="utf-8"?>
+<file path=ppt/slides/slide18.xml><?xml version="1.0" encoding="utf-8"?>
 <p:sld xmlns:a="http://schemas.openxmlformats.org/drawingml/2006/main" xmlns:r="http://schemas.openxmlformats.org/officeDocument/2006/relationships" xmlns:p="http://schemas.openxmlformats.org/presentationml/2006/main">
   <p:cSld>
     <p:spTree>
@@ -24435,7 +22412,7 @@
 </p:sld>
 </file>
 
-<file path=ppt/slides/slide21.xml><?xml version="1.0" encoding="utf-8"?>
+<file path=ppt/slides/slide19.xml><?xml version="1.0" encoding="utf-8"?>
 <p:sld xmlns:a="http://schemas.openxmlformats.org/drawingml/2006/main" xmlns:r="http://schemas.openxmlformats.org/officeDocument/2006/relationships" xmlns:p="http://schemas.openxmlformats.org/presentationml/2006/main">
   <p:cSld>
     <p:spTree>
@@ -26053,7 +24030,530 @@
 </p:sld>
 </file>
 
-<file path=ppt/slides/slide22.xml><?xml version="1.0" encoding="utf-8"?>
+<file path=ppt/slides/slide2.xml><?xml version="1.0" encoding="utf-8"?>
+<p:sld xmlns:a="http://schemas.openxmlformats.org/drawingml/2006/main" xmlns:r="http://schemas.openxmlformats.org/officeDocument/2006/relationships" xmlns:p="http://schemas.openxmlformats.org/presentationml/2006/main">
+  <p:cSld>
+    <p:spTree>
+      <p:nvGrpSpPr>
+        <p:cNvPr id="1" name=""/>
+        <p:cNvGrpSpPr/>
+        <p:nvPr/>
+      </p:nvGrpSpPr>
+      <p:grpSpPr>
+        <a:xfrm>
+          <a:off x="0" y="0"/>
+          <a:ext cx="0" cy="0"/>
+          <a:chOff x="0" y="0"/>
+          <a:chExt cx="0" cy="0"/>
+        </a:xfrm>
+      </p:grpSpPr>
+      <p:sp>
+        <p:nvSpPr>
+          <p:cNvPr id="27" name="Rectangle 26">
+            <a:extLst>
+              <a:ext uri="{FF2B5EF4-FFF2-40B4-BE49-F238E27FC236}">
+                <a16:creationId xmlns:a16="http://schemas.microsoft.com/office/drawing/2014/main" id="{617A7ADA-07CF-451A-BAC6-277594AE91B7}"/>
+              </a:ext>
+            </a:extLst>
+          </p:cNvPr>
+          <p:cNvSpPr/>
+          <p:nvPr/>
+        </p:nvSpPr>
+        <p:spPr>
+          <a:xfrm>
+            <a:off x="0" y="0"/>
+            <a:ext cx="12191998" cy="6857999"/>
+          </a:xfrm>
+          <a:prstGeom prst="rect">
+            <a:avLst/>
+          </a:prstGeom>
+          <a:solidFill>
+            <a:schemeClr val="tx2">
+              <a:lumMod val="75000"/>
+            </a:schemeClr>
+          </a:solidFill>
+          <a:ln>
+            <a:noFill/>
+          </a:ln>
+        </p:spPr>
+        <p:style>
+          <a:lnRef idx="2">
+            <a:schemeClr val="accent1">
+              <a:shade val="50000"/>
+            </a:schemeClr>
+          </a:lnRef>
+          <a:fillRef idx="1">
+            <a:schemeClr val="accent1"/>
+          </a:fillRef>
+          <a:effectRef idx="0">
+            <a:schemeClr val="accent1"/>
+          </a:effectRef>
+          <a:fontRef idx="minor">
+            <a:schemeClr val="lt1"/>
+          </a:fontRef>
+        </p:style>
+        <p:txBody>
+          <a:bodyPr rtlCol="0" anchor="ctr"/>
+          <a:lstStyle/>
+          <a:p>
+            <a:pPr marL="914400" marR="0" lvl="2" indent="0" algn="ctr" defTabSz="914400" rtl="0" eaLnBrk="1" fontAlgn="auto" latinLnBrk="0" hangingPunct="1">
+              <a:lnSpc>
+                <a:spcPct val="100000"/>
+              </a:lnSpc>
+              <a:spcBef>
+                <a:spcPts val="0"/>
+              </a:spcBef>
+              <a:spcAft>
+                <a:spcPts val="0"/>
+              </a:spcAft>
+              <a:buClrTx/>
+              <a:buSzTx/>
+              <a:buFontTx/>
+              <a:buNone/>
+              <a:tabLst/>
+              <a:defRPr/>
+            </a:pPr>
+            <a:endParaRPr kumimoji="0" lang="fr-FR" sz="1400" b="1" i="0" u="none" strike="noStrike" kern="1200" cap="none" spc="0" normalizeH="0" baseline="0" noProof="0">
+              <a:ln>
+                <a:noFill/>
+              </a:ln>
+              <a:solidFill>
+                <a:srgbClr val="525252"/>
+              </a:solidFill>
+              <a:effectLst/>
+              <a:uLnTx/>
+              <a:uFillTx/>
+              <a:latin typeface="+mj-lt"/>
+              <a:ea typeface="Karla" pitchFamily="2" charset="0"/>
+            </a:endParaRPr>
+          </a:p>
+        </p:txBody>
+      </p:sp>
+      <p:sp>
+        <p:nvSpPr>
+          <p:cNvPr id="3" name="Espace réservé de la date 2">
+            <a:extLst>
+              <a:ext uri="{FF2B5EF4-FFF2-40B4-BE49-F238E27FC236}">
+                <a16:creationId xmlns:a16="http://schemas.microsoft.com/office/drawing/2014/main" id="{DE9241D6-AE8E-43B4-BB97-0B368873E0F7}"/>
+              </a:ext>
+            </a:extLst>
+          </p:cNvPr>
+          <p:cNvSpPr>
+            <a:spLocks noGrp="1"/>
+          </p:cNvSpPr>
+          <p:nvPr>
+            <p:ph type="dt" sz="half" idx="10"/>
+          </p:nvPr>
+        </p:nvSpPr>
+        <p:spPr/>
+        <p:txBody>
+          <a:bodyPr/>
+          <a:lstStyle/>
+          <a:p>
+            <a:r>
+              <a:rPr lang="fr-FR">
+                <a:ea typeface="Karla" pitchFamily="2" charset="0"/>
+              </a:rPr>
+              <a:t> </a:t>
+            </a:r>
+          </a:p>
+        </p:txBody>
+      </p:sp>
+      <p:cxnSp>
+        <p:nvCxnSpPr>
+          <p:cNvPr id="11" name="Connecteur droit 10">
+            <a:extLst>
+              <a:ext uri="{FF2B5EF4-FFF2-40B4-BE49-F238E27FC236}">
+                <a16:creationId xmlns:a16="http://schemas.microsoft.com/office/drawing/2014/main" id="{987BF4BF-9CBA-4F21-8F56-5E002575FFB1}"/>
+              </a:ext>
+            </a:extLst>
+          </p:cNvPr>
+          <p:cNvCxnSpPr/>
+          <p:nvPr/>
+        </p:nvCxnSpPr>
+        <p:spPr>
+          <a:xfrm>
+            <a:off x="2004291" y="0"/>
+            <a:ext cx="0" cy="6858000"/>
+          </a:xfrm>
+          <a:prstGeom prst="line">
+            <a:avLst/>
+          </a:prstGeom>
+          <a:ln w="28575">
+            <a:solidFill>
+              <a:schemeClr val="bg1"/>
+            </a:solidFill>
+          </a:ln>
+        </p:spPr>
+        <p:style>
+          <a:lnRef idx="1">
+            <a:schemeClr val="accent1"/>
+          </a:lnRef>
+          <a:fillRef idx="0">
+            <a:schemeClr val="accent1"/>
+          </a:fillRef>
+          <a:effectRef idx="0">
+            <a:schemeClr val="accent1"/>
+          </a:effectRef>
+          <a:fontRef idx="minor">
+            <a:schemeClr val="tx1"/>
+          </a:fontRef>
+        </p:style>
+      </p:cxnSp>
+      <p:sp>
+        <p:nvSpPr>
+          <p:cNvPr id="15" name="Ellipse 14">
+            <a:extLst>
+              <a:ext uri="{FF2B5EF4-FFF2-40B4-BE49-F238E27FC236}">
+                <a16:creationId xmlns:a16="http://schemas.microsoft.com/office/drawing/2014/main" id="{94ECA506-A143-492E-A322-B6CF7D28D0F6}"/>
+              </a:ext>
+            </a:extLst>
+          </p:cNvPr>
+          <p:cNvSpPr/>
+          <p:nvPr/>
+        </p:nvSpPr>
+        <p:spPr>
+          <a:xfrm>
+            <a:off x="1811751" y="1581347"/>
+            <a:ext cx="364337" cy="364337"/>
+          </a:xfrm>
+          <a:prstGeom prst="ellipse">
+            <a:avLst/>
+          </a:prstGeom>
+          <a:solidFill>
+            <a:schemeClr val="tx2">
+              <a:lumMod val="75000"/>
+            </a:schemeClr>
+          </a:solidFill>
+          <a:ln w="28575">
+            <a:solidFill>
+              <a:schemeClr val="bg1"/>
+            </a:solidFill>
+          </a:ln>
+        </p:spPr>
+        <p:style>
+          <a:lnRef idx="2">
+            <a:schemeClr val="accent1">
+              <a:shade val="50000"/>
+            </a:schemeClr>
+          </a:lnRef>
+          <a:fillRef idx="1">
+            <a:schemeClr val="accent1"/>
+          </a:fillRef>
+          <a:effectRef idx="0">
+            <a:schemeClr val="accent1"/>
+          </a:effectRef>
+          <a:fontRef idx="minor">
+            <a:schemeClr val="lt1"/>
+          </a:fontRef>
+        </p:style>
+        <p:txBody>
+          <a:bodyPr rtlCol="0" anchor="ctr"/>
+          <a:lstStyle/>
+          <a:p>
+            <a:pPr algn="ctr"/>
+            <a:endParaRPr lang="fr-FR">
+              <a:latin typeface="+mj-lt"/>
+              <a:ea typeface="Karla" pitchFamily="2" charset="0"/>
+            </a:endParaRPr>
+          </a:p>
+        </p:txBody>
+      </p:sp>
+      <p:sp>
+        <p:nvSpPr>
+          <p:cNvPr id="22" name="ZoneTexte 21">
+            <a:extLst>
+              <a:ext uri="{FF2B5EF4-FFF2-40B4-BE49-F238E27FC236}">
+                <a16:creationId xmlns:a16="http://schemas.microsoft.com/office/drawing/2014/main" id="{3D173455-883E-41D3-8952-08965149EE84}"/>
+              </a:ext>
+            </a:extLst>
+          </p:cNvPr>
+          <p:cNvSpPr txBox="1"/>
+          <p:nvPr/>
+        </p:nvSpPr>
+        <p:spPr bwMode="auto">
+          <a:xfrm>
+            <a:off x="2368628" y="1095155"/>
+            <a:ext cx="10015910" cy="2333844"/>
+          </a:xfrm>
+          <a:prstGeom prst="rect">
+            <a:avLst/>
+          </a:prstGeom>
+          <a:noFill/>
+          <a:ln>
+            <a:noFill/>
+          </a:ln>
+          <a:extLst>
+            <a:ext uri="{909E8E84-426E-40DD-AFC4-6F175D3DCCD1}">
+              <a14:hiddenFill xmlns:a14="http://schemas.microsoft.com/office/drawing/2010/main">
+                <a:solidFill>
+                  <a:srgbClr val="FFFFFF"/>
+                </a:solidFill>
+              </a14:hiddenFill>
+            </a:ext>
+            <a:ext uri="{91240B29-F687-4F45-9708-019B960494DF}">
+              <a14:hiddenLine xmlns:a14="http://schemas.microsoft.com/office/drawing/2010/main" w="9525">
+                <a:solidFill>
+                  <a:srgbClr val="000000"/>
+                </a:solidFill>
+                <a:miter lim="800000"/>
+                <a:headEnd/>
+                <a:tailEnd/>
+              </a14:hiddenLine>
+            </a:ext>
+          </a:extLst>
+        </p:spPr>
+        <p:txBody>
+          <a:bodyPr wrap="square" lIns="0" tIns="0" rIns="0" bIns="0" rtlCol="0" anchor="b">
+            <a:spAutoFit/>
+          </a:bodyPr>
+          <a:lstStyle/>
+          <a:p>
+            <a:pPr marL="514350" indent="-514350" eaLnBrk="1" hangingPunct="1">
+              <a:lnSpc>
+                <a:spcPct val="150000"/>
+              </a:lnSpc>
+              <a:buAutoNum type="arabicPeriod"/>
+            </a:pPr>
+            <a:r>
+              <a:rPr lang="fr-FR" sz="4800" b="1" dirty="0">
+                <a:solidFill>
+                  <a:schemeClr val="bg1"/>
+                </a:solidFill>
+                <a:latin typeface="+mj-lt"/>
+                <a:ea typeface="Karla" pitchFamily="2" charset="0"/>
+              </a:rPr>
+              <a:t>How to set </a:t>
+            </a:r>
+            <a:r>
+              <a:rPr lang="fr-FR" sz="4800" b="1" dirty="0" err="1">
+                <a:solidFill>
+                  <a:schemeClr val="bg1"/>
+                </a:solidFill>
+                <a:latin typeface="+mj-lt"/>
+                <a:ea typeface="Karla" pitchFamily="2" charset="0"/>
+              </a:rPr>
+              <a:t>it</a:t>
+            </a:r>
+            <a:r>
+              <a:rPr lang="fr-FR" sz="4800" b="1" dirty="0">
+                <a:solidFill>
+                  <a:schemeClr val="bg1"/>
+                </a:solidFill>
+                <a:latin typeface="+mj-lt"/>
+                <a:ea typeface="Karla" pitchFamily="2" charset="0"/>
+              </a:rPr>
+              <a:t> up </a:t>
+            </a:r>
+            <a:r>
+              <a:rPr lang="fr-FR" sz="4800" b="1" dirty="0" err="1">
+                <a:solidFill>
+                  <a:schemeClr val="bg1"/>
+                </a:solidFill>
+                <a:latin typeface="+mj-lt"/>
+                <a:ea typeface="Karla" pitchFamily="2" charset="0"/>
+              </a:rPr>
+              <a:t>React</a:t>
+            </a:r>
+            <a:r>
+              <a:rPr lang="fr-FR" sz="4800" b="1" dirty="0">
+                <a:solidFill>
+                  <a:schemeClr val="bg1"/>
+                </a:solidFill>
+                <a:latin typeface="+mj-lt"/>
+                <a:ea typeface="Karla" pitchFamily="2" charset="0"/>
+              </a:rPr>
+              <a:t> OIDC</a:t>
+            </a:r>
+          </a:p>
+          <a:p>
+            <a:pPr marL="514350" indent="-514350">
+              <a:lnSpc>
+                <a:spcPct val="150000"/>
+              </a:lnSpc>
+              <a:buFontTx/>
+              <a:buAutoNum type="arabicPeriod"/>
+            </a:pPr>
+            <a:r>
+              <a:rPr lang="en-US" sz="2800" dirty="0">
+                <a:solidFill>
+                  <a:schemeClr val="bg1"/>
+                </a:solidFill>
+                <a:ea typeface="Karla" pitchFamily="2" charset="0"/>
+              </a:rPr>
+              <a:t>"Level up" with OpenID Connect</a:t>
+            </a:r>
+            <a:endParaRPr lang="fr-FR" sz="2800" dirty="0">
+              <a:solidFill>
+                <a:schemeClr val="bg1"/>
+              </a:solidFill>
+              <a:ea typeface="Karla" pitchFamily="2" charset="0"/>
+            </a:endParaRPr>
+          </a:p>
+          <a:p>
+            <a:pPr marL="514350" indent="-514350">
+              <a:lnSpc>
+                <a:spcPct val="150000"/>
+              </a:lnSpc>
+              <a:buFontTx/>
+              <a:buAutoNum type="arabicPeriod"/>
+            </a:pPr>
+            <a:r>
+              <a:rPr lang="fr-FR" sz="2800" dirty="0">
+                <a:solidFill>
+                  <a:schemeClr val="bg1"/>
+                </a:solidFill>
+                <a:ea typeface="Karla" pitchFamily="2" charset="0"/>
+              </a:rPr>
+              <a:t>Conclusion</a:t>
+            </a:r>
+          </a:p>
+        </p:txBody>
+      </p:sp>
+      <p:sp>
+        <p:nvSpPr>
+          <p:cNvPr id="13" name="Ellipse 12">
+            <a:extLst>
+              <a:ext uri="{FF2B5EF4-FFF2-40B4-BE49-F238E27FC236}">
+                <a16:creationId xmlns:a16="http://schemas.microsoft.com/office/drawing/2014/main" id="{55FC0511-2E83-42F9-AF8A-52A4E21F6BF3}"/>
+              </a:ext>
+            </a:extLst>
+          </p:cNvPr>
+          <p:cNvSpPr/>
+          <p:nvPr/>
+        </p:nvSpPr>
+        <p:spPr>
+          <a:xfrm>
+            <a:off x="1905601" y="2481289"/>
+            <a:ext cx="192540" cy="192540"/>
+          </a:xfrm>
+          <a:prstGeom prst="ellipse">
+            <a:avLst/>
+          </a:prstGeom>
+          <a:solidFill>
+            <a:schemeClr val="tx2">
+              <a:lumMod val="75000"/>
+            </a:schemeClr>
+          </a:solidFill>
+          <a:ln w="28575">
+            <a:solidFill>
+              <a:schemeClr val="bg1"/>
+            </a:solidFill>
+          </a:ln>
+        </p:spPr>
+        <p:style>
+          <a:lnRef idx="2">
+            <a:schemeClr val="accent1">
+              <a:shade val="50000"/>
+            </a:schemeClr>
+          </a:lnRef>
+          <a:fillRef idx="1">
+            <a:schemeClr val="accent1"/>
+          </a:fillRef>
+          <a:effectRef idx="0">
+            <a:schemeClr val="accent1"/>
+          </a:effectRef>
+          <a:fontRef idx="minor">
+            <a:schemeClr val="lt1"/>
+          </a:fontRef>
+        </p:style>
+        <p:txBody>
+          <a:bodyPr rtlCol="0" anchor="ctr"/>
+          <a:lstStyle/>
+          <a:p>
+            <a:pPr algn="ctr"/>
+            <a:endParaRPr lang="fr-FR">
+              <a:latin typeface="+mj-lt"/>
+              <a:ea typeface="Karla" pitchFamily="2" charset="0"/>
+            </a:endParaRPr>
+          </a:p>
+        </p:txBody>
+      </p:sp>
+      <p:sp>
+        <p:nvSpPr>
+          <p:cNvPr id="10" name="Ellipse 12">
+            <a:extLst>
+              <a:ext uri="{FF2B5EF4-FFF2-40B4-BE49-F238E27FC236}">
+                <a16:creationId xmlns:a16="http://schemas.microsoft.com/office/drawing/2014/main" id="{23B6ED91-1029-4EC3-B092-884DB94D5D4E}"/>
+              </a:ext>
+            </a:extLst>
+          </p:cNvPr>
+          <p:cNvSpPr/>
+          <p:nvPr/>
+        </p:nvSpPr>
+        <p:spPr>
+          <a:xfrm>
+            <a:off x="1908021" y="3141225"/>
+            <a:ext cx="192540" cy="192540"/>
+          </a:xfrm>
+          <a:prstGeom prst="ellipse">
+            <a:avLst/>
+          </a:prstGeom>
+          <a:solidFill>
+            <a:schemeClr val="tx2">
+              <a:lumMod val="75000"/>
+            </a:schemeClr>
+          </a:solidFill>
+          <a:ln w="28575">
+            <a:solidFill>
+              <a:schemeClr val="bg1"/>
+            </a:solidFill>
+          </a:ln>
+        </p:spPr>
+        <p:style>
+          <a:lnRef idx="2">
+            <a:schemeClr val="accent1">
+              <a:shade val="50000"/>
+            </a:schemeClr>
+          </a:lnRef>
+          <a:fillRef idx="1">
+            <a:schemeClr val="accent1"/>
+          </a:fillRef>
+          <a:effectRef idx="0">
+            <a:schemeClr val="accent1"/>
+          </a:effectRef>
+          <a:fontRef idx="minor">
+            <a:schemeClr val="lt1"/>
+          </a:fontRef>
+        </p:style>
+        <p:txBody>
+          <a:bodyPr rtlCol="0" anchor="ctr"/>
+          <a:lstStyle/>
+          <a:p>
+            <a:pPr algn="ctr"/>
+            <a:endParaRPr lang="fr-FR">
+              <a:latin typeface="+mj-lt"/>
+              <a:ea typeface="Karla" pitchFamily="2" charset="0"/>
+            </a:endParaRPr>
+          </a:p>
+        </p:txBody>
+      </p:sp>
+    </p:spTree>
+    <p:extLst>
+      <p:ext uri="{BB962C8B-B14F-4D97-AF65-F5344CB8AC3E}">
+        <p14:creationId xmlns:p14="http://schemas.microsoft.com/office/powerpoint/2010/main" val="4253760451"/>
+      </p:ext>
+    </p:extLst>
+  </p:cSld>
+  <p:clrMapOvr>
+    <a:masterClrMapping/>
+  </p:clrMapOvr>
+  <mc:AlternateContent xmlns:mc="http://schemas.openxmlformats.org/markup-compatibility/2006" xmlns:p159="http://schemas.microsoft.com/office/powerpoint/2015/09/main">
+    <mc:Choice Requires="p159">
+      <p:transition xmlns:p14="http://schemas.microsoft.com/office/powerpoint/2010/main" spd="slow" p14:dur="2000">
+        <p159:morph option="byObject"/>
+      </p:transition>
+    </mc:Choice>
+    <mc:Fallback xmlns="">
+      <p:transition spd="slow">
+        <p:fade/>
+      </p:transition>
+    </mc:Fallback>
+  </mc:AlternateContent>
+</p:sld>
+</file>
+
+<file path=ppt/slides/slide20.xml><?xml version="1.0" encoding="utf-8"?>
 <p:sld xmlns:a="http://schemas.openxmlformats.org/drawingml/2006/main" xmlns:r="http://schemas.openxmlformats.org/officeDocument/2006/relationships" xmlns:p="http://schemas.openxmlformats.org/presentationml/2006/main">
   <p:cSld>
     <p:spTree>
@@ -27792,7 +26292,7 @@
 </p:sld>
 </file>
 
-<file path=ppt/slides/slide23.xml><?xml version="1.0" encoding="utf-8"?>
+<file path=ppt/slides/slide21.xml><?xml version="1.0" encoding="utf-8"?>
 <p:sld xmlns:a="http://schemas.openxmlformats.org/drawingml/2006/main" xmlns:r="http://schemas.openxmlformats.org/officeDocument/2006/relationships" xmlns:p="http://schemas.openxmlformats.org/presentationml/2006/main">
   <p:cSld>
     <p:spTree>
@@ -29573,7 +28073,7 @@
 </p:sld>
 </file>
 
-<file path=ppt/slides/slide24.xml><?xml version="1.0" encoding="utf-8"?>
+<file path=ppt/slides/slide22.xml><?xml version="1.0" encoding="utf-8"?>
 <p:sld xmlns:a="http://schemas.openxmlformats.org/drawingml/2006/main" xmlns:r="http://schemas.openxmlformats.org/officeDocument/2006/relationships" xmlns:p="http://schemas.openxmlformats.org/presentationml/2006/main">
   <p:cSld>
     <p:spTree>
@@ -31175,7 +29675,7 @@
 </p:sld>
 </file>
 
-<file path=ppt/slides/slide25.xml><?xml version="1.0" encoding="utf-8"?>
+<file path=ppt/slides/slide23.xml><?xml version="1.0" encoding="utf-8"?>
 <p:sld xmlns:a="http://schemas.openxmlformats.org/drawingml/2006/main" xmlns:r="http://schemas.openxmlformats.org/officeDocument/2006/relationships" xmlns:p="http://schemas.openxmlformats.org/presentationml/2006/main">
   <p:cSld>
     <p:spTree>
@@ -32560,7 +31060,7 @@
 </p:sld>
 </file>
 
-<file path=ppt/slides/slide26.xml><?xml version="1.0" encoding="utf-8"?>
+<file path=ppt/slides/slide24.xml><?xml version="1.0" encoding="utf-8"?>
 <p:sld xmlns:a="http://schemas.openxmlformats.org/drawingml/2006/main" xmlns:r="http://schemas.openxmlformats.org/officeDocument/2006/relationships" xmlns:p="http://schemas.openxmlformats.org/presentationml/2006/main">
   <p:cSld>
     <p:spTree>
@@ -33883,7 +32383,7 @@
 </p:sld>
 </file>
 
-<file path=ppt/slides/slide27.xml><?xml version="1.0" encoding="utf-8"?>
+<file path=ppt/slides/slide25.xml><?xml version="1.0" encoding="utf-8"?>
 <p:sld xmlns:a="http://schemas.openxmlformats.org/drawingml/2006/main" xmlns:r="http://schemas.openxmlformats.org/officeDocument/2006/relationships" xmlns:p="http://schemas.openxmlformats.org/presentationml/2006/main">
   <p:cSld>
     <p:spTree>
@@ -33973,7 +32473,7 @@
           <a:p>
             <a:fld id="{B79E4878-4BCB-449E-94CF-AE2A0F6BB533}" type="slidenum">
               <a:rPr lang="fr-FR" smtClean="0"/>
-              <a:t>27</a:t>
+              <a:t>25</a:t>
             </a:fld>
             <a:endParaRPr lang="fr-FR" dirty="0"/>
           </a:p>
@@ -35463,7 +33963,7 @@
         </p:nvSpPr>
         <p:spPr>
           <a:xfrm>
-            <a:off x="1811751" y="2030645"/>
+            <a:off x="1832895" y="2253346"/>
             <a:ext cx="364337" cy="364337"/>
           </a:xfrm>
           <a:prstGeom prst="ellipse">
@@ -35522,8 +34022,8 @@
         </p:nvSpPr>
         <p:spPr bwMode="auto">
           <a:xfrm>
-            <a:off x="2352985" y="1031004"/>
-            <a:ext cx="10015910" cy="3718839"/>
+            <a:off x="2368628" y="1126079"/>
+            <a:ext cx="10015910" cy="2333844"/>
           </a:xfrm>
           <a:prstGeom prst="rect">
             <a:avLst/>
@@ -35606,23 +34106,6 @@
             </a:r>
           </a:p>
           <a:p>
-            <a:pPr marL="514350" indent="-514350" eaLnBrk="1" hangingPunct="1">
-              <a:lnSpc>
-                <a:spcPct val="150000"/>
-              </a:lnSpc>
-              <a:buAutoNum type="arabicPeriod"/>
-            </a:pPr>
-            <a:r>
-              <a:rPr lang="en-US" sz="4000" b="1" dirty="0">
-                <a:solidFill>
-                  <a:schemeClr val="bg1"/>
-                </a:solidFill>
-                <a:latin typeface="+mj-lt"/>
-              </a:rPr>
-              <a:t>Understanding the concepts of identification, authorization and authentication</a:t>
-            </a:r>
-          </a:p>
-          <a:p>
             <a:pPr marL="514350" indent="-514350">
               <a:lnSpc>
                 <a:spcPct val="150000"/>
@@ -35631,19 +34114,19 @@
               <a:buAutoNum type="arabicPeriod"/>
             </a:pPr>
             <a:r>
-              <a:rPr lang="en-US" sz="2800" dirty="0">
+              <a:rPr lang="en-US" sz="4800" b="1" dirty="0">
                 <a:solidFill>
                   <a:schemeClr val="bg1"/>
                 </a:solidFill>
-                <a:ea typeface="Karla" pitchFamily="2" charset="0"/>
+                <a:latin typeface="+mj-lt"/>
               </a:rPr>
               <a:t>"Level up" with OpenID Connect</a:t>
             </a:r>
-            <a:endParaRPr lang="fr-FR" sz="2800" dirty="0">
+            <a:endParaRPr lang="fr-FR" sz="4800" b="1" dirty="0">
               <a:solidFill>
                 <a:schemeClr val="bg1"/>
               </a:solidFill>
-              <a:ea typeface="Karla" pitchFamily="2" charset="0"/>
+              <a:latin typeface="+mj-lt"/>
             </a:endParaRPr>
           </a:p>
           <a:p>
@@ -35680,7 +34163,7 @@
         </p:nvSpPr>
         <p:spPr>
           <a:xfrm>
-            <a:off x="1914997" y="1344073"/>
+            <a:off x="1918794" y="3162365"/>
             <a:ext cx="192540" cy="192540"/>
           </a:xfrm>
           <a:prstGeom prst="ellipse">
@@ -35727,10 +34210,10 @@
       </p:sp>
       <p:sp>
         <p:nvSpPr>
-          <p:cNvPr id="10" name="Ellipse 12">
+          <p:cNvPr id="14" name="Ellipse 7">
             <a:extLst>
               <a:ext uri="{FF2B5EF4-FFF2-40B4-BE49-F238E27FC236}">
-                <a16:creationId xmlns:a16="http://schemas.microsoft.com/office/drawing/2014/main" id="{23B6ED91-1029-4EC3-B092-884DB94D5D4E}"/>
+                <a16:creationId xmlns:a16="http://schemas.microsoft.com/office/drawing/2014/main" id="{10241E5C-56AA-4019-82EF-BEEAD76E8004}"/>
               </a:ext>
             </a:extLst>
           </p:cNvPr>
@@ -35739,7 +34222,7 @@
         </p:nvSpPr>
         <p:spPr>
           <a:xfrm>
-            <a:off x="1908021" y="3794369"/>
+            <a:off x="1913206" y="1421814"/>
             <a:ext cx="192540" cy="192540"/>
           </a:xfrm>
           <a:prstGeom prst="ellipse">
@@ -35784,69 +34267,10 @@
           </a:p>
         </p:txBody>
       </p:sp>
-      <p:sp>
-        <p:nvSpPr>
-          <p:cNvPr id="14" name="Ellipse 7">
-            <a:extLst>
-              <a:ext uri="{FF2B5EF4-FFF2-40B4-BE49-F238E27FC236}">
-                <a16:creationId xmlns:a16="http://schemas.microsoft.com/office/drawing/2014/main" id="{10241E5C-56AA-4019-82EF-BEEAD76E8004}"/>
-              </a:ext>
-            </a:extLst>
-          </p:cNvPr>
-          <p:cNvSpPr/>
-          <p:nvPr/>
-        </p:nvSpPr>
-        <p:spPr>
-          <a:xfrm>
-            <a:off x="1900069" y="4463018"/>
-            <a:ext cx="192540" cy="192540"/>
-          </a:xfrm>
-          <a:prstGeom prst="ellipse">
-            <a:avLst/>
-          </a:prstGeom>
-          <a:solidFill>
-            <a:schemeClr val="tx2">
-              <a:lumMod val="75000"/>
-            </a:schemeClr>
-          </a:solidFill>
-          <a:ln w="28575">
-            <a:solidFill>
-              <a:schemeClr val="bg1"/>
-            </a:solidFill>
-          </a:ln>
-        </p:spPr>
-        <p:style>
-          <a:lnRef idx="2">
-            <a:schemeClr val="accent1">
-              <a:shade val="50000"/>
-            </a:schemeClr>
-          </a:lnRef>
-          <a:fillRef idx="1">
-            <a:schemeClr val="accent1"/>
-          </a:fillRef>
-          <a:effectRef idx="0">
-            <a:schemeClr val="accent1"/>
-          </a:effectRef>
-          <a:fontRef idx="minor">
-            <a:schemeClr val="lt1"/>
-          </a:fontRef>
-        </p:style>
-        <p:txBody>
-          <a:bodyPr rtlCol="0" anchor="ctr"/>
-          <a:lstStyle/>
-          <a:p>
-            <a:pPr algn="ctr"/>
-            <a:endParaRPr lang="fr-FR">
-              <a:latin typeface="+mj-lt"/>
-              <a:ea typeface="Karla" pitchFamily="2" charset="0"/>
-            </a:endParaRPr>
-          </a:p>
-        </p:txBody>
-      </p:sp>
     </p:spTree>
     <p:extLst>
       <p:ext uri="{BB962C8B-B14F-4D97-AF65-F5344CB8AC3E}">
-        <p14:creationId xmlns:p14="http://schemas.microsoft.com/office/powerpoint/2010/main" val="756620346"/>
+        <p14:creationId xmlns:p14="http://schemas.microsoft.com/office/powerpoint/2010/main" val="4260452381"/>
       </p:ext>
     </p:extLst>
   </p:cSld>
@@ -36084,771 +34508,6 @@
       </p:grpSpPr>
       <p:sp>
         <p:nvSpPr>
-          <p:cNvPr id="3" name="Espace réservé du contenu 2"/>
-          <p:cNvSpPr>
-            <a:spLocks noGrp="1"/>
-          </p:cNvSpPr>
-          <p:nvPr>
-            <p:ph idx="1"/>
-          </p:nvPr>
-        </p:nvSpPr>
-        <p:spPr>
-          <a:xfrm>
-            <a:off x="838200" y="1343025"/>
-            <a:ext cx="10515600" cy="5257800"/>
-          </a:xfrm>
-        </p:spPr>
-        <p:txBody>
-          <a:bodyPr>
-            <a:normAutofit/>
-          </a:bodyPr>
-          <a:lstStyle/>
-          <a:p>
-            <a:pPr marL="0" indent="0">
-              <a:buNone/>
-            </a:pPr>
-            <a:r>
-              <a:rPr lang="fr-FR" sz="4000" b="1" dirty="0" err="1"/>
-              <a:t>Authentication</a:t>
-            </a:r>
-            <a:endParaRPr lang="fr-FR" sz="4000" b="1" dirty="0"/>
-          </a:p>
-          <a:p>
-            <a:pPr marL="0" indent="0">
-              <a:buNone/>
-            </a:pPr>
-            <a:r>
-              <a:rPr lang="en-US" dirty="0">
-                <a:solidFill>
-                  <a:schemeClr val="accent1">
-                    <a:lumMod val="75000"/>
-                  </a:schemeClr>
-                </a:solidFill>
-              </a:rPr>
-              <a:t>Response CODE </a:t>
-            </a:r>
-            <a:r>
-              <a:rPr lang="en-US" b="1" dirty="0">
-                <a:solidFill>
-                  <a:srgbClr val="00B050"/>
-                </a:solidFill>
-              </a:rPr>
-              <a:t>HTTP 401</a:t>
-            </a:r>
-            <a:r>
-              <a:rPr lang="en-US" dirty="0">
-                <a:solidFill>
-                  <a:schemeClr val="accent1">
-                    <a:lumMod val="75000"/>
-                  </a:schemeClr>
-                </a:solidFill>
-              </a:rPr>
-              <a:t>, if I am not authenticated and is trying to access a private resource</a:t>
-            </a:r>
-          </a:p>
-          <a:p>
-            <a:pPr marL="0" indent="0">
-              <a:buNone/>
-            </a:pPr>
-            <a:endParaRPr lang="fr-FR" dirty="0"/>
-          </a:p>
-          <a:p>
-            <a:pPr marL="0" indent="0">
-              <a:buNone/>
-            </a:pPr>
-            <a:r>
-              <a:rPr lang="fr-FR" sz="4000" b="1" dirty="0" err="1"/>
-              <a:t>Autorization</a:t>
-            </a:r>
-            <a:endParaRPr lang="fr-FR" sz="4000" b="1" dirty="0"/>
-          </a:p>
-          <a:p>
-            <a:pPr marL="0" indent="0">
-              <a:buNone/>
-            </a:pPr>
-            <a:r>
-              <a:rPr lang="en-US" dirty="0">
-                <a:solidFill>
-                  <a:schemeClr val="accent1">
-                    <a:lumMod val="75000"/>
-                  </a:schemeClr>
-                </a:solidFill>
-              </a:rPr>
-              <a:t>Answer CODE </a:t>
-            </a:r>
-            <a:r>
-              <a:rPr lang="en-US" b="1" dirty="0">
-                <a:solidFill>
-                  <a:srgbClr val="00B050"/>
-                </a:solidFill>
-              </a:rPr>
-              <a:t>HTTP 403</a:t>
-            </a:r>
-            <a:r>
-              <a:rPr lang="en-US" dirty="0">
-                <a:solidFill>
-                  <a:schemeClr val="accent1">
-                    <a:lumMod val="75000"/>
-                  </a:schemeClr>
-                </a:solidFill>
-              </a:rPr>
-              <a:t>, I am authenticated but I have no right to access the resource</a:t>
-            </a:r>
-            <a:endParaRPr lang="fr-FR" dirty="0">
-              <a:solidFill>
-                <a:schemeClr val="accent1">
-                  <a:lumMod val="75000"/>
-                </a:schemeClr>
-              </a:solidFill>
-            </a:endParaRPr>
-          </a:p>
-        </p:txBody>
-      </p:sp>
-      <p:sp>
-        <p:nvSpPr>
-          <p:cNvPr id="6" name="Titre 5">
-            <a:extLst>
-              <a:ext uri="{FF2B5EF4-FFF2-40B4-BE49-F238E27FC236}">
-                <a16:creationId xmlns:a16="http://schemas.microsoft.com/office/drawing/2014/main" id="{32BC2D0C-5C67-4DEE-8A67-867B5103EE85}"/>
-              </a:ext>
-            </a:extLst>
-          </p:cNvPr>
-          <p:cNvSpPr>
-            <a:spLocks noGrp="1"/>
-          </p:cNvSpPr>
-          <p:nvPr>
-            <p:ph type="title"/>
-          </p:nvPr>
-        </p:nvSpPr>
-        <p:spPr/>
-        <p:txBody>
-          <a:bodyPr/>
-          <a:lstStyle/>
-          <a:p>
-            <a:endParaRPr lang="fr-FR"/>
-          </a:p>
-        </p:txBody>
-      </p:sp>
-    </p:spTree>
-    <p:extLst>
-      <p:ext uri="{BB962C8B-B14F-4D97-AF65-F5344CB8AC3E}">
-        <p14:creationId xmlns:p14="http://schemas.microsoft.com/office/powerpoint/2010/main" val="4257013344"/>
-      </p:ext>
-    </p:extLst>
-  </p:cSld>
-  <p:clrMapOvr>
-    <a:masterClrMapping/>
-  </p:clrMapOvr>
-</p:sld>
-</file>
-
-<file path=ppt/slides/slide7.xml><?xml version="1.0" encoding="utf-8"?>
-<p:sld xmlns:a="http://schemas.openxmlformats.org/drawingml/2006/main" xmlns:r="http://schemas.openxmlformats.org/officeDocument/2006/relationships" xmlns:p="http://schemas.openxmlformats.org/presentationml/2006/main">
-  <p:cSld>
-    <p:spTree>
-      <p:nvGrpSpPr>
-        <p:cNvPr id="1" name=""/>
-        <p:cNvGrpSpPr/>
-        <p:nvPr/>
-      </p:nvGrpSpPr>
-      <p:grpSpPr>
-        <a:xfrm>
-          <a:off x="0" y="0"/>
-          <a:ext cx="0" cy="0"/>
-          <a:chOff x="0" y="0"/>
-          <a:chExt cx="0" cy="0"/>
-        </a:xfrm>
-      </p:grpSpPr>
-      <p:sp>
-        <p:nvSpPr>
-          <p:cNvPr id="27" name="Rectangle 26">
-            <a:extLst>
-              <a:ext uri="{FF2B5EF4-FFF2-40B4-BE49-F238E27FC236}">
-                <a16:creationId xmlns:a16="http://schemas.microsoft.com/office/drawing/2014/main" id="{617A7ADA-07CF-451A-BAC6-277594AE91B7}"/>
-              </a:ext>
-            </a:extLst>
-          </p:cNvPr>
-          <p:cNvSpPr/>
-          <p:nvPr/>
-        </p:nvSpPr>
-        <p:spPr>
-          <a:xfrm>
-            <a:off x="0" y="0"/>
-            <a:ext cx="12191998" cy="6857999"/>
-          </a:xfrm>
-          <a:prstGeom prst="rect">
-            <a:avLst/>
-          </a:prstGeom>
-          <a:solidFill>
-            <a:schemeClr val="tx2">
-              <a:lumMod val="75000"/>
-            </a:schemeClr>
-          </a:solidFill>
-          <a:ln>
-            <a:noFill/>
-          </a:ln>
-        </p:spPr>
-        <p:style>
-          <a:lnRef idx="2">
-            <a:schemeClr val="accent1">
-              <a:shade val="50000"/>
-            </a:schemeClr>
-          </a:lnRef>
-          <a:fillRef idx="1">
-            <a:schemeClr val="accent1"/>
-          </a:fillRef>
-          <a:effectRef idx="0">
-            <a:schemeClr val="accent1"/>
-          </a:effectRef>
-          <a:fontRef idx="minor">
-            <a:schemeClr val="lt1"/>
-          </a:fontRef>
-        </p:style>
-        <p:txBody>
-          <a:bodyPr rtlCol="0" anchor="ctr"/>
-          <a:lstStyle/>
-          <a:p>
-            <a:pPr marL="914400" marR="0" lvl="2" indent="0" algn="ctr" defTabSz="914400" rtl="0" eaLnBrk="1" fontAlgn="auto" latinLnBrk="0" hangingPunct="1">
-              <a:lnSpc>
-                <a:spcPct val="100000"/>
-              </a:lnSpc>
-              <a:spcBef>
-                <a:spcPts val="0"/>
-              </a:spcBef>
-              <a:spcAft>
-                <a:spcPts val="0"/>
-              </a:spcAft>
-              <a:buClrTx/>
-              <a:buSzTx/>
-              <a:buFontTx/>
-              <a:buNone/>
-              <a:tabLst/>
-              <a:defRPr/>
-            </a:pPr>
-            <a:endParaRPr kumimoji="0" lang="fr-FR" sz="1400" b="1" i="0" u="none" strike="noStrike" kern="1200" cap="none" spc="0" normalizeH="0" baseline="0" noProof="0">
-              <a:ln>
-                <a:noFill/>
-              </a:ln>
-              <a:solidFill>
-                <a:srgbClr val="525252"/>
-              </a:solidFill>
-              <a:effectLst/>
-              <a:uLnTx/>
-              <a:uFillTx/>
-              <a:latin typeface="+mj-lt"/>
-              <a:ea typeface="Karla" pitchFamily="2" charset="0"/>
-            </a:endParaRPr>
-          </a:p>
-        </p:txBody>
-      </p:sp>
-      <p:sp>
-        <p:nvSpPr>
-          <p:cNvPr id="3" name="Espace réservé de la date 2">
-            <a:extLst>
-              <a:ext uri="{FF2B5EF4-FFF2-40B4-BE49-F238E27FC236}">
-                <a16:creationId xmlns:a16="http://schemas.microsoft.com/office/drawing/2014/main" id="{DE9241D6-AE8E-43B4-BB97-0B368873E0F7}"/>
-              </a:ext>
-            </a:extLst>
-          </p:cNvPr>
-          <p:cNvSpPr>
-            <a:spLocks noGrp="1"/>
-          </p:cNvSpPr>
-          <p:nvPr>
-            <p:ph type="dt" sz="half" idx="10"/>
-          </p:nvPr>
-        </p:nvSpPr>
-        <p:spPr/>
-        <p:txBody>
-          <a:bodyPr/>
-          <a:lstStyle/>
-          <a:p>
-            <a:r>
-              <a:rPr lang="fr-FR">
-                <a:ea typeface="Karla" pitchFamily="2" charset="0"/>
-              </a:rPr>
-              <a:t> </a:t>
-            </a:r>
-          </a:p>
-        </p:txBody>
-      </p:sp>
-      <p:cxnSp>
-        <p:nvCxnSpPr>
-          <p:cNvPr id="11" name="Connecteur droit 10">
-            <a:extLst>
-              <a:ext uri="{FF2B5EF4-FFF2-40B4-BE49-F238E27FC236}">
-                <a16:creationId xmlns:a16="http://schemas.microsoft.com/office/drawing/2014/main" id="{987BF4BF-9CBA-4F21-8F56-5E002575FFB1}"/>
-              </a:ext>
-            </a:extLst>
-          </p:cNvPr>
-          <p:cNvCxnSpPr/>
-          <p:nvPr/>
-        </p:nvCxnSpPr>
-        <p:spPr>
-          <a:xfrm>
-            <a:off x="2004291" y="0"/>
-            <a:ext cx="0" cy="6858000"/>
-          </a:xfrm>
-          <a:prstGeom prst="line">
-            <a:avLst/>
-          </a:prstGeom>
-          <a:ln w="28575">
-            <a:solidFill>
-              <a:schemeClr val="bg1"/>
-            </a:solidFill>
-          </a:ln>
-        </p:spPr>
-        <p:style>
-          <a:lnRef idx="1">
-            <a:schemeClr val="accent1"/>
-          </a:lnRef>
-          <a:fillRef idx="0">
-            <a:schemeClr val="accent1"/>
-          </a:fillRef>
-          <a:effectRef idx="0">
-            <a:schemeClr val="accent1"/>
-          </a:effectRef>
-          <a:fontRef idx="minor">
-            <a:schemeClr val="tx1"/>
-          </a:fontRef>
-        </p:style>
-      </p:cxnSp>
-      <p:sp>
-        <p:nvSpPr>
-          <p:cNvPr id="15" name="Ellipse 14">
-            <a:extLst>
-              <a:ext uri="{FF2B5EF4-FFF2-40B4-BE49-F238E27FC236}">
-                <a16:creationId xmlns:a16="http://schemas.microsoft.com/office/drawing/2014/main" id="{94ECA506-A143-492E-A322-B6CF7D28D0F6}"/>
-              </a:ext>
-            </a:extLst>
-          </p:cNvPr>
-          <p:cNvSpPr/>
-          <p:nvPr/>
-        </p:nvSpPr>
-        <p:spPr>
-          <a:xfrm>
-            <a:off x="1827851" y="3547007"/>
-            <a:ext cx="364337" cy="364337"/>
-          </a:xfrm>
-          <a:prstGeom prst="ellipse">
-            <a:avLst/>
-          </a:prstGeom>
-          <a:solidFill>
-            <a:schemeClr val="tx2">
-              <a:lumMod val="75000"/>
-            </a:schemeClr>
-          </a:solidFill>
-          <a:ln w="28575">
-            <a:solidFill>
-              <a:schemeClr val="bg1"/>
-            </a:solidFill>
-          </a:ln>
-        </p:spPr>
-        <p:style>
-          <a:lnRef idx="2">
-            <a:schemeClr val="accent1">
-              <a:shade val="50000"/>
-            </a:schemeClr>
-          </a:lnRef>
-          <a:fillRef idx="1">
-            <a:schemeClr val="accent1"/>
-          </a:fillRef>
-          <a:effectRef idx="0">
-            <a:schemeClr val="accent1"/>
-          </a:effectRef>
-          <a:fontRef idx="minor">
-            <a:schemeClr val="lt1"/>
-          </a:fontRef>
-        </p:style>
-        <p:txBody>
-          <a:bodyPr rtlCol="0" anchor="ctr"/>
-          <a:lstStyle/>
-          <a:p>
-            <a:pPr algn="ctr"/>
-            <a:endParaRPr lang="fr-FR">
-              <a:latin typeface="+mj-lt"/>
-              <a:ea typeface="Karla" pitchFamily="2" charset="0"/>
-            </a:endParaRPr>
-          </a:p>
-        </p:txBody>
-      </p:sp>
-      <p:sp>
-        <p:nvSpPr>
-          <p:cNvPr id="22" name="ZoneTexte 21">
-            <a:extLst>
-              <a:ext uri="{FF2B5EF4-FFF2-40B4-BE49-F238E27FC236}">
-                <a16:creationId xmlns:a16="http://schemas.microsoft.com/office/drawing/2014/main" id="{3D173455-883E-41D3-8952-08965149EE84}"/>
-              </a:ext>
-            </a:extLst>
-          </p:cNvPr>
-          <p:cNvSpPr txBox="1"/>
-          <p:nvPr/>
-        </p:nvSpPr>
-        <p:spPr bwMode="auto">
-          <a:xfrm>
-            <a:off x="2368628" y="1144375"/>
-            <a:ext cx="10015910" cy="3626506"/>
-          </a:xfrm>
-          <a:prstGeom prst="rect">
-            <a:avLst/>
-          </a:prstGeom>
-          <a:noFill/>
-          <a:ln>
-            <a:noFill/>
-          </a:ln>
-          <a:extLst>
-            <a:ext uri="{909E8E84-426E-40DD-AFC4-6F175D3DCCD1}">
-              <a14:hiddenFill xmlns:a14="http://schemas.microsoft.com/office/drawing/2010/main">
-                <a:solidFill>
-                  <a:srgbClr val="FFFFFF"/>
-                </a:solidFill>
-              </a14:hiddenFill>
-            </a:ext>
-            <a:ext uri="{91240B29-F687-4F45-9708-019B960494DF}">
-              <a14:hiddenLine xmlns:a14="http://schemas.microsoft.com/office/drawing/2010/main" w="9525">
-                <a:solidFill>
-                  <a:srgbClr val="000000"/>
-                </a:solidFill>
-                <a:miter lim="800000"/>
-                <a:headEnd/>
-                <a:tailEnd/>
-              </a14:hiddenLine>
-            </a:ext>
-          </a:extLst>
-        </p:spPr>
-        <p:txBody>
-          <a:bodyPr wrap="square" lIns="0" tIns="0" rIns="0" bIns="0" rtlCol="0" anchor="b">
-            <a:spAutoFit/>
-          </a:bodyPr>
-          <a:lstStyle/>
-          <a:p>
-            <a:pPr marL="514350" indent="-514350" eaLnBrk="1" hangingPunct="1">
-              <a:lnSpc>
-                <a:spcPct val="150000"/>
-              </a:lnSpc>
-              <a:buAutoNum type="arabicPeriod"/>
-            </a:pPr>
-            <a:r>
-              <a:rPr lang="fr-FR" sz="2800" dirty="0">
-                <a:solidFill>
-                  <a:schemeClr val="bg1"/>
-                </a:solidFill>
-              </a:rPr>
-              <a:t>How to set </a:t>
-            </a:r>
-            <a:r>
-              <a:rPr lang="fr-FR" sz="2800" dirty="0" err="1">
-                <a:solidFill>
-                  <a:schemeClr val="bg1"/>
-                </a:solidFill>
-              </a:rPr>
-              <a:t>it</a:t>
-            </a:r>
-            <a:r>
-              <a:rPr lang="fr-FR" sz="2800" dirty="0">
-                <a:solidFill>
-                  <a:schemeClr val="bg1"/>
-                </a:solidFill>
-              </a:rPr>
-              <a:t> up </a:t>
-            </a:r>
-            <a:r>
-              <a:rPr lang="fr-FR" sz="2800" dirty="0" err="1">
-                <a:solidFill>
-                  <a:schemeClr val="bg1"/>
-                </a:solidFill>
-              </a:rPr>
-              <a:t>React</a:t>
-            </a:r>
-            <a:r>
-              <a:rPr lang="fr-FR" sz="2800" dirty="0">
-                <a:solidFill>
-                  <a:schemeClr val="bg1"/>
-                </a:solidFill>
-              </a:rPr>
-              <a:t> OIDC</a:t>
-            </a:r>
-          </a:p>
-          <a:p>
-            <a:pPr marL="514350" indent="-514350" eaLnBrk="1" hangingPunct="1">
-              <a:lnSpc>
-                <a:spcPct val="150000"/>
-              </a:lnSpc>
-              <a:buAutoNum type="arabicPeriod"/>
-            </a:pPr>
-            <a:r>
-              <a:rPr lang="en-US" sz="2800" dirty="0">
-                <a:solidFill>
-                  <a:schemeClr val="bg1"/>
-                </a:solidFill>
-              </a:rPr>
-              <a:t>Understanding the concepts of identification, authorization and authentication</a:t>
-            </a:r>
-          </a:p>
-          <a:p>
-            <a:pPr marL="514350" indent="-514350">
-              <a:lnSpc>
-                <a:spcPct val="150000"/>
-              </a:lnSpc>
-              <a:buFontTx/>
-              <a:buAutoNum type="arabicPeriod"/>
-            </a:pPr>
-            <a:r>
-              <a:rPr lang="en-US" sz="4800" b="1" dirty="0">
-                <a:solidFill>
-                  <a:schemeClr val="bg1"/>
-                </a:solidFill>
-                <a:latin typeface="+mj-lt"/>
-              </a:rPr>
-              <a:t>"Level up" with OpenID Connect</a:t>
-            </a:r>
-            <a:endParaRPr lang="fr-FR" sz="4800" b="1" dirty="0">
-              <a:solidFill>
-                <a:schemeClr val="bg1"/>
-              </a:solidFill>
-              <a:latin typeface="+mj-lt"/>
-            </a:endParaRPr>
-          </a:p>
-          <a:p>
-            <a:pPr marL="514350" indent="-514350">
-              <a:lnSpc>
-                <a:spcPct val="150000"/>
-              </a:lnSpc>
-              <a:buFontTx/>
-              <a:buAutoNum type="arabicPeriod"/>
-            </a:pPr>
-            <a:r>
-              <a:rPr lang="fr-FR" sz="2800" dirty="0">
-                <a:solidFill>
-                  <a:schemeClr val="bg1"/>
-                </a:solidFill>
-                <a:ea typeface="Karla" pitchFamily="2" charset="0"/>
-              </a:rPr>
-              <a:t>Conclusion</a:t>
-            </a:r>
-          </a:p>
-        </p:txBody>
-      </p:sp>
-      <p:sp>
-        <p:nvSpPr>
-          <p:cNvPr id="13" name="Ellipse 12">
-            <a:extLst>
-              <a:ext uri="{FF2B5EF4-FFF2-40B4-BE49-F238E27FC236}">
-                <a16:creationId xmlns:a16="http://schemas.microsoft.com/office/drawing/2014/main" id="{55FC0511-2E83-42F9-AF8A-52A4E21F6BF3}"/>
-              </a:ext>
-            </a:extLst>
-          </p:cNvPr>
-          <p:cNvSpPr/>
-          <p:nvPr/>
-        </p:nvSpPr>
-        <p:spPr>
-          <a:xfrm>
-            <a:off x="1918794" y="2059283"/>
-            <a:ext cx="192540" cy="192540"/>
-          </a:xfrm>
-          <a:prstGeom prst="ellipse">
-            <a:avLst/>
-          </a:prstGeom>
-          <a:solidFill>
-            <a:schemeClr val="tx2">
-              <a:lumMod val="75000"/>
-            </a:schemeClr>
-          </a:solidFill>
-          <a:ln w="28575">
-            <a:solidFill>
-              <a:schemeClr val="bg1"/>
-            </a:solidFill>
-          </a:ln>
-        </p:spPr>
-        <p:style>
-          <a:lnRef idx="2">
-            <a:schemeClr val="accent1">
-              <a:shade val="50000"/>
-            </a:schemeClr>
-          </a:lnRef>
-          <a:fillRef idx="1">
-            <a:schemeClr val="accent1"/>
-          </a:fillRef>
-          <a:effectRef idx="0">
-            <a:schemeClr val="accent1"/>
-          </a:effectRef>
-          <a:fontRef idx="minor">
-            <a:schemeClr val="lt1"/>
-          </a:fontRef>
-        </p:style>
-        <p:txBody>
-          <a:bodyPr rtlCol="0" anchor="ctr"/>
-          <a:lstStyle/>
-          <a:p>
-            <a:pPr algn="ctr"/>
-            <a:endParaRPr lang="fr-FR">
-              <a:latin typeface="+mj-lt"/>
-              <a:ea typeface="Karla" pitchFamily="2" charset="0"/>
-            </a:endParaRPr>
-          </a:p>
-        </p:txBody>
-      </p:sp>
-      <p:sp>
-        <p:nvSpPr>
-          <p:cNvPr id="14" name="Ellipse 7">
-            <a:extLst>
-              <a:ext uri="{FF2B5EF4-FFF2-40B4-BE49-F238E27FC236}">
-                <a16:creationId xmlns:a16="http://schemas.microsoft.com/office/drawing/2014/main" id="{10241E5C-56AA-4019-82EF-BEEAD76E8004}"/>
-              </a:ext>
-            </a:extLst>
-          </p:cNvPr>
-          <p:cNvSpPr/>
-          <p:nvPr/>
-        </p:nvSpPr>
-        <p:spPr>
-          <a:xfrm>
-            <a:off x="1913206" y="1421814"/>
-            <a:ext cx="192540" cy="192540"/>
-          </a:xfrm>
-          <a:prstGeom prst="ellipse">
-            <a:avLst/>
-          </a:prstGeom>
-          <a:solidFill>
-            <a:schemeClr val="tx2">
-              <a:lumMod val="75000"/>
-            </a:schemeClr>
-          </a:solidFill>
-          <a:ln w="28575">
-            <a:solidFill>
-              <a:schemeClr val="bg1"/>
-            </a:solidFill>
-          </a:ln>
-        </p:spPr>
-        <p:style>
-          <a:lnRef idx="2">
-            <a:schemeClr val="accent1">
-              <a:shade val="50000"/>
-            </a:schemeClr>
-          </a:lnRef>
-          <a:fillRef idx="1">
-            <a:schemeClr val="accent1"/>
-          </a:fillRef>
-          <a:effectRef idx="0">
-            <a:schemeClr val="accent1"/>
-          </a:effectRef>
-          <a:fontRef idx="minor">
-            <a:schemeClr val="lt1"/>
-          </a:fontRef>
-        </p:style>
-        <p:txBody>
-          <a:bodyPr rtlCol="0" anchor="ctr"/>
-          <a:lstStyle/>
-          <a:p>
-            <a:pPr algn="ctr"/>
-            <a:endParaRPr lang="fr-FR">
-              <a:latin typeface="+mj-lt"/>
-              <a:ea typeface="Karla" pitchFamily="2" charset="0"/>
-            </a:endParaRPr>
-          </a:p>
-        </p:txBody>
-      </p:sp>
-      <p:sp>
-        <p:nvSpPr>
-          <p:cNvPr id="16" name="Ellipse 7">
-            <a:extLst>
-              <a:ext uri="{FF2B5EF4-FFF2-40B4-BE49-F238E27FC236}">
-                <a16:creationId xmlns:a16="http://schemas.microsoft.com/office/drawing/2014/main" id="{5FAE9A66-D671-4BF4-9DDF-541CBDA7ED35}"/>
-              </a:ext>
-            </a:extLst>
-          </p:cNvPr>
-          <p:cNvSpPr/>
-          <p:nvPr/>
-        </p:nvSpPr>
-        <p:spPr>
-          <a:xfrm>
-            <a:off x="1896335" y="4506162"/>
-            <a:ext cx="192540" cy="192540"/>
-          </a:xfrm>
-          <a:prstGeom prst="ellipse">
-            <a:avLst/>
-          </a:prstGeom>
-          <a:solidFill>
-            <a:schemeClr val="tx2">
-              <a:lumMod val="75000"/>
-            </a:schemeClr>
-          </a:solidFill>
-          <a:ln w="28575">
-            <a:solidFill>
-              <a:schemeClr val="bg1"/>
-            </a:solidFill>
-          </a:ln>
-        </p:spPr>
-        <p:style>
-          <a:lnRef idx="2">
-            <a:schemeClr val="accent1">
-              <a:shade val="50000"/>
-            </a:schemeClr>
-          </a:lnRef>
-          <a:fillRef idx="1">
-            <a:schemeClr val="accent1"/>
-          </a:fillRef>
-          <a:effectRef idx="0">
-            <a:schemeClr val="accent1"/>
-          </a:effectRef>
-          <a:fontRef idx="minor">
-            <a:schemeClr val="lt1"/>
-          </a:fontRef>
-        </p:style>
-        <p:txBody>
-          <a:bodyPr rtlCol="0" anchor="ctr"/>
-          <a:lstStyle/>
-          <a:p>
-            <a:pPr algn="ctr"/>
-            <a:endParaRPr lang="fr-FR">
-              <a:latin typeface="+mj-lt"/>
-              <a:ea typeface="Karla" pitchFamily="2" charset="0"/>
-            </a:endParaRPr>
-          </a:p>
-        </p:txBody>
-      </p:sp>
-    </p:spTree>
-    <p:extLst>
-      <p:ext uri="{BB962C8B-B14F-4D97-AF65-F5344CB8AC3E}">
-        <p14:creationId xmlns:p14="http://schemas.microsoft.com/office/powerpoint/2010/main" val="4260452381"/>
-      </p:ext>
-    </p:extLst>
-  </p:cSld>
-  <p:clrMapOvr>
-    <a:masterClrMapping/>
-  </p:clrMapOvr>
-  <mc:AlternateContent xmlns:mc="http://schemas.openxmlformats.org/markup-compatibility/2006" xmlns:p159="http://schemas.microsoft.com/office/powerpoint/2015/09/main">
-    <mc:Choice Requires="p159">
-      <p:transition xmlns:p14="http://schemas.microsoft.com/office/powerpoint/2010/main" spd="slow" p14:dur="2000">
-        <p159:morph option="byObject"/>
-      </p:transition>
-    </mc:Choice>
-    <mc:Fallback xmlns="">
-      <p:transition spd="slow">
-        <p:fade/>
-      </p:transition>
-    </mc:Fallback>
-  </mc:AlternateContent>
-</p:sld>
-</file>
-
-<file path=ppt/slides/slide8.xml><?xml version="1.0" encoding="utf-8"?>
-<p:sld xmlns:a="http://schemas.openxmlformats.org/drawingml/2006/main" xmlns:r="http://schemas.openxmlformats.org/officeDocument/2006/relationships" xmlns:p="http://schemas.openxmlformats.org/presentationml/2006/main">
-  <p:cSld>
-    <p:spTree>
-      <p:nvGrpSpPr>
-        <p:cNvPr id="1" name=""/>
-        <p:cNvGrpSpPr/>
-        <p:nvPr/>
-      </p:nvGrpSpPr>
-      <p:grpSpPr>
-        <a:xfrm>
-          <a:off x="0" y="0"/>
-          <a:ext cx="0" cy="0"/>
-          <a:chOff x="0" y="0"/>
-          <a:chExt cx="0" cy="0"/>
-        </a:xfrm>
-      </p:grpSpPr>
-      <p:sp>
-        <p:nvSpPr>
           <p:cNvPr id="4" name="Titre 1">
             <a:extLst>
               <a:ext uri="{FF2B5EF4-FFF2-40B4-BE49-F238E27FC236}">
@@ -36944,7 +34603,7 @@
 </p:sld>
 </file>
 
-<file path=ppt/slides/slide9.xml><?xml version="1.0" encoding="utf-8"?>
+<file path=ppt/slides/slide7.xml><?xml version="1.0" encoding="utf-8"?>
 <p:sld xmlns:a="http://schemas.openxmlformats.org/drawingml/2006/main" xmlns:r="http://schemas.openxmlformats.org/officeDocument/2006/relationships" xmlns:p="http://schemas.openxmlformats.org/presentationml/2006/main">
   <p:cSld>
     <p:spTree>
@@ -37198,6 +34857,344 @@
     <p:extLst>
       <p:ext uri="{BB962C8B-B14F-4D97-AF65-F5344CB8AC3E}">
         <p14:creationId xmlns:p14="http://schemas.microsoft.com/office/powerpoint/2010/main" val="2628848684"/>
+      </p:ext>
+    </p:extLst>
+  </p:cSld>
+  <p:clrMapOvr>
+    <a:masterClrMapping/>
+  </p:clrMapOvr>
+</p:sld>
+</file>
+
+<file path=ppt/slides/slide8.xml><?xml version="1.0" encoding="utf-8"?>
+<p:sld xmlns:a="http://schemas.openxmlformats.org/drawingml/2006/main" xmlns:r="http://schemas.openxmlformats.org/officeDocument/2006/relationships" xmlns:p="http://schemas.openxmlformats.org/presentationml/2006/main">
+  <p:cSld>
+    <p:spTree>
+      <p:nvGrpSpPr>
+        <p:cNvPr id="1" name=""/>
+        <p:cNvGrpSpPr/>
+        <p:nvPr/>
+      </p:nvGrpSpPr>
+      <p:grpSpPr>
+        <a:xfrm>
+          <a:off x="0" y="0"/>
+          <a:ext cx="0" cy="0"/>
+          <a:chOff x="0" y="0"/>
+          <a:chExt cx="0" cy="0"/>
+        </a:xfrm>
+      </p:grpSpPr>
+      <p:sp>
+        <p:nvSpPr>
+          <p:cNvPr id="2" name="Titre 1">
+            <a:extLst>
+              <a:ext uri="{FF2B5EF4-FFF2-40B4-BE49-F238E27FC236}">
+                <a16:creationId xmlns:a16="http://schemas.microsoft.com/office/drawing/2014/main" id="{E5A990E1-F441-44D2-803F-70E644C69C2A}"/>
+              </a:ext>
+            </a:extLst>
+          </p:cNvPr>
+          <p:cNvSpPr>
+            <a:spLocks noGrp="1"/>
+          </p:cNvSpPr>
+          <p:nvPr>
+            <p:ph type="title"/>
+          </p:nvPr>
+        </p:nvSpPr>
+        <p:spPr>
+          <a:xfrm>
+            <a:off x="838200" y="143056"/>
+            <a:ext cx="10515600" cy="867597"/>
+          </a:xfrm>
+        </p:spPr>
+        <p:txBody>
+          <a:bodyPr/>
+          <a:lstStyle/>
+          <a:p>
+            <a:r>
+              <a:rPr lang="fr-FR" dirty="0" err="1"/>
+              <a:t>OpenID</a:t>
+            </a:r>
+            <a:r>
+              <a:rPr lang="fr-FR" dirty="0"/>
+              <a:t> </a:t>
+            </a:r>
+            <a:r>
+              <a:rPr lang="fr-FR" dirty="0" err="1"/>
+              <a:t>Connect</a:t>
+            </a:r>
+            <a:r>
+              <a:rPr lang="fr-FR" dirty="0"/>
+              <a:t> : </a:t>
+            </a:r>
+            <a:r>
+              <a:rPr lang="fr-FR" dirty="0" err="1"/>
+              <a:t>endpoints</a:t>
+            </a:r>
+            <a:endParaRPr lang="fr-FR" dirty="0"/>
+          </a:p>
+        </p:txBody>
+      </p:sp>
+      <p:sp>
+        <p:nvSpPr>
+          <p:cNvPr id="3" name="Espace réservé du contenu 2">
+            <a:extLst>
+              <a:ext uri="{FF2B5EF4-FFF2-40B4-BE49-F238E27FC236}">
+                <a16:creationId xmlns:a16="http://schemas.microsoft.com/office/drawing/2014/main" id="{A7B7D880-679F-4A31-9BFD-E323292F46C6}"/>
+              </a:ext>
+            </a:extLst>
+          </p:cNvPr>
+          <p:cNvSpPr>
+            <a:spLocks noGrp="1"/>
+          </p:cNvSpPr>
+          <p:nvPr>
+            <p:ph idx="1"/>
+          </p:nvPr>
+        </p:nvSpPr>
+        <p:spPr>
+          <a:xfrm>
+            <a:off x="838200" y="1549667"/>
+            <a:ext cx="10515600" cy="5165276"/>
+          </a:xfrm>
+        </p:spPr>
+        <p:txBody>
+          <a:bodyPr>
+            <a:normAutofit/>
+          </a:bodyPr>
+          <a:lstStyle/>
+          <a:p>
+            <a:pPr marL="0" indent="0">
+              <a:buNone/>
+            </a:pPr>
+            <a:r>
+              <a:rPr lang="fr-FR" b="1" dirty="0" err="1"/>
+              <a:t>authorization</a:t>
+            </a:r>
+            <a:r>
+              <a:rPr lang="fr-FR" b="1" dirty="0"/>
+              <a:t> : </a:t>
+            </a:r>
+            <a:r>
+              <a:rPr lang="fr-FR" dirty="0"/>
+              <a:t>to </a:t>
+            </a:r>
+            <a:r>
+              <a:rPr lang="fr-FR" dirty="0" err="1"/>
+              <a:t>authenticate</a:t>
+            </a:r>
+            <a:r>
+              <a:rPr lang="fr-FR" dirty="0"/>
+              <a:t> a user</a:t>
+            </a:r>
+          </a:p>
+          <a:p>
+            <a:pPr marL="0" indent="0">
+              <a:buNone/>
+            </a:pPr>
+            <a:r>
+              <a:rPr lang="fr-FR" b="1" dirty="0" err="1"/>
+              <a:t>token</a:t>
+            </a:r>
+            <a:r>
+              <a:rPr lang="fr-FR" b="1" dirty="0"/>
+              <a:t> : </a:t>
+            </a:r>
+            <a:r>
+              <a:rPr lang="en-US" dirty="0"/>
+              <a:t>to request a token (access / refresh / ID)</a:t>
+            </a:r>
+          </a:p>
+          <a:p>
+            <a:pPr marL="0" indent="0">
+              <a:buNone/>
+            </a:pPr>
+            <a:r>
+              <a:rPr lang="fr-FR" b="1" dirty="0"/>
+              <a:t>user info : </a:t>
+            </a:r>
+            <a:r>
+              <a:rPr lang="en-US" dirty="0"/>
+              <a:t>to retrieve information about the user (his identity, his rights)</a:t>
+            </a:r>
+          </a:p>
+          <a:p>
+            <a:pPr marL="0" indent="0">
+              <a:buNone/>
+            </a:pPr>
+            <a:r>
+              <a:rPr lang="fr-FR" b="1" dirty="0" err="1"/>
+              <a:t>revocation</a:t>
+            </a:r>
+            <a:r>
+              <a:rPr lang="fr-FR" b="1" dirty="0"/>
+              <a:t> : </a:t>
+            </a:r>
+            <a:r>
+              <a:rPr lang="en-US" dirty="0"/>
+              <a:t>to remove a token (access / refresh)</a:t>
+            </a:r>
+          </a:p>
+          <a:p>
+            <a:pPr marL="0" indent="0">
+              <a:buNone/>
+            </a:pPr>
+            <a:r>
+              <a:rPr lang="fr-FR" b="1" dirty="0"/>
+              <a:t>introspection:</a:t>
+            </a:r>
+            <a:r>
+              <a:rPr lang="fr-FR" dirty="0"/>
+              <a:t> </a:t>
+            </a:r>
+            <a:r>
+              <a:rPr lang="en-US" dirty="0"/>
+              <a:t>to validate a token (access / refresh)</a:t>
+            </a:r>
+            <a:endParaRPr lang="fr-FR" dirty="0"/>
+          </a:p>
+        </p:txBody>
+      </p:sp>
+      <p:sp>
+        <p:nvSpPr>
+          <p:cNvPr id="4" name="Rectangle 3">
+            <a:extLst>
+              <a:ext uri="{FF2B5EF4-FFF2-40B4-BE49-F238E27FC236}">
+                <a16:creationId xmlns:a16="http://schemas.microsoft.com/office/drawing/2014/main" id="{AB679360-5EA1-4434-AC79-76C312844FD1}"/>
+              </a:ext>
+            </a:extLst>
+          </p:cNvPr>
+          <p:cNvSpPr/>
+          <p:nvPr/>
+        </p:nvSpPr>
+        <p:spPr>
+          <a:xfrm>
+            <a:off x="120534" y="6488668"/>
+            <a:ext cx="4690323" cy="369332"/>
+          </a:xfrm>
+          <a:prstGeom prst="rect">
+            <a:avLst/>
+          </a:prstGeom>
+        </p:spPr>
+        <p:txBody>
+          <a:bodyPr wrap="none">
+            <a:spAutoFit/>
+          </a:bodyPr>
+          <a:lstStyle/>
+          <a:p>
+            <a:r>
+              <a:rPr lang="fr-FR" dirty="0">
+                <a:hlinkClick r:id="rId2"/>
+              </a:rPr>
+              <a:t>https://meritis.fr/techno-archi/openid-connect/</a:t>
+            </a:r>
+            <a:endParaRPr lang="fr-FR" dirty="0"/>
+          </a:p>
+        </p:txBody>
+      </p:sp>
+    </p:spTree>
+    <p:extLst>
+      <p:ext uri="{BB962C8B-B14F-4D97-AF65-F5344CB8AC3E}">
+        <p14:creationId xmlns:p14="http://schemas.microsoft.com/office/powerpoint/2010/main" val="2143416267"/>
+      </p:ext>
+    </p:extLst>
+  </p:cSld>
+  <p:clrMapOvr>
+    <a:masterClrMapping/>
+  </p:clrMapOvr>
+</p:sld>
+</file>
+
+<file path=ppt/slides/slide9.xml><?xml version="1.0" encoding="utf-8"?>
+<p:sld xmlns:a="http://schemas.openxmlformats.org/drawingml/2006/main" xmlns:r="http://schemas.openxmlformats.org/officeDocument/2006/relationships" xmlns:p="http://schemas.openxmlformats.org/presentationml/2006/main">
+  <p:cSld>
+    <p:spTree>
+      <p:nvGrpSpPr>
+        <p:cNvPr id="1" name=""/>
+        <p:cNvGrpSpPr/>
+        <p:nvPr/>
+      </p:nvGrpSpPr>
+      <p:grpSpPr>
+        <a:xfrm>
+          <a:off x="0" y="0"/>
+          <a:ext cx="0" cy="0"/>
+          <a:chOff x="0" y="0"/>
+          <a:chExt cx="0" cy="0"/>
+        </a:xfrm>
+      </p:grpSpPr>
+      <p:sp>
+        <p:nvSpPr>
+          <p:cNvPr id="2" name="Titre 1">
+            <a:extLst>
+              <a:ext uri="{FF2B5EF4-FFF2-40B4-BE49-F238E27FC236}">
+                <a16:creationId xmlns:a16="http://schemas.microsoft.com/office/drawing/2014/main" id="{88D470CC-B0FC-45AE-B796-58C7683F5030}"/>
+              </a:ext>
+            </a:extLst>
+          </p:cNvPr>
+          <p:cNvSpPr>
+            <a:spLocks noGrp="1"/>
+          </p:cNvSpPr>
+          <p:nvPr>
+            <p:ph type="title"/>
+          </p:nvPr>
+        </p:nvSpPr>
+        <p:spPr/>
+        <p:txBody>
+          <a:bodyPr/>
+          <a:lstStyle/>
+          <a:p>
+            <a:r>
+              <a:rPr lang="fr-FR" dirty="0"/>
+              <a:t>Open ID </a:t>
+            </a:r>
+            <a:r>
+              <a:rPr lang="fr-FR" dirty="0" err="1"/>
+              <a:t>Connect</a:t>
+            </a:r>
+            <a:endParaRPr lang="fr-FR" dirty="0"/>
+          </a:p>
+        </p:txBody>
+      </p:sp>
+      <p:sp>
+        <p:nvSpPr>
+          <p:cNvPr id="3" name="Espace réservé du contenu 2">
+            <a:extLst>
+              <a:ext uri="{FF2B5EF4-FFF2-40B4-BE49-F238E27FC236}">
+                <a16:creationId xmlns:a16="http://schemas.microsoft.com/office/drawing/2014/main" id="{18148B1F-4453-4C2E-9AB7-C4DE9A436B8F}"/>
+              </a:ext>
+            </a:extLst>
+          </p:cNvPr>
+          <p:cNvSpPr>
+            <a:spLocks noGrp="1"/>
+          </p:cNvSpPr>
+          <p:nvPr>
+            <p:ph idx="1"/>
+          </p:nvPr>
+        </p:nvSpPr>
+        <p:spPr>
+          <a:xfrm>
+            <a:off x="838200" y="2657475"/>
+            <a:ext cx="10515600" cy="3519487"/>
+          </a:xfrm>
+        </p:spPr>
+        <p:txBody>
+          <a:bodyPr>
+            <a:normAutofit/>
+          </a:bodyPr>
+          <a:lstStyle/>
+          <a:p>
+            <a:pPr marL="0" indent="0" algn="ctr">
+              <a:buNone/>
+            </a:pPr>
+            <a:r>
+              <a:rPr lang="en-US" sz="4400" dirty="0"/>
+              <a:t>This allows you to change provider without changing your code</a:t>
+            </a:r>
+            <a:endParaRPr lang="fr-FR" sz="4400" dirty="0"/>
+          </a:p>
+        </p:txBody>
+      </p:sp>
+    </p:spTree>
+    <p:extLst>
+      <p:ext uri="{BB962C8B-B14F-4D97-AF65-F5344CB8AC3E}">
+        <p14:creationId xmlns:p14="http://schemas.microsoft.com/office/powerpoint/2010/main" val="2540032808"/>
       </p:ext>
     </p:extLst>
   </p:cSld>
